--- a/Dokumentation/SE_Plane_IT3_V1.1.pptx
+++ b/Dokumentation/SE_Plane_IT3_V1.1.pptx
@@ -1,42 +1,49 @@
 
 <file path=ppt/presentation.xml><?xml version="1.0" encoding="utf-8"?>
-<p:presentation xmlns:a="http://schemas.openxmlformats.org/drawingml/2006/main" xmlns:r="http://schemas.openxmlformats.org/officeDocument/2006/relationships" xmlns:mc="http://schemas.openxmlformats.org/markup-compatibility/2006" xmlns:mv="urn:schemas-microsoft-com:mac:vml" xmlns:p="http://schemas.openxmlformats.org/presentationml/2006/main" xmlns:c="http://schemas.openxmlformats.org/drawingml/2006/chart" xmlns:dgm="http://schemas.openxmlformats.org/drawingml/2006/diagram" xmlns:o="urn:schemas-microsoft-com:office:office" xmlns:v="urn:schemas-microsoft-com:vml" xmlns:pvml="urn:schemas-microsoft-com:office:powerpoint" xmlns:com="http://schemas.openxmlformats.org/drawingml/2006/compatibility" xmlns:p14="http://schemas.microsoft.com/office/powerpoint/2010/main" xmlns:p15="http://schemas.microsoft.com/office/powerpoint/2012/main" autoCompressPictures="0" embedTrueTypeFonts="1" strictFirstAndLastChars="0" saveSubsetFonts="1" showSpecialPlsOnTitleSld="0">
+<p:presentation xmlns:a="http://schemas.openxmlformats.org/drawingml/2006/main" xmlns:r="http://schemas.openxmlformats.org/officeDocument/2006/relationships" xmlns:p="http://schemas.openxmlformats.org/presentationml/2006/main" showSpecialPlsOnTitleSld="0" strictFirstAndLastChars="0" embedTrueTypeFonts="1" saveSubsetFonts="1" autoCompressPictures="0">
   <p:sldMasterIdLst>
-    <p:sldMasterId id="2147483659" r:id="rId5"/>
+    <p:sldMasterId id="2147483659" r:id="rId1"/>
   </p:sldMasterIdLst>
   <p:notesMasterIdLst>
-    <p:notesMasterId r:id="rId6"/>
+    <p:notesMasterId r:id="rId18"/>
   </p:notesMasterIdLst>
   <p:sldIdLst>
-    <p:sldId id="256" r:id="rId7"/>
-    <p:sldId id="257" r:id="rId8"/>
-    <p:sldId id="258" r:id="rId9"/>
-    <p:sldId id="259" r:id="rId10"/>
-    <p:sldId id="260" r:id="rId11"/>
-    <p:sldId id="261" r:id="rId12"/>
-    <p:sldId id="262" r:id="rId13"/>
-    <p:sldId id="263" r:id="rId14"/>
-    <p:sldId id="264" r:id="rId15"/>
-    <p:sldId id="265" r:id="rId16"/>
-    <p:sldId id="266" r:id="rId17"/>
-    <p:sldId id="267" r:id="rId18"/>
-    <p:sldId id="268" r:id="rId19"/>
-    <p:sldId id="269" r:id="rId20"/>
-    <p:sldId id="270" r:id="rId21"/>
-    <p:sldId id="271" r:id="rId22"/>
+    <p:sldId id="256" r:id="rId2"/>
+    <p:sldId id="257" r:id="rId3"/>
+    <p:sldId id="258" r:id="rId4"/>
+    <p:sldId id="259" r:id="rId5"/>
+    <p:sldId id="260" r:id="rId6"/>
+    <p:sldId id="261" r:id="rId7"/>
+    <p:sldId id="262" r:id="rId8"/>
+    <p:sldId id="263" r:id="rId9"/>
+    <p:sldId id="264" r:id="rId10"/>
+    <p:sldId id="265" r:id="rId11"/>
+    <p:sldId id="266" r:id="rId12"/>
+    <p:sldId id="267" r:id="rId13"/>
+    <p:sldId id="268" r:id="rId14"/>
+    <p:sldId id="269" r:id="rId15"/>
+    <p:sldId id="270" r:id="rId16"/>
+    <p:sldId id="271" r:id="rId17"/>
   </p:sldIdLst>
-  <p:sldSz cy="5143500" cx="9144000"/>
+  <p:sldSz cx="9144000" cy="5143500" type="screen16x9"/>
   <p:notesSz cx="6858000" cy="9144000"/>
   <p:embeddedFontLst>
     <p:embeddedFont>
-      <p:font typeface="Raleway"/>
+      <p:font typeface="Calibri" panose="020F0502020204030204" pitchFamily="34" charset="0"/>
+      <p:regular r:id="rId19"/>
+      <p:bold r:id="rId20"/>
+      <p:italic r:id="rId21"/>
+      <p:boldItalic r:id="rId22"/>
+    </p:embeddedFont>
+    <p:embeddedFont>
+      <p:font typeface="Lato" panose="02010600030101010101" charset="0"/>
       <p:regular r:id="rId23"/>
       <p:bold r:id="rId24"/>
       <p:italic r:id="rId25"/>
       <p:boldItalic r:id="rId26"/>
     </p:embeddedFont>
     <p:embeddedFont>
-      <p:font typeface="Lato"/>
+      <p:font typeface="Raleway" panose="02010600030101010101" charset="0"/>
       <p:regular r:id="rId27"/>
       <p:bold r:id="rId28"/>
       <p:italic r:id="rId29"/>
@@ -44,7 +51,7 @@
     </p:embeddedFont>
   </p:embeddedFontLst>
   <p:defaultTextStyle>
-    <a:defPPr lvl="0" marR="0" rtl="0" algn="l">
+    <a:defPPr marR="0" lvl="0" algn="l" rtl="0">
       <a:lnSpc>
         <a:spcPct val="100000"/>
       </a:lnSpc>
@@ -55,7 +62,7 @@
         <a:spcPts val="0"/>
       </a:spcAft>
     </a:defPPr>
-    <a:lvl1pPr lvl="0" marR="0" rtl="0" algn="l">
+    <a:lvl1pPr marR="0" lvl="0" algn="l" rtl="0">
       <a:lnSpc>
         <a:spcPct val="100000"/>
       </a:lnSpc>
@@ -69,7 +76,7 @@
         <a:srgbClr val="000000"/>
       </a:buClr>
       <a:buFont typeface="Arial"/>
-      <a:defRPr b="0" i="0" sz="1400" u="none" cap="none" strike="noStrike">
+      <a:defRPr sz="1400" b="0" i="0" u="none" strike="noStrike" cap="none">
         <a:solidFill>
           <a:srgbClr val="000000"/>
         </a:solidFill>
@@ -79,7 +86,7 @@
         <a:sym typeface="Arial"/>
       </a:defRPr>
     </a:lvl1pPr>
-    <a:lvl2pPr lvl="1" marR="0" rtl="0" algn="l">
+    <a:lvl2pPr marR="0" lvl="1" algn="l" rtl="0">
       <a:lnSpc>
         <a:spcPct val="100000"/>
       </a:lnSpc>
@@ -93,7 +100,7 @@
         <a:srgbClr val="000000"/>
       </a:buClr>
       <a:buFont typeface="Arial"/>
-      <a:defRPr b="0" i="0" sz="1400" u="none" cap="none" strike="noStrike">
+      <a:defRPr sz="1400" b="0" i="0" u="none" strike="noStrike" cap="none">
         <a:solidFill>
           <a:srgbClr val="000000"/>
         </a:solidFill>
@@ -103,7 +110,7 @@
         <a:sym typeface="Arial"/>
       </a:defRPr>
     </a:lvl2pPr>
-    <a:lvl3pPr lvl="2" marR="0" rtl="0" algn="l">
+    <a:lvl3pPr marR="0" lvl="2" algn="l" rtl="0">
       <a:lnSpc>
         <a:spcPct val="100000"/>
       </a:lnSpc>
@@ -117,7 +124,7 @@
         <a:srgbClr val="000000"/>
       </a:buClr>
       <a:buFont typeface="Arial"/>
-      <a:defRPr b="0" i="0" sz="1400" u="none" cap="none" strike="noStrike">
+      <a:defRPr sz="1400" b="0" i="0" u="none" strike="noStrike" cap="none">
         <a:solidFill>
           <a:srgbClr val="000000"/>
         </a:solidFill>
@@ -127,7 +134,7 @@
         <a:sym typeface="Arial"/>
       </a:defRPr>
     </a:lvl3pPr>
-    <a:lvl4pPr lvl="3" marR="0" rtl="0" algn="l">
+    <a:lvl4pPr marR="0" lvl="3" algn="l" rtl="0">
       <a:lnSpc>
         <a:spcPct val="100000"/>
       </a:lnSpc>
@@ -141,7 +148,7 @@
         <a:srgbClr val="000000"/>
       </a:buClr>
       <a:buFont typeface="Arial"/>
-      <a:defRPr b="0" i="0" sz="1400" u="none" cap="none" strike="noStrike">
+      <a:defRPr sz="1400" b="0" i="0" u="none" strike="noStrike" cap="none">
         <a:solidFill>
           <a:srgbClr val="000000"/>
         </a:solidFill>
@@ -151,7 +158,7 @@
         <a:sym typeface="Arial"/>
       </a:defRPr>
     </a:lvl4pPr>
-    <a:lvl5pPr lvl="4" marR="0" rtl="0" algn="l">
+    <a:lvl5pPr marR="0" lvl="4" algn="l" rtl="0">
       <a:lnSpc>
         <a:spcPct val="100000"/>
       </a:lnSpc>
@@ -165,7 +172,7 @@
         <a:srgbClr val="000000"/>
       </a:buClr>
       <a:buFont typeface="Arial"/>
-      <a:defRPr b="0" i="0" sz="1400" u="none" cap="none" strike="noStrike">
+      <a:defRPr sz="1400" b="0" i="0" u="none" strike="noStrike" cap="none">
         <a:solidFill>
           <a:srgbClr val="000000"/>
         </a:solidFill>
@@ -175,7 +182,7 @@
         <a:sym typeface="Arial"/>
       </a:defRPr>
     </a:lvl5pPr>
-    <a:lvl6pPr lvl="5" marR="0" rtl="0" algn="l">
+    <a:lvl6pPr marR="0" lvl="5" algn="l" rtl="0">
       <a:lnSpc>
         <a:spcPct val="100000"/>
       </a:lnSpc>
@@ -189,7 +196,7 @@
         <a:srgbClr val="000000"/>
       </a:buClr>
       <a:buFont typeface="Arial"/>
-      <a:defRPr b="0" i="0" sz="1400" u="none" cap="none" strike="noStrike">
+      <a:defRPr sz="1400" b="0" i="0" u="none" strike="noStrike" cap="none">
         <a:solidFill>
           <a:srgbClr val="000000"/>
         </a:solidFill>
@@ -199,7 +206,7 @@
         <a:sym typeface="Arial"/>
       </a:defRPr>
     </a:lvl6pPr>
-    <a:lvl7pPr lvl="6" marR="0" rtl="0" algn="l">
+    <a:lvl7pPr marR="0" lvl="6" algn="l" rtl="0">
       <a:lnSpc>
         <a:spcPct val="100000"/>
       </a:lnSpc>
@@ -213,7 +220,7 @@
         <a:srgbClr val="000000"/>
       </a:buClr>
       <a:buFont typeface="Arial"/>
-      <a:defRPr b="0" i="0" sz="1400" u="none" cap="none" strike="noStrike">
+      <a:defRPr sz="1400" b="0" i="0" u="none" strike="noStrike" cap="none">
         <a:solidFill>
           <a:srgbClr val="000000"/>
         </a:solidFill>
@@ -223,7 +230,7 @@
         <a:sym typeface="Arial"/>
       </a:defRPr>
     </a:lvl7pPr>
-    <a:lvl8pPr lvl="7" marR="0" rtl="0" algn="l">
+    <a:lvl8pPr marR="0" lvl="7" algn="l" rtl="0">
       <a:lnSpc>
         <a:spcPct val="100000"/>
       </a:lnSpc>
@@ -237,7 +244,7 @@
         <a:srgbClr val="000000"/>
       </a:buClr>
       <a:buFont typeface="Arial"/>
-      <a:defRPr b="0" i="0" sz="1400" u="none" cap="none" strike="noStrike">
+      <a:defRPr sz="1400" b="0" i="0" u="none" strike="noStrike" cap="none">
         <a:solidFill>
           <a:srgbClr val="000000"/>
         </a:solidFill>
@@ -247,7 +254,7 @@
         <a:sym typeface="Arial"/>
       </a:defRPr>
     </a:lvl8pPr>
-    <a:lvl9pPr lvl="8" marR="0" rtl="0" algn="l">
+    <a:lvl9pPr marR="0" lvl="8" algn="l" rtl="0">
       <a:lnSpc>
         <a:spcPct val="100000"/>
       </a:lnSpc>
@@ -261,7 +268,7 @@
         <a:srgbClr val="000000"/>
       </a:buClr>
       <a:buFont typeface="Arial"/>
-      <a:defRPr b="0" i="0" sz="1400" u="none" cap="none" strike="noStrike">
+      <a:defRPr sz="1400" b="0" i="0" u="none" strike="noStrike" cap="none">
         <a:solidFill>
           <a:srgbClr val="000000"/>
         </a:solidFill>
@@ -274,7 +281,7 @@
   </p:defaultTextStyle>
   <p:extLst>
     <p:ext uri="{EFAFB233-063F-42B5-8137-9DF3F51BA10A}">
-      <p15:sldGuideLst>
+      <p15:sldGuideLst xmlns:p15="http://schemas.microsoft.com/office/powerpoint/2012/main">
         <p15:guide id="1" orient="horz" pos="1620">
           <p15:clr>
             <a:srgbClr val="A4A3A4"/>
@@ -292,11 +299,16 @@
 </file>
 
 <file path=ppt/notesMasters/notesMaster1.xml><?xml version="1.0" encoding="utf-8"?>
-<p:notesMaster xmlns:a="http://schemas.openxmlformats.org/drawingml/2006/main" xmlns:r="http://schemas.openxmlformats.org/officeDocument/2006/relationships" xmlns:mc="http://schemas.openxmlformats.org/markup-compatibility/2006" xmlns:mv="urn:schemas-microsoft-com:mac:vml" xmlns:p="http://schemas.openxmlformats.org/presentationml/2006/main" xmlns:c="http://schemas.openxmlformats.org/drawingml/2006/chart" xmlns:dgm="http://schemas.openxmlformats.org/drawingml/2006/diagram" xmlns:o="urn:schemas-microsoft-com:office:office" xmlns:v="urn:schemas-microsoft-com:vml" xmlns:pvml="urn:schemas-microsoft-com:office:powerpoint" xmlns:com="http://schemas.openxmlformats.org/drawingml/2006/compatibility" xmlns:p14="http://schemas.microsoft.com/office/powerpoint/2010/main" xmlns:p15="http://schemas.microsoft.com/office/powerpoint/2012/main">
+<p:notesMaster xmlns:a="http://schemas.openxmlformats.org/drawingml/2006/main" xmlns:r="http://schemas.openxmlformats.org/officeDocument/2006/relationships" xmlns:p="http://schemas.openxmlformats.org/presentationml/2006/main">
   <p:cSld>
+    <p:bg>
+      <p:bgRef idx="1001">
+        <a:schemeClr val="bg1"/>
+      </p:bgRef>
+    </p:bg>
     <p:spTree>
       <p:nvGrpSpPr>
-        <p:cNvPr id="2" name="Shape 2"/>
+        <p:cNvPr id="1" name="Shape 2"/>
         <p:cNvGrpSpPr/>
         <p:nvPr/>
       </p:nvGrpSpPr>
@@ -311,9 +323,11 @@
       <p:sp>
         <p:nvSpPr>
           <p:cNvPr id="3" name="Google Shape;3;n"/>
-          <p:cNvSpPr/>
+          <p:cNvSpPr>
+            <a:spLocks noGrp="1" noRot="1" noChangeAspect="1"/>
+          </p:cNvSpPr>
           <p:nvPr>
-            <p:ph idx="2" type="sldImg"/>
+            <p:ph type="sldImg" idx="2"/>
           </p:nvPr>
         </p:nvSpPr>
         <p:spPr>
@@ -322,9 +336,13 @@
             <a:ext cx="6096075" cy="3429000"/>
           </a:xfrm>
           <a:custGeom>
-            <a:rect b="b" l="l" r="r" t="t"/>
+            <a:avLst/>
+            <a:gdLst/>
+            <a:ahLst/>
+            <a:cxnLst/>
+            <a:rect l="l" t="t" r="r" b="b"/>
             <a:pathLst>
-              <a:path extrusionOk="0" h="120000" w="120000">
+              <a:path w="120000" h="120000" extrusionOk="0">
                 <a:moveTo>
                   <a:pt x="0" y="0"/>
                 </a:moveTo>
@@ -342,23 +360,25 @@
             </a:pathLst>
           </a:custGeom>
           <a:noFill/>
-          <a:ln cap="flat" cmpd="sng" w="9525">
+          <a:ln w="9525" cap="flat" cmpd="sng">
             <a:solidFill>
               <a:srgbClr val="000000"/>
             </a:solidFill>
             <a:prstDash val="solid"/>
             <a:round/>
-            <a:headEnd len="sm" w="sm" type="none"/>
-            <a:tailEnd len="sm" w="sm" type="none"/>
+            <a:headEnd type="none" w="sm" len="sm"/>
+            <a:tailEnd type="none" w="sm" len="sm"/>
           </a:ln>
         </p:spPr>
       </p:sp>
       <p:sp>
         <p:nvSpPr>
           <p:cNvPr id="4" name="Google Shape;4;n"/>
-          <p:cNvSpPr txBox="1"/>
+          <p:cNvSpPr txBox="1">
+            <a:spLocks noGrp="1"/>
+          </p:cNvSpPr>
           <p:nvPr>
-            <p:ph idx="1" type="body"/>
+            <p:ph type="body" idx="1"/>
           </p:nvPr>
         </p:nvSpPr>
         <p:spPr>
@@ -375,11 +395,11 @@
           </a:ln>
         </p:spPr>
         <p:txBody>
-          <a:bodyPr anchorCtr="0" anchor="t" bIns="91425" lIns="91425" spcFirstLastPara="1" rIns="91425" wrap="square" tIns="91425">
+          <a:bodyPr spcFirstLastPara="1" wrap="square" lIns="91425" tIns="91425" rIns="91425" bIns="91425" anchor="t" anchorCtr="0">
             <a:noAutofit/>
           </a:bodyPr>
           <a:lstStyle>
-            <a:lvl1pPr indent="-298450" lvl="0" marL="457200">
+            <a:lvl1pPr marL="457200" lvl="0" indent="-298450">
               <a:spcBef>
                 <a:spcPts val="0"/>
               </a:spcBef>
@@ -390,7 +410,7 @@
               <a:buChar char="●"/>
               <a:defRPr sz="1100"/>
             </a:lvl1pPr>
-            <a:lvl2pPr indent="-298450" lvl="1" marL="914400">
+            <a:lvl2pPr marL="914400" lvl="1" indent="-298450">
               <a:spcBef>
                 <a:spcPts val="0"/>
               </a:spcBef>
@@ -401,7 +421,7 @@
               <a:buChar char="○"/>
               <a:defRPr sz="1100"/>
             </a:lvl2pPr>
-            <a:lvl3pPr indent="-298450" lvl="2" marL="1371600">
+            <a:lvl3pPr marL="1371600" lvl="2" indent="-298450">
               <a:spcBef>
                 <a:spcPts val="0"/>
               </a:spcBef>
@@ -412,7 +432,7 @@
               <a:buChar char="■"/>
               <a:defRPr sz="1100"/>
             </a:lvl3pPr>
-            <a:lvl4pPr indent="-298450" lvl="3" marL="1828800">
+            <a:lvl4pPr marL="1828800" lvl="3" indent="-298450">
               <a:spcBef>
                 <a:spcPts val="0"/>
               </a:spcBef>
@@ -423,7 +443,7 @@
               <a:buChar char="●"/>
               <a:defRPr sz="1100"/>
             </a:lvl4pPr>
-            <a:lvl5pPr indent="-298450" lvl="4" marL="2286000">
+            <a:lvl5pPr marL="2286000" lvl="4" indent="-298450">
               <a:spcBef>
                 <a:spcPts val="0"/>
               </a:spcBef>
@@ -434,7 +454,7 @@
               <a:buChar char="○"/>
               <a:defRPr sz="1100"/>
             </a:lvl5pPr>
-            <a:lvl6pPr indent="-298450" lvl="5" marL="2743200">
+            <a:lvl6pPr marL="2743200" lvl="5" indent="-298450">
               <a:spcBef>
                 <a:spcPts val="0"/>
               </a:spcBef>
@@ -445,7 +465,7 @@
               <a:buChar char="■"/>
               <a:defRPr sz="1100"/>
             </a:lvl6pPr>
-            <a:lvl7pPr indent="-298450" lvl="6" marL="3200400">
+            <a:lvl7pPr marL="3200400" lvl="6" indent="-298450">
               <a:spcBef>
                 <a:spcPts val="0"/>
               </a:spcBef>
@@ -456,7 +476,7 @@
               <a:buChar char="●"/>
               <a:defRPr sz="1100"/>
             </a:lvl7pPr>
-            <a:lvl8pPr indent="-298450" lvl="7" marL="3657600">
+            <a:lvl8pPr marL="3657600" lvl="7" indent="-298450">
               <a:spcBef>
                 <a:spcPts val="0"/>
               </a:spcBef>
@@ -467,7 +487,7 @@
               <a:buChar char="○"/>
               <a:defRPr sz="1100"/>
             </a:lvl8pPr>
-            <a:lvl9pPr indent="-298450" lvl="8" marL="4114800">
+            <a:lvl9pPr marL="4114800" lvl="8" indent="-298450">
               <a:spcBef>
                 <a:spcPts val="0"/>
               </a:spcBef>
@@ -479,14 +499,16 @@
               <a:defRPr sz="1100"/>
             </a:lvl9pPr>
           </a:lstStyle>
-          <a:p/>
+          <a:p>
+            <a:endParaRPr/>
+          </a:p>
         </p:txBody>
       </p:sp>
     </p:spTree>
   </p:cSld>
-  <p:clrMap accent1="accent1" accent2="accent2" accent3="accent3" accent4="accent4" accent5="accent5" accent6="accent6" bg1="lt1" bg2="dk2" tx1="dk1" tx2="lt2" folHlink="folHlink" hlink="hlink"/>
+  <p:clrMap bg1="lt1" tx1="dk1" bg2="dk2" tx2="lt2" accent1="accent1" accent2="accent2" accent3="accent3" accent4="accent4" accent5="accent5" accent6="accent6" hlink="hlink" folHlink="folHlink"/>
   <p:notesStyle>
-    <a:defPPr lvl="0" marR="0" rtl="0" algn="l">
+    <a:defPPr marR="0" lvl="0" algn="l" rtl="0">
       <a:lnSpc>
         <a:spcPct val="100000"/>
       </a:lnSpc>
@@ -497,7 +519,7 @@
         <a:spcPts val="0"/>
       </a:spcAft>
     </a:defPPr>
-    <a:lvl1pPr lvl="0" marR="0" rtl="0" algn="l">
+    <a:lvl1pPr marR="0" lvl="0" algn="l" rtl="0">
       <a:lnSpc>
         <a:spcPct val="100000"/>
       </a:lnSpc>
@@ -511,7 +533,7 @@
         <a:srgbClr val="000000"/>
       </a:buClr>
       <a:buFont typeface="Arial"/>
-      <a:defRPr b="0" i="0" sz="1400" u="none" cap="none" strike="noStrike">
+      <a:defRPr sz="1400" b="0" i="0" u="none" strike="noStrike" cap="none">
         <a:solidFill>
           <a:srgbClr val="000000"/>
         </a:solidFill>
@@ -521,7 +543,7 @@
         <a:sym typeface="Arial"/>
       </a:defRPr>
     </a:lvl1pPr>
-    <a:lvl2pPr lvl="1" marR="0" rtl="0" algn="l">
+    <a:lvl2pPr marR="0" lvl="1" algn="l" rtl="0">
       <a:lnSpc>
         <a:spcPct val="100000"/>
       </a:lnSpc>
@@ -535,7 +557,7 @@
         <a:srgbClr val="000000"/>
       </a:buClr>
       <a:buFont typeface="Arial"/>
-      <a:defRPr b="0" i="0" sz="1400" u="none" cap="none" strike="noStrike">
+      <a:defRPr sz="1400" b="0" i="0" u="none" strike="noStrike" cap="none">
         <a:solidFill>
           <a:srgbClr val="000000"/>
         </a:solidFill>
@@ -545,7 +567,7 @@
         <a:sym typeface="Arial"/>
       </a:defRPr>
     </a:lvl2pPr>
-    <a:lvl3pPr lvl="2" marR="0" rtl="0" algn="l">
+    <a:lvl3pPr marR="0" lvl="2" algn="l" rtl="0">
       <a:lnSpc>
         <a:spcPct val="100000"/>
       </a:lnSpc>
@@ -559,7 +581,7 @@
         <a:srgbClr val="000000"/>
       </a:buClr>
       <a:buFont typeface="Arial"/>
-      <a:defRPr b="0" i="0" sz="1400" u="none" cap="none" strike="noStrike">
+      <a:defRPr sz="1400" b="0" i="0" u="none" strike="noStrike" cap="none">
         <a:solidFill>
           <a:srgbClr val="000000"/>
         </a:solidFill>
@@ -569,7 +591,7 @@
         <a:sym typeface="Arial"/>
       </a:defRPr>
     </a:lvl3pPr>
-    <a:lvl4pPr lvl="3" marR="0" rtl="0" algn="l">
+    <a:lvl4pPr marR="0" lvl="3" algn="l" rtl="0">
       <a:lnSpc>
         <a:spcPct val="100000"/>
       </a:lnSpc>
@@ -583,7 +605,7 @@
         <a:srgbClr val="000000"/>
       </a:buClr>
       <a:buFont typeface="Arial"/>
-      <a:defRPr b="0" i="0" sz="1400" u="none" cap="none" strike="noStrike">
+      <a:defRPr sz="1400" b="0" i="0" u="none" strike="noStrike" cap="none">
         <a:solidFill>
           <a:srgbClr val="000000"/>
         </a:solidFill>
@@ -593,7 +615,7 @@
         <a:sym typeface="Arial"/>
       </a:defRPr>
     </a:lvl4pPr>
-    <a:lvl5pPr lvl="4" marR="0" rtl="0" algn="l">
+    <a:lvl5pPr marR="0" lvl="4" algn="l" rtl="0">
       <a:lnSpc>
         <a:spcPct val="100000"/>
       </a:lnSpc>
@@ -607,7 +629,7 @@
         <a:srgbClr val="000000"/>
       </a:buClr>
       <a:buFont typeface="Arial"/>
-      <a:defRPr b="0" i="0" sz="1400" u="none" cap="none" strike="noStrike">
+      <a:defRPr sz="1400" b="0" i="0" u="none" strike="noStrike" cap="none">
         <a:solidFill>
           <a:srgbClr val="000000"/>
         </a:solidFill>
@@ -617,7 +639,7 @@
         <a:sym typeface="Arial"/>
       </a:defRPr>
     </a:lvl5pPr>
-    <a:lvl6pPr lvl="5" marR="0" rtl="0" algn="l">
+    <a:lvl6pPr marR="0" lvl="5" algn="l" rtl="0">
       <a:lnSpc>
         <a:spcPct val="100000"/>
       </a:lnSpc>
@@ -631,7 +653,7 @@
         <a:srgbClr val="000000"/>
       </a:buClr>
       <a:buFont typeface="Arial"/>
-      <a:defRPr b="0" i="0" sz="1400" u="none" cap="none" strike="noStrike">
+      <a:defRPr sz="1400" b="0" i="0" u="none" strike="noStrike" cap="none">
         <a:solidFill>
           <a:srgbClr val="000000"/>
         </a:solidFill>
@@ -641,7 +663,7 @@
         <a:sym typeface="Arial"/>
       </a:defRPr>
     </a:lvl6pPr>
-    <a:lvl7pPr lvl="6" marR="0" rtl="0" algn="l">
+    <a:lvl7pPr marR="0" lvl="6" algn="l" rtl="0">
       <a:lnSpc>
         <a:spcPct val="100000"/>
       </a:lnSpc>
@@ -655,7 +677,7 @@
         <a:srgbClr val="000000"/>
       </a:buClr>
       <a:buFont typeface="Arial"/>
-      <a:defRPr b="0" i="0" sz="1400" u="none" cap="none" strike="noStrike">
+      <a:defRPr sz="1400" b="0" i="0" u="none" strike="noStrike" cap="none">
         <a:solidFill>
           <a:srgbClr val="000000"/>
         </a:solidFill>
@@ -665,7 +687,7 @@
         <a:sym typeface="Arial"/>
       </a:defRPr>
     </a:lvl7pPr>
-    <a:lvl8pPr lvl="7" marR="0" rtl="0" algn="l">
+    <a:lvl8pPr marR="0" lvl="7" algn="l" rtl="0">
       <a:lnSpc>
         <a:spcPct val="100000"/>
       </a:lnSpc>
@@ -679,7 +701,7 @@
         <a:srgbClr val="000000"/>
       </a:buClr>
       <a:buFont typeface="Arial"/>
-      <a:defRPr b="0" i="0" sz="1400" u="none" cap="none" strike="noStrike">
+      <a:defRPr sz="1400" b="0" i="0" u="none" strike="noStrike" cap="none">
         <a:solidFill>
           <a:srgbClr val="000000"/>
         </a:solidFill>
@@ -689,7 +711,7 @@
         <a:sym typeface="Arial"/>
       </a:defRPr>
     </a:lvl8pPr>
-    <a:lvl9pPr lvl="8" marR="0" rtl="0" algn="l">
+    <a:lvl9pPr marR="0" lvl="8" algn="l" rtl="0">
       <a:lnSpc>
         <a:spcPct val="100000"/>
       </a:lnSpc>
@@ -703,7 +725,7 @@
         <a:srgbClr val="000000"/>
       </a:buClr>
       <a:buFont typeface="Arial"/>
-      <a:defRPr b="0" i="0" sz="1400" u="none" cap="none" strike="noStrike">
+      <a:defRPr sz="1400" b="0" i="0" u="none" strike="noStrike" cap="none">
         <a:solidFill>
           <a:srgbClr val="000000"/>
         </a:solidFill>
@@ -718,11 +740,11 @@
 </file>
 
 <file path=ppt/notesSlides/notesSlide1.xml><?xml version="1.0" encoding="utf-8"?>
-<p:notes xmlns:a="http://schemas.openxmlformats.org/drawingml/2006/main" xmlns:r="http://schemas.openxmlformats.org/officeDocument/2006/relationships" xmlns:mc="http://schemas.openxmlformats.org/markup-compatibility/2006" xmlns:mv="urn:schemas-microsoft-com:mac:vml" xmlns:p="http://schemas.openxmlformats.org/presentationml/2006/main" xmlns:c="http://schemas.openxmlformats.org/drawingml/2006/chart" xmlns:dgm="http://schemas.openxmlformats.org/drawingml/2006/diagram" xmlns:o="urn:schemas-microsoft-com:office:office" xmlns:v="urn:schemas-microsoft-com:vml" xmlns:pvml="urn:schemas-microsoft-com:office:powerpoint" xmlns:com="http://schemas.openxmlformats.org/drawingml/2006/compatibility" xmlns:p14="http://schemas.microsoft.com/office/powerpoint/2010/main" xmlns:p15="http://schemas.microsoft.com/office/powerpoint/2012/main" showMasterPhAnim="0" showMasterSp="0">
+<p:notes xmlns:a="http://schemas.openxmlformats.org/drawingml/2006/main" xmlns:r="http://schemas.openxmlformats.org/officeDocument/2006/relationships" xmlns:p="http://schemas.openxmlformats.org/presentationml/2006/main" showMasterSp="0" showMasterPhAnim="0">
   <p:cSld>
     <p:spTree>
       <p:nvGrpSpPr>
-        <p:cNvPr id="82" name="Shape 82"/>
+        <p:cNvPr id="1" name="Shape 82"/>
         <p:cNvGrpSpPr/>
         <p:nvPr/>
       </p:nvGrpSpPr>
@@ -737,9 +759,11 @@
       <p:sp>
         <p:nvSpPr>
           <p:cNvPr id="83" name="Google Shape;83;p:notes"/>
-          <p:cNvSpPr/>
+          <p:cNvSpPr>
+            <a:spLocks noGrp="1" noRot="1" noChangeAspect="1"/>
+          </p:cNvSpPr>
           <p:nvPr>
-            <p:ph idx="2" type="sldImg"/>
+            <p:ph type="sldImg" idx="2"/>
           </p:nvPr>
         </p:nvSpPr>
         <p:spPr>
@@ -748,9 +772,13 @@
             <a:ext cx="6096075" cy="3429000"/>
           </a:xfrm>
           <a:custGeom>
-            <a:rect b="b" l="l" r="r" t="t"/>
+            <a:avLst/>
+            <a:gdLst/>
+            <a:ahLst/>
+            <a:cxnLst/>
+            <a:rect l="l" t="t" r="r" b="b"/>
             <a:pathLst>
-              <a:path extrusionOk="0" h="120000" w="120000">
+              <a:path w="120000" h="120000" extrusionOk="0">
                 <a:moveTo>
                   <a:pt x="0" y="0"/>
                 </a:moveTo>
@@ -772,9 +800,11 @@
       <p:sp>
         <p:nvSpPr>
           <p:cNvPr id="84" name="Google Shape;84;p:notes"/>
-          <p:cNvSpPr txBox="1"/>
+          <p:cNvSpPr txBox="1">
+            <a:spLocks noGrp="1"/>
+          </p:cNvSpPr>
           <p:nvPr>
-            <p:ph idx="1" type="body"/>
+            <p:ph type="body" idx="1"/>
           </p:nvPr>
         </p:nvSpPr>
         <p:spPr>
@@ -787,12 +817,12 @@
           </a:prstGeom>
         </p:spPr>
         <p:txBody>
-          <a:bodyPr anchorCtr="0" anchor="t" bIns="91425" lIns="91425" spcFirstLastPara="1" rIns="91425" wrap="square" tIns="91425">
+          <a:bodyPr spcFirstLastPara="1" wrap="square" lIns="91425" tIns="91425" rIns="91425" bIns="91425" anchor="t" anchorCtr="0">
             <a:noAutofit/>
           </a:bodyPr>
           <a:lstStyle/>
           <a:p>
-            <a:pPr indent="0" lvl="0" marL="0" rtl="0" algn="l">
+            <a:pPr marL="0" lvl="0" indent="0" algn="l" rtl="0">
               <a:spcBef>
                 <a:spcPts val="0"/>
               </a:spcBef>
@@ -801,9 +831,6 @@
               </a:spcAft>
               <a:buNone/>
             </a:pPr>
-            <a:r>
-              <a:t/>
-            </a:r>
             <a:endParaRPr/>
           </a:p>
         </p:txBody>
@@ -817,11 +844,11 @@
 </file>
 
 <file path=ppt/notesSlides/notesSlide10.xml><?xml version="1.0" encoding="utf-8"?>
-<p:notes xmlns:a="http://schemas.openxmlformats.org/drawingml/2006/main" xmlns:r="http://schemas.openxmlformats.org/officeDocument/2006/relationships" xmlns:mc="http://schemas.openxmlformats.org/markup-compatibility/2006" xmlns:mv="urn:schemas-microsoft-com:mac:vml" xmlns:p="http://schemas.openxmlformats.org/presentationml/2006/main" xmlns:c="http://schemas.openxmlformats.org/drawingml/2006/chart" xmlns:dgm="http://schemas.openxmlformats.org/drawingml/2006/diagram" xmlns:o="urn:schemas-microsoft-com:office:office" xmlns:v="urn:schemas-microsoft-com:vml" xmlns:pvml="urn:schemas-microsoft-com:office:powerpoint" xmlns:com="http://schemas.openxmlformats.org/drawingml/2006/compatibility" xmlns:p14="http://schemas.microsoft.com/office/powerpoint/2010/main" xmlns:p15="http://schemas.microsoft.com/office/powerpoint/2012/main" showMasterPhAnim="0" showMasterSp="0">
+<p:notes xmlns:a="http://schemas.openxmlformats.org/drawingml/2006/main" xmlns:r="http://schemas.openxmlformats.org/officeDocument/2006/relationships" xmlns:p="http://schemas.openxmlformats.org/presentationml/2006/main" showMasterSp="0" showMasterPhAnim="0">
   <p:cSld>
     <p:spTree>
       <p:nvGrpSpPr>
-        <p:cNvPr id="157" name="Shape 157"/>
+        <p:cNvPr id="1" name="Shape 157"/>
         <p:cNvGrpSpPr/>
         <p:nvPr/>
       </p:nvGrpSpPr>
@@ -836,9 +863,11 @@
       <p:sp>
         <p:nvSpPr>
           <p:cNvPr id="158" name="Google Shape;158;g70b1b09d84_0_406:notes"/>
-          <p:cNvSpPr/>
+          <p:cNvSpPr>
+            <a:spLocks noGrp="1" noRot="1" noChangeAspect="1"/>
+          </p:cNvSpPr>
           <p:nvPr>
-            <p:ph idx="2" type="sldImg"/>
+            <p:ph type="sldImg" idx="2"/>
           </p:nvPr>
         </p:nvSpPr>
         <p:spPr>
@@ -847,9 +876,13 @@
             <a:ext cx="6096000" cy="3429000"/>
           </a:xfrm>
           <a:custGeom>
-            <a:rect b="b" l="l" r="r" t="t"/>
+            <a:avLst/>
+            <a:gdLst/>
+            <a:ahLst/>
+            <a:cxnLst/>
+            <a:rect l="l" t="t" r="r" b="b"/>
             <a:pathLst>
-              <a:path extrusionOk="0" h="120000" w="120000">
+              <a:path w="120000" h="120000" extrusionOk="0">
                 <a:moveTo>
                   <a:pt x="0" y="0"/>
                 </a:moveTo>
@@ -871,9 +904,11 @@
       <p:sp>
         <p:nvSpPr>
           <p:cNvPr id="159" name="Google Shape;159;g70b1b09d84_0_406:notes"/>
-          <p:cNvSpPr txBox="1"/>
+          <p:cNvSpPr txBox="1">
+            <a:spLocks noGrp="1"/>
+          </p:cNvSpPr>
           <p:nvPr>
-            <p:ph idx="1" type="body"/>
+            <p:ph type="body" idx="1"/>
           </p:nvPr>
         </p:nvSpPr>
         <p:spPr>
@@ -886,12 +921,12 @@
           </a:prstGeom>
         </p:spPr>
         <p:txBody>
-          <a:bodyPr anchorCtr="0" anchor="t" bIns="91425" lIns="91425" spcFirstLastPara="1" rIns="91425" wrap="square" tIns="91425">
+          <a:bodyPr spcFirstLastPara="1" wrap="square" lIns="91425" tIns="91425" rIns="91425" bIns="91425" anchor="t" anchorCtr="0">
             <a:noAutofit/>
           </a:bodyPr>
           <a:lstStyle/>
           <a:p>
-            <a:pPr indent="0" lvl="0" marL="0" rtl="0" algn="l">
+            <a:pPr marL="0" lvl="0" indent="0" algn="l" rtl="0">
               <a:spcBef>
                 <a:spcPts val="0"/>
               </a:spcBef>
@@ -900,9 +935,6 @@
               </a:spcAft>
               <a:buNone/>
             </a:pPr>
-            <a:r>
-              <a:t/>
-            </a:r>
             <a:endParaRPr/>
           </a:p>
         </p:txBody>
@@ -916,11 +948,11 @@
 </file>
 
 <file path=ppt/notesSlides/notesSlide11.xml><?xml version="1.0" encoding="utf-8"?>
-<p:notes xmlns:a="http://schemas.openxmlformats.org/drawingml/2006/main" xmlns:r="http://schemas.openxmlformats.org/officeDocument/2006/relationships" xmlns:mc="http://schemas.openxmlformats.org/markup-compatibility/2006" xmlns:mv="urn:schemas-microsoft-com:mac:vml" xmlns:p="http://schemas.openxmlformats.org/presentationml/2006/main" xmlns:c="http://schemas.openxmlformats.org/drawingml/2006/chart" xmlns:dgm="http://schemas.openxmlformats.org/drawingml/2006/diagram" xmlns:o="urn:schemas-microsoft-com:office:office" xmlns:v="urn:schemas-microsoft-com:vml" xmlns:pvml="urn:schemas-microsoft-com:office:powerpoint" xmlns:com="http://schemas.openxmlformats.org/drawingml/2006/compatibility" xmlns:p14="http://schemas.microsoft.com/office/powerpoint/2010/main" xmlns:p15="http://schemas.microsoft.com/office/powerpoint/2012/main" showMasterPhAnim="0" showMasterSp="0">
+<p:notes xmlns:a="http://schemas.openxmlformats.org/drawingml/2006/main" xmlns:r="http://schemas.openxmlformats.org/officeDocument/2006/relationships" xmlns:p="http://schemas.openxmlformats.org/presentationml/2006/main" showMasterSp="0" showMasterPhAnim="0">
   <p:cSld>
     <p:spTree>
       <p:nvGrpSpPr>
-        <p:cNvPr id="166" name="Shape 166"/>
+        <p:cNvPr id="1" name="Shape 166"/>
         <p:cNvGrpSpPr/>
         <p:nvPr/>
       </p:nvGrpSpPr>
@@ -935,9 +967,11 @@
       <p:sp>
         <p:nvSpPr>
           <p:cNvPr id="167" name="Google Shape;167;g70b1b09d84_0_566:notes"/>
-          <p:cNvSpPr/>
+          <p:cNvSpPr>
+            <a:spLocks noGrp="1" noRot="1" noChangeAspect="1"/>
+          </p:cNvSpPr>
           <p:nvPr>
-            <p:ph idx="2" type="sldImg"/>
+            <p:ph type="sldImg" idx="2"/>
           </p:nvPr>
         </p:nvSpPr>
         <p:spPr>
@@ -946,9 +980,13 @@
             <a:ext cx="6096000" cy="3429000"/>
           </a:xfrm>
           <a:custGeom>
-            <a:rect b="b" l="l" r="r" t="t"/>
+            <a:avLst/>
+            <a:gdLst/>
+            <a:ahLst/>
+            <a:cxnLst/>
+            <a:rect l="l" t="t" r="r" b="b"/>
             <a:pathLst>
-              <a:path extrusionOk="0" h="120000" w="120000">
+              <a:path w="120000" h="120000" extrusionOk="0">
                 <a:moveTo>
                   <a:pt x="0" y="0"/>
                 </a:moveTo>
@@ -970,9 +1008,11 @@
       <p:sp>
         <p:nvSpPr>
           <p:cNvPr id="168" name="Google Shape;168;g70b1b09d84_0_566:notes"/>
-          <p:cNvSpPr txBox="1"/>
+          <p:cNvSpPr txBox="1">
+            <a:spLocks noGrp="1"/>
+          </p:cNvSpPr>
           <p:nvPr>
-            <p:ph idx="1" type="body"/>
+            <p:ph type="body" idx="1"/>
           </p:nvPr>
         </p:nvSpPr>
         <p:spPr>
@@ -985,12 +1025,12 @@
           </a:prstGeom>
         </p:spPr>
         <p:txBody>
-          <a:bodyPr anchorCtr="0" anchor="t" bIns="91425" lIns="91425" spcFirstLastPara="1" rIns="91425" wrap="square" tIns="91425">
+          <a:bodyPr spcFirstLastPara="1" wrap="square" lIns="91425" tIns="91425" rIns="91425" bIns="91425" anchor="t" anchorCtr="0">
             <a:noAutofit/>
           </a:bodyPr>
           <a:lstStyle/>
           <a:p>
-            <a:pPr indent="0" lvl="0" marL="0" rtl="0" algn="l">
+            <a:pPr marL="0" lvl="0" indent="0" algn="l" rtl="0">
               <a:spcBef>
                 <a:spcPts val="0"/>
               </a:spcBef>
@@ -999,9 +1039,6 @@
               </a:spcAft>
               <a:buNone/>
             </a:pPr>
-            <a:r>
-              <a:t/>
-            </a:r>
             <a:endParaRPr/>
           </a:p>
         </p:txBody>
@@ -1015,11 +1052,11 @@
 </file>
 
 <file path=ppt/notesSlides/notesSlide12.xml><?xml version="1.0" encoding="utf-8"?>
-<p:notes xmlns:a="http://schemas.openxmlformats.org/drawingml/2006/main" xmlns:r="http://schemas.openxmlformats.org/officeDocument/2006/relationships" xmlns:mc="http://schemas.openxmlformats.org/markup-compatibility/2006" xmlns:mv="urn:schemas-microsoft-com:mac:vml" xmlns:p="http://schemas.openxmlformats.org/presentationml/2006/main" xmlns:c="http://schemas.openxmlformats.org/drawingml/2006/chart" xmlns:dgm="http://schemas.openxmlformats.org/drawingml/2006/diagram" xmlns:o="urn:schemas-microsoft-com:office:office" xmlns:v="urn:schemas-microsoft-com:vml" xmlns:pvml="urn:schemas-microsoft-com:office:powerpoint" xmlns:com="http://schemas.openxmlformats.org/drawingml/2006/compatibility" xmlns:p14="http://schemas.microsoft.com/office/powerpoint/2010/main" xmlns:p15="http://schemas.microsoft.com/office/powerpoint/2012/main" showMasterPhAnim="0" showMasterSp="0">
+<p:notes xmlns:a="http://schemas.openxmlformats.org/drawingml/2006/main" xmlns:r="http://schemas.openxmlformats.org/officeDocument/2006/relationships" xmlns:p="http://schemas.openxmlformats.org/presentationml/2006/main" showMasterSp="0" showMasterPhAnim="0">
   <p:cSld>
     <p:spTree>
       <p:nvGrpSpPr>
-        <p:cNvPr id="175" name="Shape 175"/>
+        <p:cNvPr id="1" name="Shape 175"/>
         <p:cNvGrpSpPr/>
         <p:nvPr/>
       </p:nvGrpSpPr>
@@ -1034,9 +1071,11 @@
       <p:sp>
         <p:nvSpPr>
           <p:cNvPr id="176" name="Google Shape;176;g75bce27692_0_41:notes"/>
-          <p:cNvSpPr/>
+          <p:cNvSpPr>
+            <a:spLocks noGrp="1" noRot="1" noChangeAspect="1"/>
+          </p:cNvSpPr>
           <p:nvPr>
-            <p:ph idx="2" type="sldImg"/>
+            <p:ph type="sldImg" idx="2"/>
           </p:nvPr>
         </p:nvSpPr>
         <p:spPr>
@@ -1045,9 +1084,13 @@
             <a:ext cx="6096000" cy="3429000"/>
           </a:xfrm>
           <a:custGeom>
-            <a:rect b="b" l="l" r="r" t="t"/>
+            <a:avLst/>
+            <a:gdLst/>
+            <a:ahLst/>
+            <a:cxnLst/>
+            <a:rect l="l" t="t" r="r" b="b"/>
             <a:pathLst>
-              <a:path extrusionOk="0" h="120000" w="120000">
+              <a:path w="120000" h="120000" extrusionOk="0">
                 <a:moveTo>
                   <a:pt x="0" y="0"/>
                 </a:moveTo>
@@ -1069,9 +1112,11 @@
       <p:sp>
         <p:nvSpPr>
           <p:cNvPr id="177" name="Google Shape;177;g75bce27692_0_41:notes"/>
-          <p:cNvSpPr txBox="1"/>
+          <p:cNvSpPr txBox="1">
+            <a:spLocks noGrp="1"/>
+          </p:cNvSpPr>
           <p:nvPr>
-            <p:ph idx="1" type="body"/>
+            <p:ph type="body" idx="1"/>
           </p:nvPr>
         </p:nvSpPr>
         <p:spPr>
@@ -1084,12 +1129,12 @@
           </a:prstGeom>
         </p:spPr>
         <p:txBody>
-          <a:bodyPr anchorCtr="0" anchor="t" bIns="91425" lIns="91425" spcFirstLastPara="1" rIns="91425" wrap="square" tIns="91425">
+          <a:bodyPr spcFirstLastPara="1" wrap="square" lIns="91425" tIns="91425" rIns="91425" bIns="91425" anchor="t" anchorCtr="0">
             <a:noAutofit/>
           </a:bodyPr>
           <a:lstStyle/>
           <a:p>
-            <a:pPr indent="0" lvl="0" marL="0" rtl="0" algn="l">
+            <a:pPr marL="0" lvl="0" indent="0" algn="l" rtl="0">
               <a:spcBef>
                 <a:spcPts val="0"/>
               </a:spcBef>
@@ -1098,9 +1143,6 @@
               </a:spcAft>
               <a:buNone/>
             </a:pPr>
-            <a:r>
-              <a:t/>
-            </a:r>
             <a:endParaRPr/>
           </a:p>
         </p:txBody>
@@ -1114,11 +1156,11 @@
 </file>
 
 <file path=ppt/notesSlides/notesSlide13.xml><?xml version="1.0" encoding="utf-8"?>
-<p:notes xmlns:a="http://schemas.openxmlformats.org/drawingml/2006/main" xmlns:r="http://schemas.openxmlformats.org/officeDocument/2006/relationships" xmlns:mc="http://schemas.openxmlformats.org/markup-compatibility/2006" xmlns:mv="urn:schemas-microsoft-com:mac:vml" xmlns:p="http://schemas.openxmlformats.org/presentationml/2006/main" xmlns:c="http://schemas.openxmlformats.org/drawingml/2006/chart" xmlns:dgm="http://schemas.openxmlformats.org/drawingml/2006/diagram" xmlns:o="urn:schemas-microsoft-com:office:office" xmlns:v="urn:schemas-microsoft-com:vml" xmlns:pvml="urn:schemas-microsoft-com:office:powerpoint" xmlns:com="http://schemas.openxmlformats.org/drawingml/2006/compatibility" xmlns:p14="http://schemas.microsoft.com/office/powerpoint/2010/main" xmlns:p15="http://schemas.microsoft.com/office/powerpoint/2012/main" showMasterPhAnim="0" showMasterSp="0">
+<p:notes xmlns:a="http://schemas.openxmlformats.org/drawingml/2006/main" xmlns:r="http://schemas.openxmlformats.org/officeDocument/2006/relationships" xmlns:p="http://schemas.openxmlformats.org/presentationml/2006/main" showMasterSp="0" showMasterPhAnim="0">
   <p:cSld>
     <p:spTree>
       <p:nvGrpSpPr>
-        <p:cNvPr id="183" name="Shape 183"/>
+        <p:cNvPr id="1" name="Shape 183"/>
         <p:cNvGrpSpPr/>
         <p:nvPr/>
       </p:nvGrpSpPr>
@@ -1133,9 +1175,11 @@
       <p:sp>
         <p:nvSpPr>
           <p:cNvPr id="184" name="Google Shape;184;g70b1b09d84_0_416:notes"/>
-          <p:cNvSpPr/>
+          <p:cNvSpPr>
+            <a:spLocks noGrp="1" noRot="1" noChangeAspect="1"/>
+          </p:cNvSpPr>
           <p:nvPr>
-            <p:ph idx="2" type="sldImg"/>
+            <p:ph type="sldImg" idx="2"/>
           </p:nvPr>
         </p:nvSpPr>
         <p:spPr>
@@ -1144,9 +1188,13 @@
             <a:ext cx="6096000" cy="3429000"/>
           </a:xfrm>
           <a:custGeom>
-            <a:rect b="b" l="l" r="r" t="t"/>
+            <a:avLst/>
+            <a:gdLst/>
+            <a:ahLst/>
+            <a:cxnLst/>
+            <a:rect l="l" t="t" r="r" b="b"/>
             <a:pathLst>
-              <a:path extrusionOk="0" h="120000" w="120000">
+              <a:path w="120000" h="120000" extrusionOk="0">
                 <a:moveTo>
                   <a:pt x="0" y="0"/>
                 </a:moveTo>
@@ -1168,9 +1216,11 @@
       <p:sp>
         <p:nvSpPr>
           <p:cNvPr id="185" name="Google Shape;185;g70b1b09d84_0_416:notes"/>
-          <p:cNvSpPr txBox="1"/>
+          <p:cNvSpPr txBox="1">
+            <a:spLocks noGrp="1"/>
+          </p:cNvSpPr>
           <p:nvPr>
-            <p:ph idx="1" type="body"/>
+            <p:ph type="body" idx="1"/>
           </p:nvPr>
         </p:nvSpPr>
         <p:spPr>
@@ -1183,12 +1233,12 @@
           </a:prstGeom>
         </p:spPr>
         <p:txBody>
-          <a:bodyPr anchorCtr="0" anchor="t" bIns="91425" lIns="91425" spcFirstLastPara="1" rIns="91425" wrap="square" tIns="91425">
+          <a:bodyPr spcFirstLastPara="1" wrap="square" lIns="91425" tIns="91425" rIns="91425" bIns="91425" anchor="t" anchorCtr="0">
             <a:noAutofit/>
           </a:bodyPr>
           <a:lstStyle/>
           <a:p>
-            <a:pPr indent="0" lvl="0" marL="0" rtl="0" algn="l">
+            <a:pPr marL="0" lvl="0" indent="0" algn="l" rtl="0">
               <a:spcBef>
                 <a:spcPts val="0"/>
               </a:spcBef>
@@ -1197,9 +1247,6 @@
               </a:spcAft>
               <a:buNone/>
             </a:pPr>
-            <a:r>
-              <a:t/>
-            </a:r>
             <a:endParaRPr/>
           </a:p>
         </p:txBody>
@@ -1213,11 +1260,11 @@
 </file>
 
 <file path=ppt/notesSlides/notesSlide14.xml><?xml version="1.0" encoding="utf-8"?>
-<p:notes xmlns:a="http://schemas.openxmlformats.org/drawingml/2006/main" xmlns:r="http://schemas.openxmlformats.org/officeDocument/2006/relationships" xmlns:mc="http://schemas.openxmlformats.org/markup-compatibility/2006" xmlns:mv="urn:schemas-microsoft-com:mac:vml" xmlns:p="http://schemas.openxmlformats.org/presentationml/2006/main" xmlns:c="http://schemas.openxmlformats.org/drawingml/2006/chart" xmlns:dgm="http://schemas.openxmlformats.org/drawingml/2006/diagram" xmlns:o="urn:schemas-microsoft-com:office:office" xmlns:v="urn:schemas-microsoft-com:vml" xmlns:pvml="urn:schemas-microsoft-com:office:powerpoint" xmlns:com="http://schemas.openxmlformats.org/drawingml/2006/compatibility" xmlns:p14="http://schemas.microsoft.com/office/powerpoint/2010/main" xmlns:p15="http://schemas.microsoft.com/office/powerpoint/2012/main" showMasterPhAnim="0" showMasterSp="0">
+<p:notes xmlns:a="http://schemas.openxmlformats.org/drawingml/2006/main" xmlns:r="http://schemas.openxmlformats.org/officeDocument/2006/relationships" xmlns:p="http://schemas.openxmlformats.org/presentationml/2006/main" showMasterSp="0" showMasterPhAnim="0">
   <p:cSld>
     <p:spTree>
       <p:nvGrpSpPr>
-        <p:cNvPr id="191" name="Shape 191"/>
+        <p:cNvPr id="1" name="Shape 191"/>
         <p:cNvGrpSpPr/>
         <p:nvPr/>
       </p:nvGrpSpPr>
@@ -1232,9 +1279,11 @@
       <p:sp>
         <p:nvSpPr>
           <p:cNvPr id="192" name="Google Shape;192;g75e447d7c5_0_7:notes"/>
-          <p:cNvSpPr/>
+          <p:cNvSpPr>
+            <a:spLocks noGrp="1" noRot="1" noChangeAspect="1"/>
+          </p:cNvSpPr>
           <p:nvPr>
-            <p:ph idx="2" type="sldImg"/>
+            <p:ph type="sldImg" idx="2"/>
           </p:nvPr>
         </p:nvSpPr>
         <p:spPr>
@@ -1243,9 +1292,13 @@
             <a:ext cx="6096000" cy="3429000"/>
           </a:xfrm>
           <a:custGeom>
-            <a:rect b="b" l="l" r="r" t="t"/>
+            <a:avLst/>
+            <a:gdLst/>
+            <a:ahLst/>
+            <a:cxnLst/>
+            <a:rect l="l" t="t" r="r" b="b"/>
             <a:pathLst>
-              <a:path extrusionOk="0" h="120000" w="120000">
+              <a:path w="120000" h="120000" extrusionOk="0">
                 <a:moveTo>
                   <a:pt x="0" y="0"/>
                 </a:moveTo>
@@ -1267,9 +1320,11 @@
       <p:sp>
         <p:nvSpPr>
           <p:cNvPr id="193" name="Google Shape;193;g75e447d7c5_0_7:notes"/>
-          <p:cNvSpPr txBox="1"/>
+          <p:cNvSpPr txBox="1">
+            <a:spLocks noGrp="1"/>
+          </p:cNvSpPr>
           <p:nvPr>
-            <p:ph idx="1" type="body"/>
+            <p:ph type="body" idx="1"/>
           </p:nvPr>
         </p:nvSpPr>
         <p:spPr>
@@ -1282,12 +1337,12 @@
           </a:prstGeom>
         </p:spPr>
         <p:txBody>
-          <a:bodyPr anchorCtr="0" anchor="t" bIns="91425" lIns="91425" spcFirstLastPara="1" rIns="91425" wrap="square" tIns="91425">
+          <a:bodyPr spcFirstLastPara="1" wrap="square" lIns="91425" tIns="91425" rIns="91425" bIns="91425" anchor="t" anchorCtr="0">
             <a:noAutofit/>
           </a:bodyPr>
           <a:lstStyle/>
           <a:p>
-            <a:pPr indent="0" lvl="0" marL="0" rtl="0" algn="l">
+            <a:pPr marL="0" lvl="0" indent="0" algn="l" rtl="0">
               <a:spcBef>
                 <a:spcPts val="0"/>
               </a:spcBef>
@@ -1296,9 +1351,6 @@
               </a:spcAft>
               <a:buNone/>
             </a:pPr>
-            <a:r>
-              <a:t/>
-            </a:r>
             <a:endParaRPr/>
           </a:p>
         </p:txBody>
@@ -1312,11 +1364,11 @@
 </file>
 
 <file path=ppt/notesSlides/notesSlide15.xml><?xml version="1.0" encoding="utf-8"?>
-<p:notes xmlns:a="http://schemas.openxmlformats.org/drawingml/2006/main" xmlns:r="http://schemas.openxmlformats.org/officeDocument/2006/relationships" xmlns:mc="http://schemas.openxmlformats.org/markup-compatibility/2006" xmlns:mv="urn:schemas-microsoft-com:mac:vml" xmlns:p="http://schemas.openxmlformats.org/presentationml/2006/main" xmlns:c="http://schemas.openxmlformats.org/drawingml/2006/chart" xmlns:dgm="http://schemas.openxmlformats.org/drawingml/2006/diagram" xmlns:o="urn:schemas-microsoft-com:office:office" xmlns:v="urn:schemas-microsoft-com:vml" xmlns:pvml="urn:schemas-microsoft-com:office:powerpoint" xmlns:com="http://schemas.openxmlformats.org/drawingml/2006/compatibility" xmlns:p14="http://schemas.microsoft.com/office/powerpoint/2010/main" xmlns:p15="http://schemas.microsoft.com/office/powerpoint/2012/main" showMasterPhAnim="0" showMasterSp="0">
+<p:notes xmlns:a="http://schemas.openxmlformats.org/drawingml/2006/main" xmlns:r="http://schemas.openxmlformats.org/officeDocument/2006/relationships" xmlns:p="http://schemas.openxmlformats.org/presentationml/2006/main" showMasterSp="0" showMasterPhAnim="0">
   <p:cSld>
     <p:spTree>
       <p:nvGrpSpPr>
-        <p:cNvPr id="199" name="Shape 199"/>
+        <p:cNvPr id="1" name="Shape 199"/>
         <p:cNvGrpSpPr/>
         <p:nvPr/>
       </p:nvGrpSpPr>
@@ -1331,9 +1383,11 @@
       <p:sp>
         <p:nvSpPr>
           <p:cNvPr id="200" name="Google Shape;200;g75e447d7c5_0_44:notes"/>
-          <p:cNvSpPr/>
+          <p:cNvSpPr>
+            <a:spLocks noGrp="1" noRot="1" noChangeAspect="1"/>
+          </p:cNvSpPr>
           <p:nvPr>
-            <p:ph idx="2" type="sldImg"/>
+            <p:ph type="sldImg" idx="2"/>
           </p:nvPr>
         </p:nvSpPr>
         <p:spPr>
@@ -1342,9 +1396,13 @@
             <a:ext cx="6096000" cy="3429000"/>
           </a:xfrm>
           <a:custGeom>
-            <a:rect b="b" l="l" r="r" t="t"/>
+            <a:avLst/>
+            <a:gdLst/>
+            <a:ahLst/>
+            <a:cxnLst/>
+            <a:rect l="l" t="t" r="r" b="b"/>
             <a:pathLst>
-              <a:path extrusionOk="0" h="120000" w="120000">
+              <a:path w="120000" h="120000" extrusionOk="0">
                 <a:moveTo>
                   <a:pt x="0" y="0"/>
                 </a:moveTo>
@@ -1366,9 +1424,11 @@
       <p:sp>
         <p:nvSpPr>
           <p:cNvPr id="201" name="Google Shape;201;g75e447d7c5_0_44:notes"/>
-          <p:cNvSpPr txBox="1"/>
+          <p:cNvSpPr txBox="1">
+            <a:spLocks noGrp="1"/>
+          </p:cNvSpPr>
           <p:nvPr>
-            <p:ph idx="1" type="body"/>
+            <p:ph type="body" idx="1"/>
           </p:nvPr>
         </p:nvSpPr>
         <p:spPr>
@@ -1381,12 +1441,12 @@
           </a:prstGeom>
         </p:spPr>
         <p:txBody>
-          <a:bodyPr anchorCtr="0" anchor="t" bIns="91425" lIns="91425" spcFirstLastPara="1" rIns="91425" wrap="square" tIns="91425">
+          <a:bodyPr spcFirstLastPara="1" wrap="square" lIns="91425" tIns="91425" rIns="91425" bIns="91425" anchor="t" anchorCtr="0">
             <a:noAutofit/>
           </a:bodyPr>
           <a:lstStyle/>
           <a:p>
-            <a:pPr indent="0" lvl="0" marL="0" rtl="0" algn="l">
+            <a:pPr marL="0" lvl="0" indent="0" algn="l" rtl="0">
               <a:spcBef>
                 <a:spcPts val="0"/>
               </a:spcBef>
@@ -1395,9 +1455,6 @@
               </a:spcAft>
               <a:buNone/>
             </a:pPr>
-            <a:r>
-              <a:t/>
-            </a:r>
             <a:endParaRPr/>
           </a:p>
         </p:txBody>
@@ -1411,11 +1468,11 @@
 </file>
 
 <file path=ppt/notesSlides/notesSlide16.xml><?xml version="1.0" encoding="utf-8"?>
-<p:notes xmlns:a="http://schemas.openxmlformats.org/drawingml/2006/main" xmlns:r="http://schemas.openxmlformats.org/officeDocument/2006/relationships" xmlns:mc="http://schemas.openxmlformats.org/markup-compatibility/2006" xmlns:mv="urn:schemas-microsoft-com:mac:vml" xmlns:p="http://schemas.openxmlformats.org/presentationml/2006/main" xmlns:c="http://schemas.openxmlformats.org/drawingml/2006/chart" xmlns:dgm="http://schemas.openxmlformats.org/drawingml/2006/diagram" xmlns:o="urn:schemas-microsoft-com:office:office" xmlns:v="urn:schemas-microsoft-com:vml" xmlns:pvml="urn:schemas-microsoft-com:office:powerpoint" xmlns:com="http://schemas.openxmlformats.org/drawingml/2006/compatibility" xmlns:p14="http://schemas.microsoft.com/office/powerpoint/2010/main" xmlns:p15="http://schemas.microsoft.com/office/powerpoint/2012/main" showMasterPhAnim="0" showMasterSp="0">
+<p:notes xmlns:a="http://schemas.openxmlformats.org/drawingml/2006/main" xmlns:r="http://schemas.openxmlformats.org/officeDocument/2006/relationships" xmlns:p="http://schemas.openxmlformats.org/presentationml/2006/main" showMasterSp="0" showMasterPhAnim="0">
   <p:cSld>
     <p:spTree>
       <p:nvGrpSpPr>
-        <p:cNvPr id="207" name="Shape 207"/>
+        <p:cNvPr id="1" name="Shape 207"/>
         <p:cNvGrpSpPr/>
         <p:nvPr/>
       </p:nvGrpSpPr>
@@ -1430,9 +1487,11 @@
       <p:sp>
         <p:nvSpPr>
           <p:cNvPr id="208" name="Google Shape;208;g70b1b09d84_0_426:notes"/>
-          <p:cNvSpPr/>
+          <p:cNvSpPr>
+            <a:spLocks noGrp="1" noRot="1" noChangeAspect="1"/>
+          </p:cNvSpPr>
           <p:nvPr>
-            <p:ph idx="2" type="sldImg"/>
+            <p:ph type="sldImg" idx="2"/>
           </p:nvPr>
         </p:nvSpPr>
         <p:spPr>
@@ -1441,9 +1500,13 @@
             <a:ext cx="6096000" cy="3429000"/>
           </a:xfrm>
           <a:custGeom>
-            <a:rect b="b" l="l" r="r" t="t"/>
+            <a:avLst/>
+            <a:gdLst/>
+            <a:ahLst/>
+            <a:cxnLst/>
+            <a:rect l="l" t="t" r="r" b="b"/>
             <a:pathLst>
-              <a:path extrusionOk="0" h="120000" w="120000">
+              <a:path w="120000" h="120000" extrusionOk="0">
                 <a:moveTo>
                   <a:pt x="0" y="0"/>
                 </a:moveTo>
@@ -1465,9 +1528,11 @@
       <p:sp>
         <p:nvSpPr>
           <p:cNvPr id="209" name="Google Shape;209;g70b1b09d84_0_426:notes"/>
-          <p:cNvSpPr txBox="1"/>
+          <p:cNvSpPr txBox="1">
+            <a:spLocks noGrp="1"/>
+          </p:cNvSpPr>
           <p:nvPr>
-            <p:ph idx="1" type="body"/>
+            <p:ph type="body" idx="1"/>
           </p:nvPr>
         </p:nvSpPr>
         <p:spPr>
@@ -1480,12 +1545,12 @@
           </a:prstGeom>
         </p:spPr>
         <p:txBody>
-          <a:bodyPr anchorCtr="0" anchor="t" bIns="91425" lIns="91425" spcFirstLastPara="1" rIns="91425" wrap="square" tIns="91425">
+          <a:bodyPr spcFirstLastPara="1" wrap="square" lIns="91425" tIns="91425" rIns="91425" bIns="91425" anchor="t" anchorCtr="0">
             <a:noAutofit/>
           </a:bodyPr>
           <a:lstStyle/>
           <a:p>
-            <a:pPr indent="0" lvl="0" marL="0" rtl="0" algn="l">
+            <a:pPr marL="0" lvl="0" indent="0" algn="l" rtl="0">
               <a:spcBef>
                 <a:spcPts val="0"/>
               </a:spcBef>
@@ -1494,9 +1559,6 @@
               </a:spcAft>
               <a:buNone/>
             </a:pPr>
-            <a:r>
-              <a:t/>
-            </a:r>
             <a:endParaRPr/>
           </a:p>
         </p:txBody>
@@ -1510,11 +1572,11 @@
 </file>
 
 <file path=ppt/notesSlides/notesSlide2.xml><?xml version="1.0" encoding="utf-8"?>
-<p:notes xmlns:a="http://schemas.openxmlformats.org/drawingml/2006/main" xmlns:r="http://schemas.openxmlformats.org/officeDocument/2006/relationships" xmlns:mc="http://schemas.openxmlformats.org/markup-compatibility/2006" xmlns:mv="urn:schemas-microsoft-com:mac:vml" xmlns:p="http://schemas.openxmlformats.org/presentationml/2006/main" xmlns:c="http://schemas.openxmlformats.org/drawingml/2006/chart" xmlns:dgm="http://schemas.openxmlformats.org/drawingml/2006/diagram" xmlns:o="urn:schemas-microsoft-com:office:office" xmlns:v="urn:schemas-microsoft-com:vml" xmlns:pvml="urn:schemas-microsoft-com:office:powerpoint" xmlns:com="http://schemas.openxmlformats.org/drawingml/2006/compatibility" xmlns:p14="http://schemas.microsoft.com/office/powerpoint/2010/main" xmlns:p15="http://schemas.microsoft.com/office/powerpoint/2012/main" showMasterPhAnim="0" showMasterSp="0">
+<p:notes xmlns:a="http://schemas.openxmlformats.org/drawingml/2006/main" xmlns:r="http://schemas.openxmlformats.org/officeDocument/2006/relationships" xmlns:p="http://schemas.openxmlformats.org/presentationml/2006/main" showMasterSp="0" showMasterPhAnim="0">
   <p:cSld>
     <p:spTree>
       <p:nvGrpSpPr>
-        <p:cNvPr id="88" name="Shape 88"/>
+        <p:cNvPr id="1" name="Shape 88"/>
         <p:cNvGrpSpPr/>
         <p:nvPr/>
       </p:nvGrpSpPr>
@@ -1529,20 +1591,26 @@
       <p:sp>
         <p:nvSpPr>
           <p:cNvPr id="89" name="Google Shape;89;g70b1b09d84_0_171:notes"/>
-          <p:cNvSpPr/>
+          <p:cNvSpPr>
+            <a:spLocks noGrp="1" noRot="1" noChangeAspect="1"/>
+          </p:cNvSpPr>
           <p:nvPr>
-            <p:ph idx="2" type="sldImg"/>
+            <p:ph type="sldImg" idx="2"/>
           </p:nvPr>
         </p:nvSpPr>
         <p:spPr>
           <a:xfrm>
-            <a:off x="381300" y="685800"/>
+            <a:off x="381000" y="685800"/>
             <a:ext cx="6096000" cy="3429000"/>
           </a:xfrm>
           <a:custGeom>
-            <a:rect b="b" l="l" r="r" t="t"/>
+            <a:avLst/>
+            <a:gdLst/>
+            <a:ahLst/>
+            <a:cxnLst/>
+            <a:rect l="l" t="t" r="r" b="b"/>
             <a:pathLst>
-              <a:path extrusionOk="0" h="120000" w="120000">
+              <a:path w="120000" h="120000" extrusionOk="0">
                 <a:moveTo>
                   <a:pt x="0" y="0"/>
                 </a:moveTo>
@@ -1564,9 +1632,11 @@
       <p:sp>
         <p:nvSpPr>
           <p:cNvPr id="90" name="Google Shape;90;g70b1b09d84_0_171:notes"/>
-          <p:cNvSpPr txBox="1"/>
+          <p:cNvSpPr txBox="1">
+            <a:spLocks noGrp="1"/>
+          </p:cNvSpPr>
           <p:nvPr>
-            <p:ph idx="1" type="body"/>
+            <p:ph type="body" idx="1"/>
           </p:nvPr>
         </p:nvSpPr>
         <p:spPr>
@@ -1579,12 +1649,12 @@
           </a:prstGeom>
         </p:spPr>
         <p:txBody>
-          <a:bodyPr anchorCtr="0" anchor="t" bIns="91425" lIns="91425" spcFirstLastPara="1" rIns="91425" wrap="square" tIns="91425">
+          <a:bodyPr spcFirstLastPara="1" wrap="square" lIns="91425" tIns="91425" rIns="91425" bIns="91425" anchor="t" anchorCtr="0">
             <a:noAutofit/>
           </a:bodyPr>
           <a:lstStyle/>
           <a:p>
-            <a:pPr indent="0" lvl="0" marL="0" rtl="0" algn="l">
+            <a:pPr marL="0" lvl="0" indent="0" algn="l" rtl="0">
               <a:spcBef>
                 <a:spcPts val="0"/>
               </a:spcBef>
@@ -1593,9 +1663,6 @@
               </a:spcAft>
               <a:buNone/>
             </a:pPr>
-            <a:r>
-              <a:t/>
-            </a:r>
             <a:endParaRPr/>
           </a:p>
         </p:txBody>
@@ -1609,11 +1676,11 @@
 </file>
 
 <file path=ppt/notesSlides/notesSlide3.xml><?xml version="1.0" encoding="utf-8"?>
-<p:notes xmlns:a="http://schemas.openxmlformats.org/drawingml/2006/main" xmlns:r="http://schemas.openxmlformats.org/officeDocument/2006/relationships" xmlns:mc="http://schemas.openxmlformats.org/markup-compatibility/2006" xmlns:mv="urn:schemas-microsoft-com:mac:vml" xmlns:p="http://schemas.openxmlformats.org/presentationml/2006/main" xmlns:c="http://schemas.openxmlformats.org/drawingml/2006/chart" xmlns:dgm="http://schemas.openxmlformats.org/drawingml/2006/diagram" xmlns:o="urn:schemas-microsoft-com:office:office" xmlns:v="urn:schemas-microsoft-com:vml" xmlns:pvml="urn:schemas-microsoft-com:office:powerpoint" xmlns:com="http://schemas.openxmlformats.org/drawingml/2006/compatibility" xmlns:p14="http://schemas.microsoft.com/office/powerpoint/2010/main" xmlns:p15="http://schemas.microsoft.com/office/powerpoint/2012/main" showMasterPhAnim="0" showMasterSp="0">
+<p:notes xmlns:a="http://schemas.openxmlformats.org/drawingml/2006/main" xmlns:r="http://schemas.openxmlformats.org/officeDocument/2006/relationships" xmlns:p="http://schemas.openxmlformats.org/presentationml/2006/main" showMasterSp="0" showMasterPhAnim="0">
   <p:cSld>
     <p:spTree>
       <p:nvGrpSpPr>
-        <p:cNvPr id="96" name="Shape 96"/>
+        <p:cNvPr id="1" name="Shape 96"/>
         <p:cNvGrpSpPr/>
         <p:nvPr/>
       </p:nvGrpSpPr>
@@ -1628,9 +1695,11 @@
       <p:sp>
         <p:nvSpPr>
           <p:cNvPr id="97" name="Google Shape;97;g75dfb32d9b_0_0:notes"/>
-          <p:cNvSpPr/>
+          <p:cNvSpPr>
+            <a:spLocks noGrp="1" noRot="1" noChangeAspect="1"/>
+          </p:cNvSpPr>
           <p:nvPr>
-            <p:ph idx="2" type="sldImg"/>
+            <p:ph type="sldImg" idx="2"/>
           </p:nvPr>
         </p:nvSpPr>
         <p:spPr>
@@ -1639,9 +1708,13 @@
             <a:ext cx="6096000" cy="3429000"/>
           </a:xfrm>
           <a:custGeom>
-            <a:rect b="b" l="l" r="r" t="t"/>
+            <a:avLst/>
+            <a:gdLst/>
+            <a:ahLst/>
+            <a:cxnLst/>
+            <a:rect l="l" t="t" r="r" b="b"/>
             <a:pathLst>
-              <a:path extrusionOk="0" h="120000" w="120000">
+              <a:path w="120000" h="120000" extrusionOk="0">
                 <a:moveTo>
                   <a:pt x="0" y="0"/>
                 </a:moveTo>
@@ -1663,9 +1736,11 @@
       <p:sp>
         <p:nvSpPr>
           <p:cNvPr id="98" name="Google Shape;98;g75dfb32d9b_0_0:notes"/>
-          <p:cNvSpPr txBox="1"/>
+          <p:cNvSpPr txBox="1">
+            <a:spLocks noGrp="1"/>
+          </p:cNvSpPr>
           <p:nvPr>
-            <p:ph idx="1" type="body"/>
+            <p:ph type="body" idx="1"/>
           </p:nvPr>
         </p:nvSpPr>
         <p:spPr>
@@ -1678,12 +1753,12 @@
           </a:prstGeom>
         </p:spPr>
         <p:txBody>
-          <a:bodyPr anchorCtr="0" anchor="t" bIns="91425" lIns="91425" spcFirstLastPara="1" rIns="91425" wrap="square" tIns="91425">
+          <a:bodyPr spcFirstLastPara="1" wrap="square" lIns="91425" tIns="91425" rIns="91425" bIns="91425" anchor="t" anchorCtr="0">
             <a:noAutofit/>
           </a:bodyPr>
           <a:lstStyle/>
           <a:p>
-            <a:pPr indent="0" lvl="0" marL="0" rtl="0" algn="l">
+            <a:pPr marL="0" lvl="0" indent="0" algn="l" rtl="0">
               <a:spcBef>
                 <a:spcPts val="0"/>
               </a:spcBef>
@@ -1692,9 +1767,6 @@
               </a:spcAft>
               <a:buNone/>
             </a:pPr>
-            <a:r>
-              <a:t/>
-            </a:r>
             <a:endParaRPr/>
           </a:p>
         </p:txBody>
@@ -1708,11 +1780,11 @@
 </file>
 
 <file path=ppt/notesSlides/notesSlide4.xml><?xml version="1.0" encoding="utf-8"?>
-<p:notes xmlns:a="http://schemas.openxmlformats.org/drawingml/2006/main" xmlns:r="http://schemas.openxmlformats.org/officeDocument/2006/relationships" xmlns:mc="http://schemas.openxmlformats.org/markup-compatibility/2006" xmlns:mv="urn:schemas-microsoft-com:mac:vml" xmlns:p="http://schemas.openxmlformats.org/presentationml/2006/main" xmlns:c="http://schemas.openxmlformats.org/drawingml/2006/chart" xmlns:dgm="http://schemas.openxmlformats.org/drawingml/2006/diagram" xmlns:o="urn:schemas-microsoft-com:office:office" xmlns:v="urn:schemas-microsoft-com:vml" xmlns:pvml="urn:schemas-microsoft-com:office:powerpoint" xmlns:com="http://schemas.openxmlformats.org/drawingml/2006/compatibility" xmlns:p14="http://schemas.microsoft.com/office/powerpoint/2010/main" xmlns:p15="http://schemas.microsoft.com/office/powerpoint/2012/main" showMasterPhAnim="0" showMasterSp="0">
+<p:notes xmlns:a="http://schemas.openxmlformats.org/drawingml/2006/main" xmlns:r="http://schemas.openxmlformats.org/officeDocument/2006/relationships" xmlns:p="http://schemas.openxmlformats.org/presentationml/2006/main" showMasterSp="0" showMasterPhAnim="0">
   <p:cSld>
     <p:spTree>
       <p:nvGrpSpPr>
-        <p:cNvPr id="104" name="Shape 104"/>
+        <p:cNvPr id="1" name="Shape 104"/>
         <p:cNvGrpSpPr/>
         <p:nvPr/>
       </p:nvGrpSpPr>
@@ -1727,9 +1799,11 @@
       <p:sp>
         <p:nvSpPr>
           <p:cNvPr id="105" name="Google Shape;105;g70b1b09d84_0_491:notes"/>
-          <p:cNvSpPr/>
+          <p:cNvSpPr>
+            <a:spLocks noGrp="1" noRot="1" noChangeAspect="1"/>
+          </p:cNvSpPr>
           <p:nvPr>
-            <p:ph idx="2" type="sldImg"/>
+            <p:ph type="sldImg" idx="2"/>
           </p:nvPr>
         </p:nvSpPr>
         <p:spPr>
@@ -1738,9 +1812,13 @@
             <a:ext cx="6096000" cy="3429000"/>
           </a:xfrm>
           <a:custGeom>
-            <a:rect b="b" l="l" r="r" t="t"/>
+            <a:avLst/>
+            <a:gdLst/>
+            <a:ahLst/>
+            <a:cxnLst/>
+            <a:rect l="l" t="t" r="r" b="b"/>
             <a:pathLst>
-              <a:path extrusionOk="0" h="120000" w="120000">
+              <a:path w="120000" h="120000" extrusionOk="0">
                 <a:moveTo>
                   <a:pt x="0" y="0"/>
                 </a:moveTo>
@@ -1762,9 +1840,11 @@
       <p:sp>
         <p:nvSpPr>
           <p:cNvPr id="106" name="Google Shape;106;g70b1b09d84_0_491:notes"/>
-          <p:cNvSpPr txBox="1"/>
+          <p:cNvSpPr txBox="1">
+            <a:spLocks noGrp="1"/>
+          </p:cNvSpPr>
           <p:nvPr>
-            <p:ph idx="1" type="body"/>
+            <p:ph type="body" idx="1"/>
           </p:nvPr>
         </p:nvSpPr>
         <p:spPr>
@@ -1777,12 +1857,12 @@
           </a:prstGeom>
         </p:spPr>
         <p:txBody>
-          <a:bodyPr anchorCtr="0" anchor="t" bIns="91425" lIns="91425" spcFirstLastPara="1" rIns="91425" wrap="square" tIns="91425">
+          <a:bodyPr spcFirstLastPara="1" wrap="square" lIns="91425" tIns="91425" rIns="91425" bIns="91425" anchor="t" anchorCtr="0">
             <a:noAutofit/>
           </a:bodyPr>
           <a:lstStyle/>
           <a:p>
-            <a:pPr indent="0" lvl="0" marL="0" rtl="0" algn="l">
+            <a:pPr marL="0" lvl="0" indent="0" algn="l" rtl="0">
               <a:spcBef>
                 <a:spcPts val="0"/>
               </a:spcBef>
@@ -1791,9 +1871,6 @@
               </a:spcAft>
               <a:buNone/>
             </a:pPr>
-            <a:r>
-              <a:t/>
-            </a:r>
             <a:endParaRPr/>
           </a:p>
         </p:txBody>
@@ -1807,11 +1884,11 @@
 </file>
 
 <file path=ppt/notesSlides/notesSlide5.xml><?xml version="1.0" encoding="utf-8"?>
-<p:notes xmlns:a="http://schemas.openxmlformats.org/drawingml/2006/main" xmlns:r="http://schemas.openxmlformats.org/officeDocument/2006/relationships" xmlns:mc="http://schemas.openxmlformats.org/markup-compatibility/2006" xmlns:mv="urn:schemas-microsoft-com:mac:vml" xmlns:p="http://schemas.openxmlformats.org/presentationml/2006/main" xmlns:c="http://schemas.openxmlformats.org/drawingml/2006/chart" xmlns:dgm="http://schemas.openxmlformats.org/drawingml/2006/diagram" xmlns:o="urn:schemas-microsoft-com:office:office" xmlns:v="urn:schemas-microsoft-com:vml" xmlns:pvml="urn:schemas-microsoft-com:office:powerpoint" xmlns:com="http://schemas.openxmlformats.org/drawingml/2006/compatibility" xmlns:p14="http://schemas.microsoft.com/office/powerpoint/2010/main" xmlns:p15="http://schemas.microsoft.com/office/powerpoint/2012/main" showMasterPhAnim="0" showMasterSp="0">
+<p:notes xmlns:a="http://schemas.openxmlformats.org/drawingml/2006/main" xmlns:r="http://schemas.openxmlformats.org/officeDocument/2006/relationships" xmlns:p="http://schemas.openxmlformats.org/presentationml/2006/main" showMasterSp="0" showMasterPhAnim="0">
   <p:cSld>
     <p:spTree>
       <p:nvGrpSpPr>
-        <p:cNvPr id="112" name="Shape 112"/>
+        <p:cNvPr id="1" name="Shape 112"/>
         <p:cNvGrpSpPr/>
         <p:nvPr/>
       </p:nvGrpSpPr>
@@ -1826,9 +1903,11 @@
       <p:sp>
         <p:nvSpPr>
           <p:cNvPr id="113" name="Google Shape;113;g70b1b09d84_0_451:notes"/>
-          <p:cNvSpPr/>
+          <p:cNvSpPr>
+            <a:spLocks noGrp="1" noRot="1" noChangeAspect="1"/>
+          </p:cNvSpPr>
           <p:nvPr>
-            <p:ph idx="2" type="sldImg"/>
+            <p:ph type="sldImg" idx="2"/>
           </p:nvPr>
         </p:nvSpPr>
         <p:spPr>
@@ -1837,9 +1916,13 @@
             <a:ext cx="6096000" cy="3429000"/>
           </a:xfrm>
           <a:custGeom>
-            <a:rect b="b" l="l" r="r" t="t"/>
+            <a:avLst/>
+            <a:gdLst/>
+            <a:ahLst/>
+            <a:cxnLst/>
+            <a:rect l="l" t="t" r="r" b="b"/>
             <a:pathLst>
-              <a:path extrusionOk="0" h="120000" w="120000">
+              <a:path w="120000" h="120000" extrusionOk="0">
                 <a:moveTo>
                   <a:pt x="0" y="0"/>
                 </a:moveTo>
@@ -1861,9 +1944,11 @@
       <p:sp>
         <p:nvSpPr>
           <p:cNvPr id="114" name="Google Shape;114;g70b1b09d84_0_451:notes"/>
-          <p:cNvSpPr txBox="1"/>
+          <p:cNvSpPr txBox="1">
+            <a:spLocks noGrp="1"/>
+          </p:cNvSpPr>
           <p:nvPr>
-            <p:ph idx="1" type="body"/>
+            <p:ph type="body" idx="1"/>
           </p:nvPr>
         </p:nvSpPr>
         <p:spPr>
@@ -1876,12 +1961,12 @@
           </a:prstGeom>
         </p:spPr>
         <p:txBody>
-          <a:bodyPr anchorCtr="0" anchor="t" bIns="91425" lIns="91425" spcFirstLastPara="1" rIns="91425" wrap="square" tIns="91425">
+          <a:bodyPr spcFirstLastPara="1" wrap="square" lIns="91425" tIns="91425" rIns="91425" bIns="91425" anchor="t" anchorCtr="0">
             <a:noAutofit/>
           </a:bodyPr>
           <a:lstStyle/>
           <a:p>
-            <a:pPr indent="0" lvl="0" marL="0" rtl="0" algn="l">
+            <a:pPr marL="0" lvl="0" indent="0" algn="l" rtl="0">
               <a:spcBef>
                 <a:spcPts val="0"/>
               </a:spcBef>
@@ -1890,9 +1975,6 @@
               </a:spcAft>
               <a:buNone/>
             </a:pPr>
-            <a:r>
-              <a:t/>
-            </a:r>
             <a:endParaRPr/>
           </a:p>
         </p:txBody>
@@ -1906,11 +1988,11 @@
 </file>
 
 <file path=ppt/notesSlides/notesSlide6.xml><?xml version="1.0" encoding="utf-8"?>
-<p:notes xmlns:a="http://schemas.openxmlformats.org/drawingml/2006/main" xmlns:r="http://schemas.openxmlformats.org/officeDocument/2006/relationships" xmlns:mc="http://schemas.openxmlformats.org/markup-compatibility/2006" xmlns:mv="urn:schemas-microsoft-com:mac:vml" xmlns:p="http://schemas.openxmlformats.org/presentationml/2006/main" xmlns:c="http://schemas.openxmlformats.org/drawingml/2006/chart" xmlns:dgm="http://schemas.openxmlformats.org/drawingml/2006/diagram" xmlns:o="urn:schemas-microsoft-com:office:office" xmlns:v="urn:schemas-microsoft-com:vml" xmlns:pvml="urn:schemas-microsoft-com:office:powerpoint" xmlns:com="http://schemas.openxmlformats.org/drawingml/2006/compatibility" xmlns:p14="http://schemas.microsoft.com/office/powerpoint/2010/main" xmlns:p15="http://schemas.microsoft.com/office/powerpoint/2012/main" showMasterPhAnim="0" showMasterSp="0">
+<p:notes xmlns:a="http://schemas.openxmlformats.org/drawingml/2006/main" xmlns:r="http://schemas.openxmlformats.org/officeDocument/2006/relationships" xmlns:p="http://schemas.openxmlformats.org/presentationml/2006/main" showMasterSp="0" showMasterPhAnim="0">
   <p:cSld>
     <p:spTree>
       <p:nvGrpSpPr>
-        <p:cNvPr id="121" name="Shape 121"/>
+        <p:cNvPr id="1" name="Shape 121"/>
         <p:cNvGrpSpPr/>
         <p:nvPr/>
       </p:nvGrpSpPr>
@@ -1925,9 +2007,11 @@
       <p:sp>
         <p:nvSpPr>
           <p:cNvPr id="122" name="Google Shape;122;g47b1f0b24f_0_8:notes"/>
-          <p:cNvSpPr/>
+          <p:cNvSpPr>
+            <a:spLocks noGrp="1" noRot="1" noChangeAspect="1"/>
+          </p:cNvSpPr>
           <p:nvPr>
-            <p:ph idx="2" type="sldImg"/>
+            <p:ph type="sldImg" idx="2"/>
           </p:nvPr>
         </p:nvSpPr>
         <p:spPr>
@@ -1936,9 +2020,13 @@
             <a:ext cx="6096000" cy="3429000"/>
           </a:xfrm>
           <a:custGeom>
-            <a:rect b="b" l="l" r="r" t="t"/>
+            <a:avLst/>
+            <a:gdLst/>
+            <a:ahLst/>
+            <a:cxnLst/>
+            <a:rect l="l" t="t" r="r" b="b"/>
             <a:pathLst>
-              <a:path extrusionOk="0" h="120000" w="120000">
+              <a:path w="120000" h="120000" extrusionOk="0">
                 <a:moveTo>
                   <a:pt x="0" y="0"/>
                 </a:moveTo>
@@ -1960,9 +2048,11 @@
       <p:sp>
         <p:nvSpPr>
           <p:cNvPr id="123" name="Google Shape;123;g47b1f0b24f_0_8:notes"/>
-          <p:cNvSpPr txBox="1"/>
+          <p:cNvSpPr txBox="1">
+            <a:spLocks noGrp="1"/>
+          </p:cNvSpPr>
           <p:nvPr>
-            <p:ph idx="1" type="body"/>
+            <p:ph type="body" idx="1"/>
           </p:nvPr>
         </p:nvSpPr>
         <p:spPr>
@@ -1975,12 +2065,12 @@
           </a:prstGeom>
         </p:spPr>
         <p:txBody>
-          <a:bodyPr anchorCtr="0" anchor="t" bIns="91425" lIns="91425" spcFirstLastPara="1" rIns="91425" wrap="square" tIns="91425">
+          <a:bodyPr spcFirstLastPara="1" wrap="square" lIns="91425" tIns="91425" rIns="91425" bIns="91425" anchor="t" anchorCtr="0">
             <a:noAutofit/>
           </a:bodyPr>
           <a:lstStyle/>
           <a:p>
-            <a:pPr indent="0" lvl="0" marL="0" rtl="0" algn="l">
+            <a:pPr marL="0" lvl="0" indent="0" algn="l" rtl="0">
               <a:spcBef>
                 <a:spcPts val="0"/>
               </a:spcBef>
@@ -1989,9 +2079,6 @@
               </a:spcAft>
               <a:buNone/>
             </a:pPr>
-            <a:r>
-              <a:t/>
-            </a:r>
             <a:endParaRPr/>
           </a:p>
         </p:txBody>
@@ -2005,11 +2092,11 @@
 </file>
 
 <file path=ppt/notesSlides/notesSlide7.xml><?xml version="1.0" encoding="utf-8"?>
-<p:notes xmlns:a="http://schemas.openxmlformats.org/drawingml/2006/main" xmlns:r="http://schemas.openxmlformats.org/officeDocument/2006/relationships" xmlns:mc="http://schemas.openxmlformats.org/markup-compatibility/2006" xmlns:mv="urn:schemas-microsoft-com:mac:vml" xmlns:p="http://schemas.openxmlformats.org/presentationml/2006/main" xmlns:c="http://schemas.openxmlformats.org/drawingml/2006/chart" xmlns:dgm="http://schemas.openxmlformats.org/drawingml/2006/diagram" xmlns:o="urn:schemas-microsoft-com:office:office" xmlns:v="urn:schemas-microsoft-com:vml" xmlns:pvml="urn:schemas-microsoft-com:office:powerpoint" xmlns:com="http://schemas.openxmlformats.org/drawingml/2006/compatibility" xmlns:p14="http://schemas.microsoft.com/office/powerpoint/2010/main" xmlns:p15="http://schemas.microsoft.com/office/powerpoint/2012/main" showMasterPhAnim="0" showMasterSp="0">
+<p:notes xmlns:a="http://schemas.openxmlformats.org/drawingml/2006/main" xmlns:r="http://schemas.openxmlformats.org/officeDocument/2006/relationships" xmlns:p="http://schemas.openxmlformats.org/presentationml/2006/main" showMasterSp="0" showMasterPhAnim="0">
   <p:cSld>
     <p:spTree>
       <p:nvGrpSpPr>
-        <p:cNvPr id="130" name="Shape 130"/>
+        <p:cNvPr id="1" name="Shape 130"/>
         <p:cNvGrpSpPr/>
         <p:nvPr/>
       </p:nvGrpSpPr>
@@ -2024,9 +2111,11 @@
       <p:sp>
         <p:nvSpPr>
           <p:cNvPr id="131" name="Google Shape;131;g47b1f0b24f_0_17:notes"/>
-          <p:cNvSpPr/>
+          <p:cNvSpPr>
+            <a:spLocks noGrp="1" noRot="1" noChangeAspect="1"/>
+          </p:cNvSpPr>
           <p:nvPr>
-            <p:ph idx="2" type="sldImg"/>
+            <p:ph type="sldImg" idx="2"/>
           </p:nvPr>
         </p:nvSpPr>
         <p:spPr>
@@ -2035,9 +2124,13 @@
             <a:ext cx="6096000" cy="3429000"/>
           </a:xfrm>
           <a:custGeom>
-            <a:rect b="b" l="l" r="r" t="t"/>
+            <a:avLst/>
+            <a:gdLst/>
+            <a:ahLst/>
+            <a:cxnLst/>
+            <a:rect l="l" t="t" r="r" b="b"/>
             <a:pathLst>
-              <a:path extrusionOk="0" h="120000" w="120000">
+              <a:path w="120000" h="120000" extrusionOk="0">
                 <a:moveTo>
                   <a:pt x="0" y="0"/>
                 </a:moveTo>
@@ -2059,9 +2152,11 @@
       <p:sp>
         <p:nvSpPr>
           <p:cNvPr id="132" name="Google Shape;132;g47b1f0b24f_0_17:notes"/>
-          <p:cNvSpPr txBox="1"/>
+          <p:cNvSpPr txBox="1">
+            <a:spLocks noGrp="1"/>
+          </p:cNvSpPr>
           <p:nvPr>
-            <p:ph idx="1" type="body"/>
+            <p:ph type="body" idx="1"/>
           </p:nvPr>
         </p:nvSpPr>
         <p:spPr>
@@ -2074,12 +2169,12 @@
           </a:prstGeom>
         </p:spPr>
         <p:txBody>
-          <a:bodyPr anchorCtr="0" anchor="t" bIns="91425" lIns="91425" spcFirstLastPara="1" rIns="91425" wrap="square" tIns="91425">
+          <a:bodyPr spcFirstLastPara="1" wrap="square" lIns="91425" tIns="91425" rIns="91425" bIns="91425" anchor="t" anchorCtr="0">
             <a:noAutofit/>
           </a:bodyPr>
           <a:lstStyle/>
           <a:p>
-            <a:pPr indent="0" lvl="0" marL="0" rtl="0" algn="l">
+            <a:pPr marL="0" lvl="0" indent="0" algn="l" rtl="0">
               <a:spcBef>
                 <a:spcPts val="0"/>
               </a:spcBef>
@@ -2088,9 +2183,6 @@
               </a:spcAft>
               <a:buNone/>
             </a:pPr>
-            <a:r>
-              <a:t/>
-            </a:r>
             <a:endParaRPr/>
           </a:p>
         </p:txBody>
@@ -2104,11 +2196,11 @@
 </file>
 
 <file path=ppt/notesSlides/notesSlide8.xml><?xml version="1.0" encoding="utf-8"?>
-<p:notes xmlns:a="http://schemas.openxmlformats.org/drawingml/2006/main" xmlns:r="http://schemas.openxmlformats.org/officeDocument/2006/relationships" xmlns:mc="http://schemas.openxmlformats.org/markup-compatibility/2006" xmlns:mv="urn:schemas-microsoft-com:mac:vml" xmlns:p="http://schemas.openxmlformats.org/presentationml/2006/main" xmlns:c="http://schemas.openxmlformats.org/drawingml/2006/chart" xmlns:dgm="http://schemas.openxmlformats.org/drawingml/2006/diagram" xmlns:o="urn:schemas-microsoft-com:office:office" xmlns:v="urn:schemas-microsoft-com:vml" xmlns:pvml="urn:schemas-microsoft-com:office:powerpoint" xmlns:com="http://schemas.openxmlformats.org/drawingml/2006/compatibility" xmlns:p14="http://schemas.microsoft.com/office/powerpoint/2010/main" xmlns:p15="http://schemas.microsoft.com/office/powerpoint/2012/main" showMasterPhAnim="0" showMasterSp="0">
+<p:notes xmlns:a="http://schemas.openxmlformats.org/drawingml/2006/main" xmlns:r="http://schemas.openxmlformats.org/officeDocument/2006/relationships" xmlns:p="http://schemas.openxmlformats.org/presentationml/2006/main" showMasterSp="0" showMasterPhAnim="0">
   <p:cSld>
     <p:spTree>
       <p:nvGrpSpPr>
-        <p:cNvPr id="139" name="Shape 139"/>
+        <p:cNvPr id="1" name="Shape 139"/>
         <p:cNvGrpSpPr/>
         <p:nvPr/>
       </p:nvGrpSpPr>
@@ -2123,9 +2215,11 @@
       <p:sp>
         <p:nvSpPr>
           <p:cNvPr id="140" name="Google Shape;140;g47b1f0b24f_0_27:notes"/>
-          <p:cNvSpPr/>
+          <p:cNvSpPr>
+            <a:spLocks noGrp="1" noRot="1" noChangeAspect="1"/>
+          </p:cNvSpPr>
           <p:nvPr>
-            <p:ph idx="2" type="sldImg"/>
+            <p:ph type="sldImg" idx="2"/>
           </p:nvPr>
         </p:nvSpPr>
         <p:spPr>
@@ -2134,9 +2228,13 @@
             <a:ext cx="6096000" cy="3429000"/>
           </a:xfrm>
           <a:custGeom>
-            <a:rect b="b" l="l" r="r" t="t"/>
+            <a:avLst/>
+            <a:gdLst/>
+            <a:ahLst/>
+            <a:cxnLst/>
+            <a:rect l="l" t="t" r="r" b="b"/>
             <a:pathLst>
-              <a:path extrusionOk="0" h="120000" w="120000">
+              <a:path w="120000" h="120000" extrusionOk="0">
                 <a:moveTo>
                   <a:pt x="0" y="0"/>
                 </a:moveTo>
@@ -2158,9 +2256,11 @@
       <p:sp>
         <p:nvSpPr>
           <p:cNvPr id="141" name="Google Shape;141;g47b1f0b24f_0_27:notes"/>
-          <p:cNvSpPr txBox="1"/>
+          <p:cNvSpPr txBox="1">
+            <a:spLocks noGrp="1"/>
+          </p:cNvSpPr>
           <p:nvPr>
-            <p:ph idx="1" type="body"/>
+            <p:ph type="body" idx="1"/>
           </p:nvPr>
         </p:nvSpPr>
         <p:spPr>
@@ -2173,12 +2273,12 @@
           </a:prstGeom>
         </p:spPr>
         <p:txBody>
-          <a:bodyPr anchorCtr="0" anchor="t" bIns="91425" lIns="91425" spcFirstLastPara="1" rIns="91425" wrap="square" tIns="91425">
+          <a:bodyPr spcFirstLastPara="1" wrap="square" lIns="91425" tIns="91425" rIns="91425" bIns="91425" anchor="t" anchorCtr="0">
             <a:noAutofit/>
           </a:bodyPr>
           <a:lstStyle/>
           <a:p>
-            <a:pPr indent="0" lvl="0" marL="0" rtl="0" algn="l">
+            <a:pPr marL="0" lvl="0" indent="0" algn="l" rtl="0">
               <a:spcBef>
                 <a:spcPts val="0"/>
               </a:spcBef>
@@ -2187,9 +2287,6 @@
               </a:spcAft>
               <a:buNone/>
             </a:pPr>
-            <a:r>
-              <a:t/>
-            </a:r>
             <a:endParaRPr/>
           </a:p>
         </p:txBody>
@@ -2203,11 +2300,11 @@
 </file>
 
 <file path=ppt/notesSlides/notesSlide9.xml><?xml version="1.0" encoding="utf-8"?>
-<p:notes xmlns:a="http://schemas.openxmlformats.org/drawingml/2006/main" xmlns:r="http://schemas.openxmlformats.org/officeDocument/2006/relationships" xmlns:mc="http://schemas.openxmlformats.org/markup-compatibility/2006" xmlns:mv="urn:schemas-microsoft-com:mac:vml" xmlns:p="http://schemas.openxmlformats.org/presentationml/2006/main" xmlns:c="http://schemas.openxmlformats.org/drawingml/2006/chart" xmlns:dgm="http://schemas.openxmlformats.org/drawingml/2006/diagram" xmlns:o="urn:schemas-microsoft-com:office:office" xmlns:v="urn:schemas-microsoft-com:vml" xmlns:pvml="urn:schemas-microsoft-com:office:powerpoint" xmlns:com="http://schemas.openxmlformats.org/drawingml/2006/compatibility" xmlns:p14="http://schemas.microsoft.com/office/powerpoint/2010/main" xmlns:p15="http://schemas.microsoft.com/office/powerpoint/2012/main" showMasterPhAnim="0" showMasterSp="0">
+<p:notes xmlns:a="http://schemas.openxmlformats.org/drawingml/2006/main" xmlns:r="http://schemas.openxmlformats.org/officeDocument/2006/relationships" xmlns:p="http://schemas.openxmlformats.org/presentationml/2006/main" showMasterSp="0" showMasterPhAnim="0">
   <p:cSld>
     <p:spTree>
       <p:nvGrpSpPr>
-        <p:cNvPr id="148" name="Shape 148"/>
+        <p:cNvPr id="1" name="Shape 148"/>
         <p:cNvGrpSpPr/>
         <p:nvPr/>
       </p:nvGrpSpPr>
@@ -2222,9 +2319,11 @@
       <p:sp>
         <p:nvSpPr>
           <p:cNvPr id="149" name="Google Shape;149;g47b1f0b24f_0_40:notes"/>
-          <p:cNvSpPr/>
+          <p:cNvSpPr>
+            <a:spLocks noGrp="1" noRot="1" noChangeAspect="1"/>
+          </p:cNvSpPr>
           <p:nvPr>
-            <p:ph idx="2" type="sldImg"/>
+            <p:ph type="sldImg" idx="2"/>
           </p:nvPr>
         </p:nvSpPr>
         <p:spPr>
@@ -2233,9 +2332,13 @@
             <a:ext cx="6096000" cy="3429000"/>
           </a:xfrm>
           <a:custGeom>
-            <a:rect b="b" l="l" r="r" t="t"/>
+            <a:avLst/>
+            <a:gdLst/>
+            <a:ahLst/>
+            <a:cxnLst/>
+            <a:rect l="l" t="t" r="r" b="b"/>
             <a:pathLst>
-              <a:path extrusionOk="0" h="120000" w="120000">
+              <a:path w="120000" h="120000" extrusionOk="0">
                 <a:moveTo>
                   <a:pt x="0" y="0"/>
                 </a:moveTo>
@@ -2257,9 +2360,11 @@
       <p:sp>
         <p:nvSpPr>
           <p:cNvPr id="150" name="Google Shape;150;g47b1f0b24f_0_40:notes"/>
-          <p:cNvSpPr txBox="1"/>
+          <p:cNvSpPr txBox="1">
+            <a:spLocks noGrp="1"/>
+          </p:cNvSpPr>
           <p:nvPr>
-            <p:ph idx="1" type="body"/>
+            <p:ph type="body" idx="1"/>
           </p:nvPr>
         </p:nvSpPr>
         <p:spPr>
@@ -2272,12 +2377,12 @@
           </a:prstGeom>
         </p:spPr>
         <p:txBody>
-          <a:bodyPr anchorCtr="0" anchor="t" bIns="91425" lIns="91425" spcFirstLastPara="1" rIns="91425" wrap="square" tIns="91425">
+          <a:bodyPr spcFirstLastPara="1" wrap="square" lIns="91425" tIns="91425" rIns="91425" bIns="91425" anchor="t" anchorCtr="0">
             <a:noAutofit/>
           </a:bodyPr>
           <a:lstStyle/>
           <a:p>
-            <a:pPr indent="0" lvl="0" marL="0" rtl="0" algn="l">
+            <a:pPr marL="0" lvl="0" indent="0" algn="l" rtl="0">
               <a:spcBef>
                 <a:spcPts val="0"/>
               </a:spcBef>
@@ -2286,9 +2391,6 @@
               </a:spcAft>
               <a:buNone/>
             </a:pPr>
-            <a:r>
-              <a:t/>
-            </a:r>
             <a:endParaRPr/>
           </a:p>
         </p:txBody>
@@ -2302,18 +2404,19 @@
 </file>
 
 <file path=ppt/slideLayouts/slideLayout1.xml><?xml version="1.0" encoding="utf-8"?>
-<p:sldLayout xmlns:a="http://schemas.openxmlformats.org/drawingml/2006/main" xmlns:r="http://schemas.openxmlformats.org/officeDocument/2006/relationships" xmlns:mc="http://schemas.openxmlformats.org/markup-compatibility/2006" xmlns:mv="urn:schemas-microsoft-com:mac:vml" xmlns:p="http://schemas.openxmlformats.org/presentationml/2006/main" xmlns:c="http://schemas.openxmlformats.org/drawingml/2006/chart" xmlns:dgm="http://schemas.openxmlformats.org/drawingml/2006/diagram" xmlns:o="urn:schemas-microsoft-com:office:office" xmlns:v="urn:schemas-microsoft-com:vml" xmlns:pvml="urn:schemas-microsoft-com:office:powerpoint" xmlns:com="http://schemas.openxmlformats.org/drawingml/2006/compatibility" xmlns:p14="http://schemas.microsoft.com/office/powerpoint/2010/main" xmlns:p15="http://schemas.microsoft.com/office/powerpoint/2012/main" matchingName="Title slide" type="title">
+<p:sldLayout xmlns:a="http://schemas.openxmlformats.org/drawingml/2006/main" xmlns:r="http://schemas.openxmlformats.org/officeDocument/2006/relationships" xmlns:p="http://schemas.openxmlformats.org/presentationml/2006/main" matchingName="Title slide" type="title">
   <p:cSld name="TITLE">
     <p:bg>
       <p:bgPr>
         <a:solidFill>
           <a:schemeClr val="lt2"/>
         </a:solidFill>
+        <a:effectLst/>
       </p:bgPr>
     </p:bg>
     <p:spTree>
       <p:nvGrpSpPr>
-        <p:cNvPr id="9" name="Shape 9"/>
+        <p:cNvPr id="1" name="Shape 9"/>
         <p:cNvGrpSpPr/>
         <p:nvPr/>
       </p:nvGrpSpPr>
@@ -2347,12 +2450,12 @@
           </a:ln>
         </p:spPr>
         <p:txBody>
-          <a:bodyPr anchorCtr="0" anchor="ctr" bIns="91425" lIns="91425" spcFirstLastPara="1" rIns="91425" wrap="square" tIns="91425">
+          <a:bodyPr spcFirstLastPara="1" wrap="square" lIns="91425" tIns="91425" rIns="91425" bIns="91425" anchor="ctr" anchorCtr="0">
             <a:noAutofit/>
           </a:bodyPr>
           <a:lstStyle/>
           <a:p>
-            <a:pPr indent="0" lvl="0" marL="0" rtl="0" algn="l">
+            <a:pPr marL="0" lvl="0" indent="0" algn="l" rtl="0">
               <a:spcBef>
                 <a:spcPts val="0"/>
               </a:spcBef>
@@ -2361,9 +2464,6 @@
               </a:spcAft>
               <a:buNone/>
             </a:pPr>
-            <a:r>
-              <a:t/>
-            </a:r>
             <a:endParaRPr/>
           </a:p>
         </p:txBody>
@@ -2404,12 +2504,12 @@
             </a:ln>
           </p:spPr>
           <p:txBody>
-            <a:bodyPr anchorCtr="0" anchor="ctr" bIns="91425" lIns="91425" spcFirstLastPara="1" rIns="91425" wrap="square" tIns="91425">
+            <a:bodyPr spcFirstLastPara="1" wrap="square" lIns="91425" tIns="91425" rIns="91425" bIns="91425" anchor="ctr" anchorCtr="0">
               <a:noAutofit/>
             </a:bodyPr>
             <a:lstStyle/>
             <a:p>
-              <a:pPr indent="0" lvl="0" marL="0" rtl="0" algn="l">
+              <a:pPr marL="0" lvl="0" indent="0" algn="l" rtl="0">
                 <a:spcBef>
                   <a:spcPts val="0"/>
                 </a:spcBef>
@@ -2418,9 +2518,6 @@
                 </a:spcAft>
                 <a:buNone/>
               </a:pPr>
-              <a:r>
-                <a:t/>
-              </a:r>
               <a:endParaRPr/>
             </a:p>
           </p:txBody>
@@ -2447,12 +2544,12 @@
             </a:ln>
           </p:spPr>
           <p:txBody>
-            <a:bodyPr anchorCtr="0" anchor="ctr" bIns="91425" lIns="91425" spcFirstLastPara="1" rIns="91425" wrap="square" tIns="91425">
+            <a:bodyPr spcFirstLastPara="1" wrap="square" lIns="91425" tIns="91425" rIns="91425" bIns="91425" anchor="ctr" anchorCtr="0">
               <a:noAutofit/>
             </a:bodyPr>
             <a:lstStyle/>
             <a:p>
-              <a:pPr indent="0" lvl="0" marL="0" rtl="0" algn="l">
+              <a:pPr marL="0" lvl="0" indent="0" algn="l" rtl="0">
                 <a:spcBef>
                   <a:spcPts val="0"/>
                 </a:spcBef>
@@ -2461,9 +2558,6 @@
                 </a:spcAft>
                 <a:buNone/>
               </a:pPr>
-              <a:r>
-                <a:t/>
-              </a:r>
               <a:endParaRPr/>
             </a:p>
           </p:txBody>
@@ -2472,7 +2566,9 @@
       <p:sp>
         <p:nvSpPr>
           <p:cNvPr id="14" name="Google Shape;14;p2"/>
-          <p:cNvSpPr txBox="1"/>
+          <p:cNvSpPr txBox="1">
+            <a:spLocks noGrp="1"/>
+          </p:cNvSpPr>
           <p:nvPr>
             <p:ph type="ctrTitle"/>
           </p:nvPr>
@@ -2487,7 +2583,7 @@
           </a:prstGeom>
         </p:spPr>
         <p:txBody>
-          <a:bodyPr anchorCtr="0" anchor="t" bIns="91425" lIns="91425" spcFirstLastPara="1" rIns="91425" wrap="square" tIns="91425">
+          <a:bodyPr spcFirstLastPara="1" wrap="square" lIns="91425" tIns="91425" rIns="91425" bIns="91425" anchor="t" anchorCtr="0">
             <a:noAutofit/>
           </a:bodyPr>
           <a:lstStyle>
@@ -2654,15 +2750,19 @@
               </a:defRPr>
             </a:lvl9pPr>
           </a:lstStyle>
-          <a:p/>
+          <a:p>
+            <a:endParaRPr/>
+          </a:p>
         </p:txBody>
       </p:sp>
       <p:sp>
         <p:nvSpPr>
           <p:cNvPr id="15" name="Google Shape;15;p2"/>
-          <p:cNvSpPr txBox="1"/>
+          <p:cNvSpPr txBox="1">
+            <a:spLocks noGrp="1"/>
+          </p:cNvSpPr>
           <p:nvPr>
-            <p:ph idx="1" type="subTitle"/>
+            <p:ph type="subTitle" idx="1"/>
           </p:nvPr>
         </p:nvSpPr>
         <p:spPr>
@@ -2675,7 +2775,7 @@
           </a:prstGeom>
         </p:spPr>
         <p:txBody>
-          <a:bodyPr anchorCtr="0" anchor="t" bIns="91425" lIns="91425" spcFirstLastPara="1" rIns="91425" wrap="square" tIns="91425">
+          <a:bodyPr spcFirstLastPara="1" wrap="square" lIns="91425" tIns="91425" rIns="91425" bIns="91425" anchor="t" anchorCtr="0">
             <a:noAutofit/>
           </a:bodyPr>
           <a:lstStyle>
@@ -2806,15 +2906,19 @@
               <a:defRPr sz="1600"/>
             </a:lvl9pPr>
           </a:lstStyle>
-          <a:p/>
+          <a:p>
+            <a:endParaRPr/>
+          </a:p>
         </p:txBody>
       </p:sp>
       <p:sp>
         <p:nvSpPr>
           <p:cNvPr id="16" name="Google Shape;16;p2"/>
-          <p:cNvSpPr txBox="1"/>
+          <p:cNvSpPr txBox="1">
+            <a:spLocks noGrp="1"/>
+          </p:cNvSpPr>
           <p:nvPr>
-            <p:ph idx="12" type="sldNum"/>
+            <p:ph type="sldNum" idx="12"/>
           </p:nvPr>
         </p:nvSpPr>
         <p:spPr>
@@ -2827,7 +2931,7 @@
           </a:prstGeom>
         </p:spPr>
         <p:txBody>
-          <a:bodyPr anchorCtr="0" anchor="ctr" bIns="91425" lIns="91425" spcFirstLastPara="1" rIns="91425" wrap="square" tIns="91425">
+          <a:bodyPr spcFirstLastPara="1" wrap="square" lIns="91425" tIns="91425" rIns="91425" bIns="91425" anchor="ctr" anchorCtr="0">
             <a:noAutofit/>
           </a:bodyPr>
           <a:lstStyle>
@@ -2869,7 +2973,7 @@
             </a:lvl9pPr>
           </a:lstStyle>
           <a:p>
-            <a:pPr indent="0" lvl="0" marL="0" rtl="0" algn="r">
+            <a:pPr marL="0" lvl="0" indent="0" algn="r" rtl="0">
               <a:spcBef>
                 <a:spcPts val="0"/>
               </a:spcBef>
@@ -2895,18 +2999,19 @@
 </file>
 
 <file path=ppt/slideLayouts/slideLayout10.xml><?xml version="1.0" encoding="utf-8"?>
-<p:sldLayout xmlns:a="http://schemas.openxmlformats.org/drawingml/2006/main" xmlns:r="http://schemas.openxmlformats.org/officeDocument/2006/relationships" xmlns:mc="http://schemas.openxmlformats.org/markup-compatibility/2006" xmlns:mv="urn:schemas-microsoft-com:mac:vml" xmlns:p="http://schemas.openxmlformats.org/presentationml/2006/main" xmlns:c="http://schemas.openxmlformats.org/drawingml/2006/chart" xmlns:dgm="http://schemas.openxmlformats.org/drawingml/2006/diagram" xmlns:o="urn:schemas-microsoft-com:office:office" xmlns:v="urn:schemas-microsoft-com:vml" xmlns:pvml="urn:schemas-microsoft-com:office:powerpoint" xmlns:com="http://schemas.openxmlformats.org/drawingml/2006/compatibility" xmlns:p14="http://schemas.microsoft.com/office/powerpoint/2010/main" xmlns:p15="http://schemas.microsoft.com/office/powerpoint/2012/main" matchingName="Big number">
+<p:sldLayout xmlns:a="http://schemas.openxmlformats.org/drawingml/2006/main" xmlns:r="http://schemas.openxmlformats.org/officeDocument/2006/relationships" xmlns:p="http://schemas.openxmlformats.org/presentationml/2006/main" matchingName="Big number">
   <p:cSld name="BIG_NUMBER">
     <p:bg>
       <p:bgPr>
         <a:solidFill>
           <a:schemeClr val="dk1"/>
         </a:solidFill>
+        <a:effectLst/>
       </p:bgPr>
     </p:bg>
     <p:spTree>
       <p:nvGrpSpPr>
-        <p:cNvPr id="73" name="Shape 73"/>
+        <p:cNvPr id="1" name="Shape 73"/>
         <p:cNvGrpSpPr/>
         <p:nvPr/>
       </p:nvGrpSpPr>
@@ -2954,12 +3059,12 @@
             </a:ln>
           </p:spPr>
           <p:txBody>
-            <a:bodyPr anchorCtr="0" anchor="ctr" bIns="91425" lIns="91425" spcFirstLastPara="1" rIns="91425" wrap="square" tIns="91425">
+            <a:bodyPr spcFirstLastPara="1" wrap="square" lIns="91425" tIns="91425" rIns="91425" bIns="91425" anchor="ctr" anchorCtr="0">
               <a:noAutofit/>
             </a:bodyPr>
             <a:lstStyle/>
             <a:p>
-              <a:pPr indent="0" lvl="0" marL="0" rtl="0" algn="l">
+              <a:pPr marL="0" lvl="0" indent="0" algn="l" rtl="0">
                 <a:spcBef>
                   <a:spcPts val="0"/>
                 </a:spcBef>
@@ -2968,9 +3073,6 @@
                 </a:spcAft>
                 <a:buNone/>
               </a:pPr>
-              <a:r>
-                <a:t/>
-              </a:r>
               <a:endParaRPr/>
             </a:p>
           </p:txBody>
@@ -2997,12 +3099,12 @@
             </a:ln>
           </p:spPr>
           <p:txBody>
-            <a:bodyPr anchorCtr="0" anchor="ctr" bIns="91425" lIns="91425" spcFirstLastPara="1" rIns="91425" wrap="square" tIns="91425">
+            <a:bodyPr spcFirstLastPara="1" wrap="square" lIns="91425" tIns="91425" rIns="91425" bIns="91425" anchor="ctr" anchorCtr="0">
               <a:noAutofit/>
             </a:bodyPr>
             <a:lstStyle/>
             <a:p>
-              <a:pPr indent="0" lvl="0" marL="0" rtl="0" algn="l">
+              <a:pPr marL="0" lvl="0" indent="0" algn="l" rtl="0">
                 <a:spcBef>
                   <a:spcPts val="0"/>
                 </a:spcBef>
@@ -3011,9 +3113,6 @@
                 </a:spcAft>
                 <a:buNone/>
               </a:pPr>
-              <a:r>
-                <a:t/>
-              </a:r>
               <a:endParaRPr/>
             </a:p>
           </p:txBody>
@@ -3022,9 +3121,11 @@
       <p:sp>
         <p:nvSpPr>
           <p:cNvPr id="77" name="Google Shape;77;p11"/>
-          <p:cNvSpPr txBox="1"/>
+          <p:cNvSpPr txBox="1">
+            <a:spLocks noGrp="1"/>
+          </p:cNvSpPr>
           <p:nvPr>
-            <p:ph hasCustomPrompt="1" type="title"/>
+            <p:ph type="title" hasCustomPrompt="1"/>
           </p:nvPr>
         </p:nvSpPr>
         <p:spPr>
@@ -3037,7 +3138,7 @@
           </a:prstGeom>
         </p:spPr>
         <p:txBody>
-          <a:bodyPr anchorCtr="0" anchor="t" bIns="91425" lIns="91425" spcFirstLastPara="1" rIns="91425" wrap="square" tIns="91425">
+          <a:bodyPr spcFirstLastPara="1" wrap="square" lIns="91425" tIns="91425" rIns="91425" bIns="91425" anchor="t" anchorCtr="0">
             <a:noAutofit/>
           </a:bodyPr>
           <a:lstStyle>
@@ -3214,9 +3315,11 @@
       <p:sp>
         <p:nvSpPr>
           <p:cNvPr id="78" name="Google Shape;78;p11"/>
-          <p:cNvSpPr txBox="1"/>
+          <p:cNvSpPr txBox="1">
+            <a:spLocks noGrp="1"/>
+          </p:cNvSpPr>
           <p:nvPr>
-            <p:ph idx="1" type="body"/>
+            <p:ph type="body" idx="1"/>
           </p:nvPr>
         </p:nvSpPr>
         <p:spPr>
@@ -3229,11 +3332,11 @@
           </a:prstGeom>
         </p:spPr>
         <p:txBody>
-          <a:bodyPr anchorCtr="0" anchor="t" bIns="91425" lIns="91425" spcFirstLastPara="1" rIns="91425" wrap="square" tIns="91425">
+          <a:bodyPr spcFirstLastPara="1" wrap="square" lIns="91425" tIns="91425" rIns="91425" bIns="91425" anchor="t" anchorCtr="0">
             <a:noAutofit/>
           </a:bodyPr>
           <a:lstStyle>
-            <a:lvl1pPr indent="-311150" lvl="0" marL="457200">
+            <a:lvl1pPr marL="457200" lvl="0" indent="-311150">
               <a:spcBef>
                 <a:spcPts val="0"/>
               </a:spcBef>
@@ -3251,7 +3354,7 @@
                 </a:solidFill>
               </a:defRPr>
             </a:lvl1pPr>
-            <a:lvl2pPr indent="-298450" lvl="1" marL="914400">
+            <a:lvl2pPr marL="914400" lvl="1" indent="-298450">
               <a:spcBef>
                 <a:spcPts val="1600"/>
               </a:spcBef>
@@ -3269,7 +3372,7 @@
                 </a:solidFill>
               </a:defRPr>
             </a:lvl2pPr>
-            <a:lvl3pPr indent="-298450" lvl="2" marL="1371600">
+            <a:lvl3pPr marL="1371600" lvl="2" indent="-298450">
               <a:spcBef>
                 <a:spcPts val="1600"/>
               </a:spcBef>
@@ -3287,7 +3390,7 @@
                 </a:solidFill>
               </a:defRPr>
             </a:lvl3pPr>
-            <a:lvl4pPr indent="-298450" lvl="3" marL="1828800">
+            <a:lvl4pPr marL="1828800" lvl="3" indent="-298450">
               <a:spcBef>
                 <a:spcPts val="1600"/>
               </a:spcBef>
@@ -3305,7 +3408,7 @@
                 </a:solidFill>
               </a:defRPr>
             </a:lvl4pPr>
-            <a:lvl5pPr indent="-298450" lvl="4" marL="2286000">
+            <a:lvl5pPr marL="2286000" lvl="4" indent="-298450">
               <a:spcBef>
                 <a:spcPts val="1600"/>
               </a:spcBef>
@@ -3323,7 +3426,7 @@
                 </a:solidFill>
               </a:defRPr>
             </a:lvl5pPr>
-            <a:lvl6pPr indent="-298450" lvl="5" marL="2743200">
+            <a:lvl6pPr marL="2743200" lvl="5" indent="-298450">
               <a:spcBef>
                 <a:spcPts val="1600"/>
               </a:spcBef>
@@ -3341,7 +3444,7 @@
                 </a:solidFill>
               </a:defRPr>
             </a:lvl6pPr>
-            <a:lvl7pPr indent="-298450" lvl="6" marL="3200400">
+            <a:lvl7pPr marL="3200400" lvl="6" indent="-298450">
               <a:spcBef>
                 <a:spcPts val="1600"/>
               </a:spcBef>
@@ -3359,7 +3462,7 @@
                 </a:solidFill>
               </a:defRPr>
             </a:lvl7pPr>
-            <a:lvl8pPr indent="-298450" lvl="7" marL="3657600">
+            <a:lvl8pPr marL="3657600" lvl="7" indent="-298450">
               <a:spcBef>
                 <a:spcPts val="1600"/>
               </a:spcBef>
@@ -3377,7 +3480,7 @@
                 </a:solidFill>
               </a:defRPr>
             </a:lvl8pPr>
-            <a:lvl9pPr indent="-298450" lvl="8" marL="4114800">
+            <a:lvl9pPr marL="4114800" lvl="8" indent="-298450">
               <a:spcBef>
                 <a:spcPts val="1600"/>
               </a:spcBef>
@@ -3396,15 +3499,19 @@
               </a:defRPr>
             </a:lvl9pPr>
           </a:lstStyle>
-          <a:p/>
+          <a:p>
+            <a:endParaRPr/>
+          </a:p>
         </p:txBody>
       </p:sp>
       <p:sp>
         <p:nvSpPr>
           <p:cNvPr id="79" name="Google Shape;79;p11"/>
-          <p:cNvSpPr txBox="1"/>
+          <p:cNvSpPr txBox="1">
+            <a:spLocks noGrp="1"/>
+          </p:cNvSpPr>
           <p:nvPr>
-            <p:ph idx="12" type="sldNum"/>
+            <p:ph type="sldNum" idx="12"/>
           </p:nvPr>
         </p:nvSpPr>
         <p:spPr>
@@ -3417,7 +3524,7 @@
           </a:prstGeom>
         </p:spPr>
         <p:txBody>
-          <a:bodyPr anchorCtr="0" anchor="ctr" bIns="91425" lIns="91425" spcFirstLastPara="1" rIns="91425" wrap="square" tIns="91425">
+          <a:bodyPr spcFirstLastPara="1" wrap="square" lIns="91425" tIns="91425" rIns="91425" bIns="91425" anchor="ctr" anchorCtr="0">
             <a:noAutofit/>
           </a:bodyPr>
           <a:lstStyle>
@@ -3495,7 +3602,7 @@
             </a:lvl9pPr>
           </a:lstStyle>
           <a:p>
-            <a:pPr indent="0" lvl="0" marL="0" rtl="0" algn="r">
+            <a:pPr marL="0" lvl="0" indent="0" algn="r" rtl="0">
               <a:spcBef>
                 <a:spcPts val="0"/>
               </a:spcBef>
@@ -3521,11 +3628,11 @@
 </file>
 
 <file path=ppt/slideLayouts/slideLayout11.xml><?xml version="1.0" encoding="utf-8"?>
-<p:sldLayout xmlns:a="http://schemas.openxmlformats.org/drawingml/2006/main" xmlns:r="http://schemas.openxmlformats.org/officeDocument/2006/relationships" xmlns:mc="http://schemas.openxmlformats.org/markup-compatibility/2006" xmlns:mv="urn:schemas-microsoft-com:mac:vml" xmlns:p="http://schemas.openxmlformats.org/presentationml/2006/main" xmlns:c="http://schemas.openxmlformats.org/drawingml/2006/chart" xmlns:dgm="http://schemas.openxmlformats.org/drawingml/2006/diagram" xmlns:o="urn:schemas-microsoft-com:office:office" xmlns:v="urn:schemas-microsoft-com:vml" xmlns:pvml="urn:schemas-microsoft-com:office:powerpoint" xmlns:com="http://schemas.openxmlformats.org/drawingml/2006/compatibility" xmlns:p14="http://schemas.microsoft.com/office/powerpoint/2010/main" xmlns:p15="http://schemas.microsoft.com/office/powerpoint/2012/main" matchingName="Blank" type="blank">
+<p:sldLayout xmlns:a="http://schemas.openxmlformats.org/drawingml/2006/main" xmlns:r="http://schemas.openxmlformats.org/officeDocument/2006/relationships" xmlns:p="http://schemas.openxmlformats.org/presentationml/2006/main" matchingName="Blank" type="blank">
   <p:cSld name="BLANK">
     <p:spTree>
       <p:nvGrpSpPr>
-        <p:cNvPr id="80" name="Shape 80"/>
+        <p:cNvPr id="1" name="Shape 80"/>
         <p:cNvGrpSpPr/>
         <p:nvPr/>
       </p:nvGrpSpPr>
@@ -3540,9 +3647,11 @@
       <p:sp>
         <p:nvSpPr>
           <p:cNvPr id="81" name="Google Shape;81;p12"/>
-          <p:cNvSpPr txBox="1"/>
+          <p:cNvSpPr txBox="1">
+            <a:spLocks noGrp="1"/>
+          </p:cNvSpPr>
           <p:nvPr>
-            <p:ph idx="12" type="sldNum"/>
+            <p:ph type="sldNum" idx="12"/>
           </p:nvPr>
         </p:nvSpPr>
         <p:spPr>
@@ -3555,7 +3664,7 @@
           </a:prstGeom>
         </p:spPr>
         <p:txBody>
-          <a:bodyPr anchorCtr="0" anchor="ctr" bIns="91425" lIns="91425" spcFirstLastPara="1" rIns="91425" wrap="square" tIns="91425">
+          <a:bodyPr spcFirstLastPara="1" wrap="square" lIns="91425" tIns="91425" rIns="91425" bIns="91425" anchor="ctr" anchorCtr="0">
             <a:noAutofit/>
           </a:bodyPr>
           <a:lstStyle>
@@ -3597,7 +3706,7 @@
             </a:lvl9pPr>
           </a:lstStyle>
           <a:p>
-            <a:pPr indent="0" lvl="0" marL="0" rtl="0" algn="r">
+            <a:pPr marL="0" lvl="0" indent="0" algn="r" rtl="0">
               <a:spcBef>
                 <a:spcPts val="0"/>
               </a:spcBef>
@@ -3623,18 +3732,19 @@
 </file>
 
 <file path=ppt/slideLayouts/slideLayout2.xml><?xml version="1.0" encoding="utf-8"?>
-<p:sldLayout xmlns:a="http://schemas.openxmlformats.org/drawingml/2006/main" xmlns:r="http://schemas.openxmlformats.org/officeDocument/2006/relationships" xmlns:mc="http://schemas.openxmlformats.org/markup-compatibility/2006" xmlns:mv="urn:schemas-microsoft-com:mac:vml" xmlns:p="http://schemas.openxmlformats.org/presentationml/2006/main" xmlns:c="http://schemas.openxmlformats.org/drawingml/2006/chart" xmlns:dgm="http://schemas.openxmlformats.org/drawingml/2006/diagram" xmlns:o="urn:schemas-microsoft-com:office:office" xmlns:v="urn:schemas-microsoft-com:vml" xmlns:pvml="urn:schemas-microsoft-com:office:powerpoint" xmlns:com="http://schemas.openxmlformats.org/drawingml/2006/compatibility" xmlns:p14="http://schemas.microsoft.com/office/powerpoint/2010/main" xmlns:p15="http://schemas.microsoft.com/office/powerpoint/2012/main" matchingName="Section header" type="secHead">
+<p:sldLayout xmlns:a="http://schemas.openxmlformats.org/drawingml/2006/main" xmlns:r="http://schemas.openxmlformats.org/officeDocument/2006/relationships" xmlns:p="http://schemas.openxmlformats.org/presentationml/2006/main" matchingName="Section header" type="secHead">
   <p:cSld name="SECTION_HEADER">
     <p:bg>
       <p:bgPr>
         <a:solidFill>
           <a:schemeClr val="dk1"/>
         </a:solidFill>
+        <a:effectLst/>
       </p:bgPr>
     </p:bg>
     <p:spTree>
       <p:nvGrpSpPr>
-        <p:cNvPr id="17" name="Shape 17"/>
+        <p:cNvPr id="1" name="Shape 17"/>
         <p:cNvGrpSpPr/>
         <p:nvPr/>
       </p:nvGrpSpPr>
@@ -3682,12 +3792,12 @@
             </a:ln>
           </p:spPr>
           <p:txBody>
-            <a:bodyPr anchorCtr="0" anchor="ctr" bIns="91425" lIns="91425" spcFirstLastPara="1" rIns="91425" wrap="square" tIns="91425">
+            <a:bodyPr spcFirstLastPara="1" wrap="square" lIns="91425" tIns="91425" rIns="91425" bIns="91425" anchor="ctr" anchorCtr="0">
               <a:noAutofit/>
             </a:bodyPr>
             <a:lstStyle/>
             <a:p>
-              <a:pPr indent="0" lvl="0" marL="0" rtl="0" algn="l">
+              <a:pPr marL="0" lvl="0" indent="0" algn="l" rtl="0">
                 <a:spcBef>
                   <a:spcPts val="0"/>
                 </a:spcBef>
@@ -3696,9 +3806,6 @@
                 </a:spcAft>
                 <a:buNone/>
               </a:pPr>
-              <a:r>
-                <a:t/>
-              </a:r>
               <a:endParaRPr/>
             </a:p>
           </p:txBody>
@@ -3725,12 +3832,12 @@
             </a:ln>
           </p:spPr>
           <p:txBody>
-            <a:bodyPr anchorCtr="0" anchor="ctr" bIns="91425" lIns="91425" spcFirstLastPara="1" rIns="91425" wrap="square" tIns="91425">
+            <a:bodyPr spcFirstLastPara="1" wrap="square" lIns="91425" tIns="91425" rIns="91425" bIns="91425" anchor="ctr" anchorCtr="0">
               <a:noAutofit/>
             </a:bodyPr>
             <a:lstStyle/>
             <a:p>
-              <a:pPr indent="0" lvl="0" marL="0" rtl="0" algn="l">
+              <a:pPr marL="0" lvl="0" indent="0" algn="l" rtl="0">
                 <a:spcBef>
                   <a:spcPts val="0"/>
                 </a:spcBef>
@@ -3739,9 +3846,6 @@
                 </a:spcAft>
                 <a:buNone/>
               </a:pPr>
-              <a:r>
-                <a:t/>
-              </a:r>
               <a:endParaRPr/>
             </a:p>
           </p:txBody>
@@ -3750,7 +3854,9 @@
       <p:sp>
         <p:nvSpPr>
           <p:cNvPr id="21" name="Google Shape;21;p3"/>
-          <p:cNvSpPr txBox="1"/>
+          <p:cNvSpPr txBox="1">
+            <a:spLocks noGrp="1"/>
+          </p:cNvSpPr>
           <p:nvPr>
             <p:ph type="title"/>
           </p:nvPr>
@@ -3765,7 +3871,7 @@
           </a:prstGeom>
         </p:spPr>
         <p:txBody>
-          <a:bodyPr anchorCtr="0" anchor="t" bIns="91425" lIns="91425" spcFirstLastPara="1" rIns="91425" wrap="square" tIns="91425">
+          <a:bodyPr spcFirstLastPara="1" wrap="square" lIns="91425" tIns="91425" rIns="91425" bIns="91425" anchor="t" anchorCtr="0">
             <a:noAutofit/>
           </a:bodyPr>
           <a:lstStyle>
@@ -3932,15 +4038,19 @@
               </a:defRPr>
             </a:lvl9pPr>
           </a:lstStyle>
-          <a:p/>
+          <a:p>
+            <a:endParaRPr/>
+          </a:p>
         </p:txBody>
       </p:sp>
       <p:sp>
         <p:nvSpPr>
           <p:cNvPr id="22" name="Google Shape;22;p3"/>
-          <p:cNvSpPr txBox="1"/>
+          <p:cNvSpPr txBox="1">
+            <a:spLocks noGrp="1"/>
+          </p:cNvSpPr>
           <p:nvPr>
-            <p:ph idx="12" type="sldNum"/>
+            <p:ph type="sldNum" idx="12"/>
           </p:nvPr>
         </p:nvSpPr>
         <p:spPr>
@@ -3953,7 +4063,7 @@
           </a:prstGeom>
         </p:spPr>
         <p:txBody>
-          <a:bodyPr anchorCtr="0" anchor="ctr" bIns="91425" lIns="91425" spcFirstLastPara="1" rIns="91425" wrap="square" tIns="91425">
+          <a:bodyPr spcFirstLastPara="1" wrap="square" lIns="91425" tIns="91425" rIns="91425" bIns="91425" anchor="ctr" anchorCtr="0">
             <a:noAutofit/>
           </a:bodyPr>
           <a:lstStyle>
@@ -4031,7 +4141,7 @@
             </a:lvl9pPr>
           </a:lstStyle>
           <a:p>
-            <a:pPr indent="0" lvl="0" marL="0" rtl="0" algn="r">
+            <a:pPr marL="0" lvl="0" indent="0" algn="r" rtl="0">
               <a:spcBef>
                 <a:spcPts val="0"/>
               </a:spcBef>
@@ -4057,11 +4167,11 @@
 </file>
 
 <file path=ppt/slideLayouts/slideLayout3.xml><?xml version="1.0" encoding="utf-8"?>
-<p:sldLayout xmlns:a="http://schemas.openxmlformats.org/drawingml/2006/main" xmlns:r="http://schemas.openxmlformats.org/officeDocument/2006/relationships" xmlns:mc="http://schemas.openxmlformats.org/markup-compatibility/2006" xmlns:mv="urn:schemas-microsoft-com:mac:vml" xmlns:p="http://schemas.openxmlformats.org/presentationml/2006/main" xmlns:c="http://schemas.openxmlformats.org/drawingml/2006/chart" xmlns:dgm="http://schemas.openxmlformats.org/drawingml/2006/diagram" xmlns:o="urn:schemas-microsoft-com:office:office" xmlns:v="urn:schemas-microsoft-com:vml" xmlns:pvml="urn:schemas-microsoft-com:office:powerpoint" xmlns:com="http://schemas.openxmlformats.org/drawingml/2006/compatibility" xmlns:p14="http://schemas.microsoft.com/office/powerpoint/2010/main" xmlns:p15="http://schemas.microsoft.com/office/powerpoint/2012/main" matchingName="Title and body" type="tx">
+<p:sldLayout xmlns:a="http://schemas.openxmlformats.org/drawingml/2006/main" xmlns:r="http://schemas.openxmlformats.org/officeDocument/2006/relationships" xmlns:p="http://schemas.openxmlformats.org/presentationml/2006/main" matchingName="Title and body" type="tx">
   <p:cSld name="TITLE_AND_BODY">
     <p:spTree>
       <p:nvGrpSpPr>
-        <p:cNvPr id="23" name="Shape 23"/>
+        <p:cNvPr id="1" name="Shape 23"/>
         <p:cNvGrpSpPr/>
         <p:nvPr/>
       </p:nvGrpSpPr>
@@ -4095,12 +4205,12 @@
           </a:ln>
         </p:spPr>
         <p:txBody>
-          <a:bodyPr anchorCtr="0" anchor="ctr" bIns="91425" lIns="91425" spcFirstLastPara="1" rIns="91425" wrap="square" tIns="91425">
+          <a:bodyPr spcFirstLastPara="1" wrap="square" lIns="91425" tIns="91425" rIns="91425" bIns="91425" anchor="ctr" anchorCtr="0">
             <a:noAutofit/>
           </a:bodyPr>
           <a:lstStyle/>
           <a:p>
-            <a:pPr indent="0" lvl="0" marL="0" rtl="0" algn="l">
+            <a:pPr marL="0" lvl="0" indent="0" algn="l" rtl="0">
               <a:spcBef>
                 <a:spcPts val="0"/>
               </a:spcBef>
@@ -4109,9 +4219,6 @@
               </a:spcAft>
               <a:buNone/>
             </a:pPr>
-            <a:r>
-              <a:t/>
-            </a:r>
             <a:endParaRPr/>
           </a:p>
         </p:txBody>
@@ -4152,12 +4259,12 @@
             </a:ln>
           </p:spPr>
           <p:txBody>
-            <a:bodyPr anchorCtr="0" anchor="ctr" bIns="91425" lIns="91425" spcFirstLastPara="1" rIns="91425" wrap="square" tIns="91425">
+            <a:bodyPr spcFirstLastPara="1" wrap="square" lIns="91425" tIns="91425" rIns="91425" bIns="91425" anchor="ctr" anchorCtr="0">
               <a:noAutofit/>
             </a:bodyPr>
             <a:lstStyle/>
             <a:p>
-              <a:pPr indent="0" lvl="0" marL="0" rtl="0" algn="l">
+              <a:pPr marL="0" lvl="0" indent="0" algn="l" rtl="0">
                 <a:spcBef>
                   <a:spcPts val="0"/>
                 </a:spcBef>
@@ -4166,9 +4273,6 @@
                 </a:spcAft>
                 <a:buNone/>
               </a:pPr>
-              <a:r>
-                <a:t/>
-              </a:r>
               <a:endParaRPr/>
             </a:p>
           </p:txBody>
@@ -4195,12 +4299,12 @@
             </a:ln>
           </p:spPr>
           <p:txBody>
-            <a:bodyPr anchorCtr="0" anchor="ctr" bIns="91425" lIns="91425" spcFirstLastPara="1" rIns="91425" wrap="square" tIns="91425">
+            <a:bodyPr spcFirstLastPara="1" wrap="square" lIns="91425" tIns="91425" rIns="91425" bIns="91425" anchor="ctr" anchorCtr="0">
               <a:noAutofit/>
             </a:bodyPr>
             <a:lstStyle/>
             <a:p>
-              <a:pPr indent="0" lvl="0" marL="0" rtl="0" algn="l">
+              <a:pPr marL="0" lvl="0" indent="0" algn="l" rtl="0">
                 <a:spcBef>
                   <a:spcPts val="0"/>
                 </a:spcBef>
@@ -4209,9 +4313,6 @@
                 </a:spcAft>
                 <a:buNone/>
               </a:pPr>
-              <a:r>
-                <a:t/>
-              </a:r>
               <a:endParaRPr/>
             </a:p>
           </p:txBody>
@@ -4220,7 +4321,9 @@
       <p:sp>
         <p:nvSpPr>
           <p:cNvPr id="28" name="Google Shape;28;p4"/>
-          <p:cNvSpPr txBox="1"/>
+          <p:cNvSpPr txBox="1">
+            <a:spLocks noGrp="1"/>
+          </p:cNvSpPr>
           <p:nvPr>
             <p:ph type="title"/>
           </p:nvPr>
@@ -4235,7 +4338,7 @@
           </a:prstGeom>
         </p:spPr>
         <p:txBody>
-          <a:bodyPr anchorCtr="0" anchor="t" bIns="91425" lIns="91425" spcFirstLastPara="1" rIns="91425" wrap="square" tIns="91425">
+          <a:bodyPr spcFirstLastPara="1" wrap="square" lIns="91425" tIns="91425" rIns="91425" bIns="91425" anchor="t" anchorCtr="0">
             <a:noAutofit/>
           </a:bodyPr>
           <a:lstStyle>
@@ -4402,15 +4505,19 @@
               </a:defRPr>
             </a:lvl9pPr>
           </a:lstStyle>
-          <a:p/>
+          <a:p>
+            <a:endParaRPr/>
+          </a:p>
         </p:txBody>
       </p:sp>
       <p:sp>
         <p:nvSpPr>
           <p:cNvPr id="29" name="Google Shape;29;p4"/>
-          <p:cNvSpPr txBox="1"/>
+          <p:cNvSpPr txBox="1">
+            <a:spLocks noGrp="1"/>
+          </p:cNvSpPr>
           <p:nvPr>
-            <p:ph idx="1" type="body"/>
+            <p:ph type="body" idx="1"/>
           </p:nvPr>
         </p:nvSpPr>
         <p:spPr>
@@ -4423,11 +4530,11 @@
           </a:prstGeom>
         </p:spPr>
         <p:txBody>
-          <a:bodyPr anchorCtr="0" anchor="t" bIns="91425" lIns="91425" spcFirstLastPara="1" rIns="91425" wrap="square" tIns="91425">
+          <a:bodyPr spcFirstLastPara="1" wrap="square" lIns="91425" tIns="91425" rIns="91425" bIns="91425" anchor="t" anchorCtr="0">
             <a:noAutofit/>
           </a:bodyPr>
           <a:lstStyle>
-            <a:lvl1pPr indent="-311150" lvl="0" marL="457200">
+            <a:lvl1pPr marL="457200" lvl="0" indent="-311150">
               <a:spcBef>
                 <a:spcPts val="0"/>
               </a:spcBef>
@@ -4438,7 +4545,7 @@
               <a:buChar char="●"/>
               <a:defRPr/>
             </a:lvl1pPr>
-            <a:lvl2pPr indent="-298450" lvl="1" marL="914400">
+            <a:lvl2pPr marL="914400" lvl="1" indent="-298450">
               <a:spcBef>
                 <a:spcPts val="1600"/>
               </a:spcBef>
@@ -4449,7 +4556,7 @@
               <a:buChar char="○"/>
               <a:defRPr/>
             </a:lvl2pPr>
-            <a:lvl3pPr indent="-298450" lvl="2" marL="1371600">
+            <a:lvl3pPr marL="1371600" lvl="2" indent="-298450">
               <a:spcBef>
                 <a:spcPts val="1600"/>
               </a:spcBef>
@@ -4460,7 +4567,7 @@
               <a:buChar char="■"/>
               <a:defRPr/>
             </a:lvl3pPr>
-            <a:lvl4pPr indent="-298450" lvl="3" marL="1828800">
+            <a:lvl4pPr marL="1828800" lvl="3" indent="-298450">
               <a:spcBef>
                 <a:spcPts val="1600"/>
               </a:spcBef>
@@ -4471,7 +4578,7 @@
               <a:buChar char="●"/>
               <a:defRPr/>
             </a:lvl4pPr>
-            <a:lvl5pPr indent="-298450" lvl="4" marL="2286000">
+            <a:lvl5pPr marL="2286000" lvl="4" indent="-298450">
               <a:spcBef>
                 <a:spcPts val="1600"/>
               </a:spcBef>
@@ -4482,7 +4589,7 @@
               <a:buChar char="○"/>
               <a:defRPr/>
             </a:lvl5pPr>
-            <a:lvl6pPr indent="-298450" lvl="5" marL="2743200">
+            <a:lvl6pPr marL="2743200" lvl="5" indent="-298450">
               <a:spcBef>
                 <a:spcPts val="1600"/>
               </a:spcBef>
@@ -4493,7 +4600,7 @@
               <a:buChar char="■"/>
               <a:defRPr/>
             </a:lvl6pPr>
-            <a:lvl7pPr indent="-298450" lvl="6" marL="3200400">
+            <a:lvl7pPr marL="3200400" lvl="6" indent="-298450">
               <a:spcBef>
                 <a:spcPts val="1600"/>
               </a:spcBef>
@@ -4504,7 +4611,7 @@
               <a:buChar char="●"/>
               <a:defRPr/>
             </a:lvl7pPr>
-            <a:lvl8pPr indent="-298450" lvl="7" marL="3657600">
+            <a:lvl8pPr marL="3657600" lvl="7" indent="-298450">
               <a:spcBef>
                 <a:spcPts val="1600"/>
               </a:spcBef>
@@ -4515,7 +4622,7 @@
               <a:buChar char="○"/>
               <a:defRPr/>
             </a:lvl8pPr>
-            <a:lvl9pPr indent="-298450" lvl="8" marL="4114800">
+            <a:lvl9pPr marL="4114800" lvl="8" indent="-298450">
               <a:spcBef>
                 <a:spcPts val="1600"/>
               </a:spcBef>
@@ -4527,15 +4634,19 @@
               <a:defRPr/>
             </a:lvl9pPr>
           </a:lstStyle>
-          <a:p/>
+          <a:p>
+            <a:endParaRPr/>
+          </a:p>
         </p:txBody>
       </p:sp>
       <p:sp>
         <p:nvSpPr>
           <p:cNvPr id="30" name="Google Shape;30;p4"/>
-          <p:cNvSpPr txBox="1"/>
+          <p:cNvSpPr txBox="1">
+            <a:spLocks noGrp="1"/>
+          </p:cNvSpPr>
           <p:nvPr>
-            <p:ph idx="12" type="sldNum"/>
+            <p:ph type="sldNum" idx="12"/>
           </p:nvPr>
         </p:nvSpPr>
         <p:spPr>
@@ -4548,7 +4659,7 @@
           </a:prstGeom>
         </p:spPr>
         <p:txBody>
-          <a:bodyPr anchorCtr="0" anchor="ctr" bIns="91425" lIns="91425" spcFirstLastPara="1" rIns="91425" wrap="square" tIns="91425">
+          <a:bodyPr spcFirstLastPara="1" wrap="square" lIns="91425" tIns="91425" rIns="91425" bIns="91425" anchor="ctr" anchorCtr="0">
             <a:noAutofit/>
           </a:bodyPr>
           <a:lstStyle>
@@ -4590,7 +4701,7 @@
             </a:lvl9pPr>
           </a:lstStyle>
           <a:p>
-            <a:pPr indent="0" lvl="0" marL="0" rtl="0" algn="r">
+            <a:pPr marL="0" lvl="0" indent="0" algn="r" rtl="0">
               <a:spcBef>
                 <a:spcPts val="0"/>
               </a:spcBef>
@@ -4616,11 +4727,11 @@
 </file>
 
 <file path=ppt/slideLayouts/slideLayout4.xml><?xml version="1.0" encoding="utf-8"?>
-<p:sldLayout xmlns:a="http://schemas.openxmlformats.org/drawingml/2006/main" xmlns:r="http://schemas.openxmlformats.org/officeDocument/2006/relationships" xmlns:mc="http://schemas.openxmlformats.org/markup-compatibility/2006" xmlns:mv="urn:schemas-microsoft-com:mac:vml" xmlns:p="http://schemas.openxmlformats.org/presentationml/2006/main" xmlns:c="http://schemas.openxmlformats.org/drawingml/2006/chart" xmlns:dgm="http://schemas.openxmlformats.org/drawingml/2006/diagram" xmlns:o="urn:schemas-microsoft-com:office:office" xmlns:v="urn:schemas-microsoft-com:vml" xmlns:pvml="urn:schemas-microsoft-com:office:powerpoint" xmlns:com="http://schemas.openxmlformats.org/drawingml/2006/compatibility" xmlns:p14="http://schemas.microsoft.com/office/powerpoint/2010/main" xmlns:p15="http://schemas.microsoft.com/office/powerpoint/2012/main" matchingName="Title and two columns" type="twoColTx">
+<p:sldLayout xmlns:a="http://schemas.openxmlformats.org/drawingml/2006/main" xmlns:r="http://schemas.openxmlformats.org/officeDocument/2006/relationships" xmlns:p="http://schemas.openxmlformats.org/presentationml/2006/main" matchingName="Title and two columns" type="twoColTx">
   <p:cSld name="TITLE_AND_TWO_COLUMNS">
     <p:spTree>
       <p:nvGrpSpPr>
-        <p:cNvPr id="31" name="Shape 31"/>
+        <p:cNvPr id="1" name="Shape 31"/>
         <p:cNvGrpSpPr/>
         <p:nvPr/>
       </p:nvGrpSpPr>
@@ -4654,12 +4765,12 @@
           </a:ln>
         </p:spPr>
         <p:txBody>
-          <a:bodyPr anchorCtr="0" anchor="ctr" bIns="91425" lIns="91425" spcFirstLastPara="1" rIns="91425" wrap="square" tIns="91425">
+          <a:bodyPr spcFirstLastPara="1" wrap="square" lIns="91425" tIns="91425" rIns="91425" bIns="91425" anchor="ctr" anchorCtr="0">
             <a:noAutofit/>
           </a:bodyPr>
           <a:lstStyle/>
           <a:p>
-            <a:pPr indent="0" lvl="0" marL="0" rtl="0" algn="l">
+            <a:pPr marL="0" lvl="0" indent="0" algn="l" rtl="0">
               <a:spcBef>
                 <a:spcPts val="0"/>
               </a:spcBef>
@@ -4668,9 +4779,6 @@
               </a:spcAft>
               <a:buNone/>
             </a:pPr>
-            <a:r>
-              <a:t/>
-            </a:r>
             <a:endParaRPr/>
           </a:p>
         </p:txBody>
@@ -4711,12 +4819,12 @@
             </a:ln>
           </p:spPr>
           <p:txBody>
-            <a:bodyPr anchorCtr="0" anchor="ctr" bIns="91425" lIns="91425" spcFirstLastPara="1" rIns="91425" wrap="square" tIns="91425">
+            <a:bodyPr spcFirstLastPara="1" wrap="square" lIns="91425" tIns="91425" rIns="91425" bIns="91425" anchor="ctr" anchorCtr="0">
               <a:noAutofit/>
             </a:bodyPr>
             <a:lstStyle/>
             <a:p>
-              <a:pPr indent="0" lvl="0" marL="0" rtl="0" algn="l">
+              <a:pPr marL="0" lvl="0" indent="0" algn="l" rtl="0">
                 <a:spcBef>
                   <a:spcPts val="0"/>
                 </a:spcBef>
@@ -4725,9 +4833,6 @@
                 </a:spcAft>
                 <a:buNone/>
               </a:pPr>
-              <a:r>
-                <a:t/>
-              </a:r>
               <a:endParaRPr/>
             </a:p>
           </p:txBody>
@@ -4754,12 +4859,12 @@
             </a:ln>
           </p:spPr>
           <p:txBody>
-            <a:bodyPr anchorCtr="0" anchor="ctr" bIns="91425" lIns="91425" spcFirstLastPara="1" rIns="91425" wrap="square" tIns="91425">
+            <a:bodyPr spcFirstLastPara="1" wrap="square" lIns="91425" tIns="91425" rIns="91425" bIns="91425" anchor="ctr" anchorCtr="0">
               <a:noAutofit/>
             </a:bodyPr>
             <a:lstStyle/>
             <a:p>
-              <a:pPr indent="0" lvl="0" marL="0" rtl="0" algn="l">
+              <a:pPr marL="0" lvl="0" indent="0" algn="l" rtl="0">
                 <a:spcBef>
                   <a:spcPts val="0"/>
                 </a:spcBef>
@@ -4768,9 +4873,6 @@
                 </a:spcAft>
                 <a:buNone/>
               </a:pPr>
-              <a:r>
-                <a:t/>
-              </a:r>
               <a:endParaRPr/>
             </a:p>
           </p:txBody>
@@ -4779,7 +4881,9 @@
       <p:sp>
         <p:nvSpPr>
           <p:cNvPr id="36" name="Google Shape;36;p5"/>
-          <p:cNvSpPr txBox="1"/>
+          <p:cNvSpPr txBox="1">
+            <a:spLocks noGrp="1"/>
+          </p:cNvSpPr>
           <p:nvPr>
             <p:ph type="title"/>
           </p:nvPr>
@@ -4794,7 +4898,7 @@
           </a:prstGeom>
         </p:spPr>
         <p:txBody>
-          <a:bodyPr anchorCtr="0" anchor="t" bIns="91425" lIns="91425" spcFirstLastPara="1" rIns="91425" wrap="square" tIns="91425">
+          <a:bodyPr spcFirstLastPara="1" wrap="square" lIns="91425" tIns="91425" rIns="91425" bIns="91425" anchor="t" anchorCtr="0">
             <a:noAutofit/>
           </a:bodyPr>
           <a:lstStyle>
@@ -4961,15 +5065,19 @@
               </a:defRPr>
             </a:lvl9pPr>
           </a:lstStyle>
-          <a:p/>
+          <a:p>
+            <a:endParaRPr/>
+          </a:p>
         </p:txBody>
       </p:sp>
       <p:sp>
         <p:nvSpPr>
           <p:cNvPr id="37" name="Google Shape;37;p5"/>
-          <p:cNvSpPr txBox="1"/>
+          <p:cNvSpPr txBox="1">
+            <a:spLocks noGrp="1"/>
+          </p:cNvSpPr>
           <p:nvPr>
-            <p:ph idx="1" type="body"/>
+            <p:ph type="body" idx="1"/>
           </p:nvPr>
         </p:nvSpPr>
         <p:spPr>
@@ -4982,11 +5090,11 @@
           </a:prstGeom>
         </p:spPr>
         <p:txBody>
-          <a:bodyPr anchorCtr="0" anchor="t" bIns="91425" lIns="91425" spcFirstLastPara="1" rIns="91425" wrap="square" tIns="91425">
+          <a:bodyPr spcFirstLastPara="1" wrap="square" lIns="91425" tIns="91425" rIns="91425" bIns="91425" anchor="t" anchorCtr="0">
             <a:noAutofit/>
           </a:bodyPr>
           <a:lstStyle>
-            <a:lvl1pPr indent="-311150" lvl="0" marL="457200">
+            <a:lvl1pPr marL="457200" lvl="0" indent="-311150">
               <a:spcBef>
                 <a:spcPts val="0"/>
               </a:spcBef>
@@ -4997,7 +5105,7 @@
               <a:buChar char="●"/>
               <a:defRPr/>
             </a:lvl1pPr>
-            <a:lvl2pPr indent="-298450" lvl="1" marL="914400">
+            <a:lvl2pPr marL="914400" lvl="1" indent="-298450">
               <a:spcBef>
                 <a:spcPts val="1600"/>
               </a:spcBef>
@@ -5008,7 +5116,7 @@
               <a:buChar char="○"/>
               <a:defRPr/>
             </a:lvl2pPr>
-            <a:lvl3pPr indent="-298450" lvl="2" marL="1371600">
+            <a:lvl3pPr marL="1371600" lvl="2" indent="-298450">
               <a:spcBef>
                 <a:spcPts val="1600"/>
               </a:spcBef>
@@ -5019,7 +5127,7 @@
               <a:buChar char="■"/>
               <a:defRPr/>
             </a:lvl3pPr>
-            <a:lvl4pPr indent="-298450" lvl="3" marL="1828800">
+            <a:lvl4pPr marL="1828800" lvl="3" indent="-298450">
               <a:spcBef>
                 <a:spcPts val="1600"/>
               </a:spcBef>
@@ -5030,7 +5138,7 @@
               <a:buChar char="●"/>
               <a:defRPr/>
             </a:lvl4pPr>
-            <a:lvl5pPr indent="-298450" lvl="4" marL="2286000">
+            <a:lvl5pPr marL="2286000" lvl="4" indent="-298450">
               <a:spcBef>
                 <a:spcPts val="1600"/>
               </a:spcBef>
@@ -5041,7 +5149,7 @@
               <a:buChar char="○"/>
               <a:defRPr/>
             </a:lvl5pPr>
-            <a:lvl6pPr indent="-298450" lvl="5" marL="2743200">
+            <a:lvl6pPr marL="2743200" lvl="5" indent="-298450">
               <a:spcBef>
                 <a:spcPts val="1600"/>
               </a:spcBef>
@@ -5052,7 +5160,7 @@
               <a:buChar char="■"/>
               <a:defRPr/>
             </a:lvl6pPr>
-            <a:lvl7pPr indent="-298450" lvl="6" marL="3200400">
+            <a:lvl7pPr marL="3200400" lvl="6" indent="-298450">
               <a:spcBef>
                 <a:spcPts val="1600"/>
               </a:spcBef>
@@ -5063,7 +5171,7 @@
               <a:buChar char="●"/>
               <a:defRPr/>
             </a:lvl7pPr>
-            <a:lvl8pPr indent="-298450" lvl="7" marL="3657600">
+            <a:lvl8pPr marL="3657600" lvl="7" indent="-298450">
               <a:spcBef>
                 <a:spcPts val="1600"/>
               </a:spcBef>
@@ -5074,7 +5182,7 @@
               <a:buChar char="○"/>
               <a:defRPr/>
             </a:lvl8pPr>
-            <a:lvl9pPr indent="-298450" lvl="8" marL="4114800">
+            <a:lvl9pPr marL="4114800" lvl="8" indent="-298450">
               <a:spcBef>
                 <a:spcPts val="1600"/>
               </a:spcBef>
@@ -5086,15 +5194,19 @@
               <a:defRPr/>
             </a:lvl9pPr>
           </a:lstStyle>
-          <a:p/>
+          <a:p>
+            <a:endParaRPr/>
+          </a:p>
         </p:txBody>
       </p:sp>
       <p:sp>
         <p:nvSpPr>
           <p:cNvPr id="38" name="Google Shape;38;p5"/>
-          <p:cNvSpPr txBox="1"/>
+          <p:cNvSpPr txBox="1">
+            <a:spLocks noGrp="1"/>
+          </p:cNvSpPr>
           <p:nvPr>
-            <p:ph idx="2" type="body"/>
+            <p:ph type="body" idx="2"/>
           </p:nvPr>
         </p:nvSpPr>
         <p:spPr>
@@ -5107,11 +5219,11 @@
           </a:prstGeom>
         </p:spPr>
         <p:txBody>
-          <a:bodyPr anchorCtr="0" anchor="t" bIns="91425" lIns="91425" spcFirstLastPara="1" rIns="91425" wrap="square" tIns="91425">
+          <a:bodyPr spcFirstLastPara="1" wrap="square" lIns="91425" tIns="91425" rIns="91425" bIns="91425" anchor="t" anchorCtr="0">
             <a:noAutofit/>
           </a:bodyPr>
           <a:lstStyle>
-            <a:lvl1pPr indent="-311150" lvl="0" marL="457200">
+            <a:lvl1pPr marL="457200" lvl="0" indent="-311150">
               <a:spcBef>
                 <a:spcPts val="0"/>
               </a:spcBef>
@@ -5122,7 +5234,7 @@
               <a:buChar char="●"/>
               <a:defRPr/>
             </a:lvl1pPr>
-            <a:lvl2pPr indent="-298450" lvl="1" marL="914400">
+            <a:lvl2pPr marL="914400" lvl="1" indent="-298450">
               <a:spcBef>
                 <a:spcPts val="1600"/>
               </a:spcBef>
@@ -5133,7 +5245,7 @@
               <a:buChar char="○"/>
               <a:defRPr/>
             </a:lvl2pPr>
-            <a:lvl3pPr indent="-298450" lvl="2" marL="1371600">
+            <a:lvl3pPr marL="1371600" lvl="2" indent="-298450">
               <a:spcBef>
                 <a:spcPts val="1600"/>
               </a:spcBef>
@@ -5144,7 +5256,7 @@
               <a:buChar char="■"/>
               <a:defRPr/>
             </a:lvl3pPr>
-            <a:lvl4pPr indent="-298450" lvl="3" marL="1828800">
+            <a:lvl4pPr marL="1828800" lvl="3" indent="-298450">
               <a:spcBef>
                 <a:spcPts val="1600"/>
               </a:spcBef>
@@ -5155,7 +5267,7 @@
               <a:buChar char="●"/>
               <a:defRPr/>
             </a:lvl4pPr>
-            <a:lvl5pPr indent="-298450" lvl="4" marL="2286000">
+            <a:lvl5pPr marL="2286000" lvl="4" indent="-298450">
               <a:spcBef>
                 <a:spcPts val="1600"/>
               </a:spcBef>
@@ -5166,7 +5278,7 @@
               <a:buChar char="○"/>
               <a:defRPr/>
             </a:lvl5pPr>
-            <a:lvl6pPr indent="-298450" lvl="5" marL="2743200">
+            <a:lvl6pPr marL="2743200" lvl="5" indent="-298450">
               <a:spcBef>
                 <a:spcPts val="1600"/>
               </a:spcBef>
@@ -5177,7 +5289,7 @@
               <a:buChar char="■"/>
               <a:defRPr/>
             </a:lvl6pPr>
-            <a:lvl7pPr indent="-298450" lvl="6" marL="3200400">
+            <a:lvl7pPr marL="3200400" lvl="6" indent="-298450">
               <a:spcBef>
                 <a:spcPts val="1600"/>
               </a:spcBef>
@@ -5188,7 +5300,7 @@
               <a:buChar char="●"/>
               <a:defRPr/>
             </a:lvl7pPr>
-            <a:lvl8pPr indent="-298450" lvl="7" marL="3657600">
+            <a:lvl8pPr marL="3657600" lvl="7" indent="-298450">
               <a:spcBef>
                 <a:spcPts val="1600"/>
               </a:spcBef>
@@ -5199,7 +5311,7 @@
               <a:buChar char="○"/>
               <a:defRPr/>
             </a:lvl8pPr>
-            <a:lvl9pPr indent="-298450" lvl="8" marL="4114800">
+            <a:lvl9pPr marL="4114800" lvl="8" indent="-298450">
               <a:spcBef>
                 <a:spcPts val="1600"/>
               </a:spcBef>
@@ -5211,15 +5323,19 @@
               <a:defRPr/>
             </a:lvl9pPr>
           </a:lstStyle>
-          <a:p/>
+          <a:p>
+            <a:endParaRPr/>
+          </a:p>
         </p:txBody>
       </p:sp>
       <p:sp>
         <p:nvSpPr>
           <p:cNvPr id="39" name="Google Shape;39;p5"/>
-          <p:cNvSpPr txBox="1"/>
+          <p:cNvSpPr txBox="1">
+            <a:spLocks noGrp="1"/>
+          </p:cNvSpPr>
           <p:nvPr>
-            <p:ph idx="12" type="sldNum"/>
+            <p:ph type="sldNum" idx="12"/>
           </p:nvPr>
         </p:nvSpPr>
         <p:spPr>
@@ -5232,7 +5348,7 @@
           </a:prstGeom>
         </p:spPr>
         <p:txBody>
-          <a:bodyPr anchorCtr="0" anchor="ctr" bIns="91425" lIns="91425" spcFirstLastPara="1" rIns="91425" wrap="square" tIns="91425">
+          <a:bodyPr spcFirstLastPara="1" wrap="square" lIns="91425" tIns="91425" rIns="91425" bIns="91425" anchor="ctr" anchorCtr="0">
             <a:noAutofit/>
           </a:bodyPr>
           <a:lstStyle>
@@ -5274,7 +5390,7 @@
             </a:lvl9pPr>
           </a:lstStyle>
           <a:p>
-            <a:pPr indent="0" lvl="0" marL="0" rtl="0" algn="r">
+            <a:pPr marL="0" lvl="0" indent="0" algn="r" rtl="0">
               <a:spcBef>
                 <a:spcPts val="0"/>
               </a:spcBef>
@@ -5300,11 +5416,11 @@
 </file>
 
 <file path=ppt/slideLayouts/slideLayout5.xml><?xml version="1.0" encoding="utf-8"?>
-<p:sldLayout xmlns:a="http://schemas.openxmlformats.org/drawingml/2006/main" xmlns:r="http://schemas.openxmlformats.org/officeDocument/2006/relationships" xmlns:mc="http://schemas.openxmlformats.org/markup-compatibility/2006" xmlns:mv="urn:schemas-microsoft-com:mac:vml" xmlns:p="http://schemas.openxmlformats.org/presentationml/2006/main" xmlns:c="http://schemas.openxmlformats.org/drawingml/2006/chart" xmlns:dgm="http://schemas.openxmlformats.org/drawingml/2006/diagram" xmlns:o="urn:schemas-microsoft-com:office:office" xmlns:v="urn:schemas-microsoft-com:vml" xmlns:pvml="urn:schemas-microsoft-com:office:powerpoint" xmlns:com="http://schemas.openxmlformats.org/drawingml/2006/compatibility" xmlns:p14="http://schemas.microsoft.com/office/powerpoint/2010/main" xmlns:p15="http://schemas.microsoft.com/office/powerpoint/2012/main" matchingName="Title only" type="titleOnly">
+<p:sldLayout xmlns:a="http://schemas.openxmlformats.org/drawingml/2006/main" xmlns:r="http://schemas.openxmlformats.org/officeDocument/2006/relationships" xmlns:p="http://schemas.openxmlformats.org/presentationml/2006/main" matchingName="Title only" type="titleOnly">
   <p:cSld name="TITLE_ONLY">
     <p:spTree>
       <p:nvGrpSpPr>
-        <p:cNvPr id="40" name="Shape 40"/>
+        <p:cNvPr id="1" name="Shape 40"/>
         <p:cNvGrpSpPr/>
         <p:nvPr/>
       </p:nvGrpSpPr>
@@ -5338,12 +5454,12 @@
           </a:ln>
         </p:spPr>
         <p:txBody>
-          <a:bodyPr anchorCtr="0" anchor="ctr" bIns="91425" lIns="91425" spcFirstLastPara="1" rIns="91425" wrap="square" tIns="91425">
+          <a:bodyPr spcFirstLastPara="1" wrap="square" lIns="91425" tIns="91425" rIns="91425" bIns="91425" anchor="ctr" anchorCtr="0">
             <a:noAutofit/>
           </a:bodyPr>
           <a:lstStyle/>
           <a:p>
-            <a:pPr indent="0" lvl="0" marL="0" rtl="0" algn="l">
+            <a:pPr marL="0" lvl="0" indent="0" algn="l" rtl="0">
               <a:spcBef>
                 <a:spcPts val="0"/>
               </a:spcBef>
@@ -5352,9 +5468,6 @@
               </a:spcAft>
               <a:buNone/>
             </a:pPr>
-            <a:r>
-              <a:t/>
-            </a:r>
             <a:endParaRPr/>
           </a:p>
         </p:txBody>
@@ -5395,12 +5508,12 @@
             </a:ln>
           </p:spPr>
           <p:txBody>
-            <a:bodyPr anchorCtr="0" anchor="ctr" bIns="91425" lIns="91425" spcFirstLastPara="1" rIns="91425" wrap="square" tIns="91425">
+            <a:bodyPr spcFirstLastPara="1" wrap="square" lIns="91425" tIns="91425" rIns="91425" bIns="91425" anchor="ctr" anchorCtr="0">
               <a:noAutofit/>
             </a:bodyPr>
             <a:lstStyle/>
             <a:p>
-              <a:pPr indent="0" lvl="0" marL="0" rtl="0" algn="l">
+              <a:pPr marL="0" lvl="0" indent="0" algn="l" rtl="0">
                 <a:spcBef>
                   <a:spcPts val="0"/>
                 </a:spcBef>
@@ -5409,9 +5522,6 @@
                 </a:spcAft>
                 <a:buNone/>
               </a:pPr>
-              <a:r>
-                <a:t/>
-              </a:r>
               <a:endParaRPr/>
             </a:p>
           </p:txBody>
@@ -5438,12 +5548,12 @@
             </a:ln>
           </p:spPr>
           <p:txBody>
-            <a:bodyPr anchorCtr="0" anchor="ctr" bIns="91425" lIns="91425" spcFirstLastPara="1" rIns="91425" wrap="square" tIns="91425">
+            <a:bodyPr spcFirstLastPara="1" wrap="square" lIns="91425" tIns="91425" rIns="91425" bIns="91425" anchor="ctr" anchorCtr="0">
               <a:noAutofit/>
             </a:bodyPr>
             <a:lstStyle/>
             <a:p>
-              <a:pPr indent="0" lvl="0" marL="0" rtl="0" algn="l">
+              <a:pPr marL="0" lvl="0" indent="0" algn="l" rtl="0">
                 <a:spcBef>
                   <a:spcPts val="0"/>
                 </a:spcBef>
@@ -5452,9 +5562,6 @@
                 </a:spcAft>
                 <a:buNone/>
               </a:pPr>
-              <a:r>
-                <a:t/>
-              </a:r>
               <a:endParaRPr/>
             </a:p>
           </p:txBody>
@@ -5463,7 +5570,9 @@
       <p:sp>
         <p:nvSpPr>
           <p:cNvPr id="45" name="Google Shape;45;p6"/>
-          <p:cNvSpPr txBox="1"/>
+          <p:cNvSpPr txBox="1">
+            <a:spLocks noGrp="1"/>
+          </p:cNvSpPr>
           <p:nvPr>
             <p:ph type="title"/>
           </p:nvPr>
@@ -5478,7 +5587,7 @@
           </a:prstGeom>
         </p:spPr>
         <p:txBody>
-          <a:bodyPr anchorCtr="0" anchor="t" bIns="91425" lIns="91425" spcFirstLastPara="1" rIns="91425" wrap="square" tIns="91425">
+          <a:bodyPr spcFirstLastPara="1" wrap="square" lIns="91425" tIns="91425" rIns="91425" bIns="91425" anchor="t" anchorCtr="0">
             <a:noAutofit/>
           </a:bodyPr>
           <a:lstStyle>
@@ -5645,15 +5754,19 @@
               </a:defRPr>
             </a:lvl9pPr>
           </a:lstStyle>
-          <a:p/>
+          <a:p>
+            <a:endParaRPr/>
+          </a:p>
         </p:txBody>
       </p:sp>
       <p:sp>
         <p:nvSpPr>
           <p:cNvPr id="46" name="Google Shape;46;p6"/>
-          <p:cNvSpPr txBox="1"/>
+          <p:cNvSpPr txBox="1">
+            <a:spLocks noGrp="1"/>
+          </p:cNvSpPr>
           <p:nvPr>
-            <p:ph idx="12" type="sldNum"/>
+            <p:ph type="sldNum" idx="12"/>
           </p:nvPr>
         </p:nvSpPr>
         <p:spPr>
@@ -5666,7 +5779,7 @@
           </a:prstGeom>
         </p:spPr>
         <p:txBody>
-          <a:bodyPr anchorCtr="0" anchor="ctr" bIns="91425" lIns="91425" spcFirstLastPara="1" rIns="91425" wrap="square" tIns="91425">
+          <a:bodyPr spcFirstLastPara="1" wrap="square" lIns="91425" tIns="91425" rIns="91425" bIns="91425" anchor="ctr" anchorCtr="0">
             <a:noAutofit/>
           </a:bodyPr>
           <a:lstStyle>
@@ -5708,7 +5821,7 @@
             </a:lvl9pPr>
           </a:lstStyle>
           <a:p>
-            <a:pPr indent="0" lvl="0" marL="0" rtl="0" algn="r">
+            <a:pPr marL="0" lvl="0" indent="0" algn="r" rtl="0">
               <a:spcBef>
                 <a:spcPts val="0"/>
               </a:spcBef>
@@ -5734,11 +5847,11 @@
 </file>
 
 <file path=ppt/slideLayouts/slideLayout6.xml><?xml version="1.0" encoding="utf-8"?>
-<p:sldLayout xmlns:a="http://schemas.openxmlformats.org/drawingml/2006/main" xmlns:r="http://schemas.openxmlformats.org/officeDocument/2006/relationships" xmlns:mc="http://schemas.openxmlformats.org/markup-compatibility/2006" xmlns:mv="urn:schemas-microsoft-com:mac:vml" xmlns:p="http://schemas.openxmlformats.org/presentationml/2006/main" xmlns:c="http://schemas.openxmlformats.org/drawingml/2006/chart" xmlns:dgm="http://schemas.openxmlformats.org/drawingml/2006/diagram" xmlns:o="urn:schemas-microsoft-com:office:office" xmlns:v="urn:schemas-microsoft-com:vml" xmlns:pvml="urn:schemas-microsoft-com:office:powerpoint" xmlns:com="http://schemas.openxmlformats.org/drawingml/2006/compatibility" xmlns:p14="http://schemas.microsoft.com/office/powerpoint/2010/main" xmlns:p15="http://schemas.microsoft.com/office/powerpoint/2012/main" matchingName="One column text">
+<p:sldLayout xmlns:a="http://schemas.openxmlformats.org/drawingml/2006/main" xmlns:r="http://schemas.openxmlformats.org/officeDocument/2006/relationships" xmlns:p="http://schemas.openxmlformats.org/presentationml/2006/main" matchingName="One column text">
   <p:cSld name="ONE_COLUMN_TEXT">
     <p:spTree>
       <p:nvGrpSpPr>
-        <p:cNvPr id="47" name="Shape 47"/>
+        <p:cNvPr id="1" name="Shape 47"/>
         <p:cNvGrpSpPr/>
         <p:nvPr/>
       </p:nvGrpSpPr>
@@ -5772,12 +5885,12 @@
           </a:ln>
         </p:spPr>
         <p:txBody>
-          <a:bodyPr anchorCtr="0" anchor="ctr" bIns="91425" lIns="91425" spcFirstLastPara="1" rIns="91425" wrap="square" tIns="91425">
+          <a:bodyPr spcFirstLastPara="1" wrap="square" lIns="91425" tIns="91425" rIns="91425" bIns="91425" anchor="ctr" anchorCtr="0">
             <a:noAutofit/>
           </a:bodyPr>
           <a:lstStyle/>
           <a:p>
-            <a:pPr indent="0" lvl="0" marL="0" rtl="0" algn="l">
+            <a:pPr marL="0" lvl="0" indent="0" algn="l" rtl="0">
               <a:spcBef>
                 <a:spcPts val="0"/>
               </a:spcBef>
@@ -5786,9 +5899,6 @@
               </a:spcAft>
               <a:buNone/>
             </a:pPr>
-            <a:r>
-              <a:t/>
-            </a:r>
             <a:endParaRPr/>
           </a:p>
         </p:txBody>
@@ -5829,12 +5939,12 @@
             </a:ln>
           </p:spPr>
           <p:txBody>
-            <a:bodyPr anchorCtr="0" anchor="ctr" bIns="91425" lIns="91425" spcFirstLastPara="1" rIns="91425" wrap="square" tIns="91425">
+            <a:bodyPr spcFirstLastPara="1" wrap="square" lIns="91425" tIns="91425" rIns="91425" bIns="91425" anchor="ctr" anchorCtr="0">
               <a:noAutofit/>
             </a:bodyPr>
             <a:lstStyle/>
             <a:p>
-              <a:pPr indent="0" lvl="0" marL="0" rtl="0" algn="l">
+              <a:pPr marL="0" lvl="0" indent="0" algn="l" rtl="0">
                 <a:spcBef>
                   <a:spcPts val="0"/>
                 </a:spcBef>
@@ -5843,9 +5953,6 @@
                 </a:spcAft>
                 <a:buNone/>
               </a:pPr>
-              <a:r>
-                <a:t/>
-              </a:r>
               <a:endParaRPr/>
             </a:p>
           </p:txBody>
@@ -5872,12 +5979,12 @@
             </a:ln>
           </p:spPr>
           <p:txBody>
-            <a:bodyPr anchorCtr="0" anchor="ctr" bIns="91425" lIns="91425" spcFirstLastPara="1" rIns="91425" wrap="square" tIns="91425">
+            <a:bodyPr spcFirstLastPara="1" wrap="square" lIns="91425" tIns="91425" rIns="91425" bIns="91425" anchor="ctr" anchorCtr="0">
               <a:noAutofit/>
             </a:bodyPr>
             <a:lstStyle/>
             <a:p>
-              <a:pPr indent="0" lvl="0" marL="0" rtl="0" algn="l">
+              <a:pPr marL="0" lvl="0" indent="0" algn="l" rtl="0">
                 <a:spcBef>
                   <a:spcPts val="0"/>
                 </a:spcBef>
@@ -5886,9 +5993,6 @@
                 </a:spcAft>
                 <a:buNone/>
               </a:pPr>
-              <a:r>
-                <a:t/>
-              </a:r>
               <a:endParaRPr/>
             </a:p>
           </p:txBody>
@@ -5897,7 +6001,9 @@
       <p:sp>
         <p:nvSpPr>
           <p:cNvPr id="52" name="Google Shape;52;p7"/>
-          <p:cNvSpPr txBox="1"/>
+          <p:cNvSpPr txBox="1">
+            <a:spLocks noGrp="1"/>
+          </p:cNvSpPr>
           <p:nvPr>
             <p:ph type="title"/>
           </p:nvPr>
@@ -5912,7 +6018,7 @@
           </a:prstGeom>
         </p:spPr>
         <p:txBody>
-          <a:bodyPr anchorCtr="0" anchor="t" bIns="91425" lIns="91425" spcFirstLastPara="1" rIns="91425" wrap="square" tIns="91425">
+          <a:bodyPr spcFirstLastPara="1" wrap="square" lIns="91425" tIns="91425" rIns="91425" bIns="91425" anchor="t" anchorCtr="0">
             <a:noAutofit/>
           </a:bodyPr>
           <a:lstStyle>
@@ -6079,15 +6185,19 @@
               </a:defRPr>
             </a:lvl9pPr>
           </a:lstStyle>
-          <a:p/>
+          <a:p>
+            <a:endParaRPr/>
+          </a:p>
         </p:txBody>
       </p:sp>
       <p:sp>
         <p:nvSpPr>
           <p:cNvPr id="53" name="Google Shape;53;p7"/>
-          <p:cNvSpPr txBox="1"/>
+          <p:cNvSpPr txBox="1">
+            <a:spLocks noGrp="1"/>
+          </p:cNvSpPr>
           <p:nvPr>
-            <p:ph idx="1" type="body"/>
+            <p:ph type="body" idx="1"/>
           </p:nvPr>
         </p:nvSpPr>
         <p:spPr>
@@ -6100,11 +6210,11 @@
           </a:prstGeom>
         </p:spPr>
         <p:txBody>
-          <a:bodyPr anchorCtr="0" anchor="t" bIns="91425" lIns="91425" spcFirstLastPara="1" rIns="91425" wrap="square" tIns="91425">
+          <a:bodyPr spcFirstLastPara="1" wrap="square" lIns="91425" tIns="91425" rIns="91425" bIns="91425" anchor="t" anchorCtr="0">
             <a:noAutofit/>
           </a:bodyPr>
           <a:lstStyle>
-            <a:lvl1pPr indent="-311150" lvl="0" marL="457200">
+            <a:lvl1pPr marL="457200" lvl="0" indent="-311150">
               <a:spcBef>
                 <a:spcPts val="0"/>
               </a:spcBef>
@@ -6115,7 +6225,7 @@
               <a:buChar char="●"/>
               <a:defRPr/>
             </a:lvl1pPr>
-            <a:lvl2pPr indent="-298450" lvl="1" marL="914400">
+            <a:lvl2pPr marL="914400" lvl="1" indent="-298450">
               <a:spcBef>
                 <a:spcPts val="1600"/>
               </a:spcBef>
@@ -6126,7 +6236,7 @@
               <a:buChar char="○"/>
               <a:defRPr/>
             </a:lvl2pPr>
-            <a:lvl3pPr indent="-298450" lvl="2" marL="1371600">
+            <a:lvl3pPr marL="1371600" lvl="2" indent="-298450">
               <a:spcBef>
                 <a:spcPts val="1600"/>
               </a:spcBef>
@@ -6137,7 +6247,7 @@
               <a:buChar char="■"/>
               <a:defRPr/>
             </a:lvl3pPr>
-            <a:lvl4pPr indent="-298450" lvl="3" marL="1828800">
+            <a:lvl4pPr marL="1828800" lvl="3" indent="-298450">
               <a:spcBef>
                 <a:spcPts val="1600"/>
               </a:spcBef>
@@ -6148,7 +6258,7 @@
               <a:buChar char="●"/>
               <a:defRPr/>
             </a:lvl4pPr>
-            <a:lvl5pPr indent="-298450" lvl="4" marL="2286000">
+            <a:lvl5pPr marL="2286000" lvl="4" indent="-298450">
               <a:spcBef>
                 <a:spcPts val="1600"/>
               </a:spcBef>
@@ -6159,7 +6269,7 @@
               <a:buChar char="○"/>
               <a:defRPr/>
             </a:lvl5pPr>
-            <a:lvl6pPr indent="-298450" lvl="5" marL="2743200">
+            <a:lvl6pPr marL="2743200" lvl="5" indent="-298450">
               <a:spcBef>
                 <a:spcPts val="1600"/>
               </a:spcBef>
@@ -6170,7 +6280,7 @@
               <a:buChar char="■"/>
               <a:defRPr/>
             </a:lvl6pPr>
-            <a:lvl7pPr indent="-298450" lvl="6" marL="3200400">
+            <a:lvl7pPr marL="3200400" lvl="6" indent="-298450">
               <a:spcBef>
                 <a:spcPts val="1600"/>
               </a:spcBef>
@@ -6181,7 +6291,7 @@
               <a:buChar char="●"/>
               <a:defRPr/>
             </a:lvl7pPr>
-            <a:lvl8pPr indent="-298450" lvl="7" marL="3657600">
+            <a:lvl8pPr marL="3657600" lvl="7" indent="-298450">
               <a:spcBef>
                 <a:spcPts val="1600"/>
               </a:spcBef>
@@ -6192,7 +6302,7 @@
               <a:buChar char="○"/>
               <a:defRPr/>
             </a:lvl8pPr>
-            <a:lvl9pPr indent="-298450" lvl="8" marL="4114800">
+            <a:lvl9pPr marL="4114800" lvl="8" indent="-298450">
               <a:spcBef>
                 <a:spcPts val="1600"/>
               </a:spcBef>
@@ -6204,15 +6314,19 @@
               <a:defRPr/>
             </a:lvl9pPr>
           </a:lstStyle>
-          <a:p/>
+          <a:p>
+            <a:endParaRPr/>
+          </a:p>
         </p:txBody>
       </p:sp>
       <p:sp>
         <p:nvSpPr>
           <p:cNvPr id="54" name="Google Shape;54;p7"/>
-          <p:cNvSpPr txBox="1"/>
+          <p:cNvSpPr txBox="1">
+            <a:spLocks noGrp="1"/>
+          </p:cNvSpPr>
           <p:nvPr>
-            <p:ph idx="12" type="sldNum"/>
+            <p:ph type="sldNum" idx="12"/>
           </p:nvPr>
         </p:nvSpPr>
         <p:spPr>
@@ -6225,7 +6339,7 @@
           </a:prstGeom>
         </p:spPr>
         <p:txBody>
-          <a:bodyPr anchorCtr="0" anchor="ctr" bIns="91425" lIns="91425" spcFirstLastPara="1" rIns="91425" wrap="square" tIns="91425">
+          <a:bodyPr spcFirstLastPara="1" wrap="square" lIns="91425" tIns="91425" rIns="91425" bIns="91425" anchor="ctr" anchorCtr="0">
             <a:noAutofit/>
           </a:bodyPr>
           <a:lstStyle>
@@ -6267,7 +6381,7 @@
             </a:lvl9pPr>
           </a:lstStyle>
           <a:p>
-            <a:pPr indent="0" lvl="0" marL="0" rtl="0" algn="r">
+            <a:pPr marL="0" lvl="0" indent="0" algn="r" rtl="0">
               <a:spcBef>
                 <a:spcPts val="0"/>
               </a:spcBef>
@@ -6293,18 +6407,19 @@
 </file>
 
 <file path=ppt/slideLayouts/slideLayout7.xml><?xml version="1.0" encoding="utf-8"?>
-<p:sldLayout xmlns:a="http://schemas.openxmlformats.org/drawingml/2006/main" xmlns:r="http://schemas.openxmlformats.org/officeDocument/2006/relationships" xmlns:mc="http://schemas.openxmlformats.org/markup-compatibility/2006" xmlns:mv="urn:schemas-microsoft-com:mac:vml" xmlns:p="http://schemas.openxmlformats.org/presentationml/2006/main" xmlns:c="http://schemas.openxmlformats.org/drawingml/2006/chart" xmlns:dgm="http://schemas.openxmlformats.org/drawingml/2006/diagram" xmlns:o="urn:schemas-microsoft-com:office:office" xmlns:v="urn:schemas-microsoft-com:vml" xmlns:pvml="urn:schemas-microsoft-com:office:powerpoint" xmlns:com="http://schemas.openxmlformats.org/drawingml/2006/compatibility" xmlns:p14="http://schemas.microsoft.com/office/powerpoint/2010/main" xmlns:p15="http://schemas.microsoft.com/office/powerpoint/2012/main" matchingName="Main point">
+<p:sldLayout xmlns:a="http://schemas.openxmlformats.org/drawingml/2006/main" xmlns:r="http://schemas.openxmlformats.org/officeDocument/2006/relationships" xmlns:p="http://schemas.openxmlformats.org/presentationml/2006/main" matchingName="Main point">
   <p:cSld name="MAIN_POINT">
     <p:bg>
       <p:bgPr>
         <a:solidFill>
           <a:schemeClr val="accent3"/>
         </a:solidFill>
+        <a:effectLst/>
       </p:bgPr>
     </p:bg>
     <p:spTree>
       <p:nvGrpSpPr>
-        <p:cNvPr id="55" name="Shape 55"/>
+        <p:cNvPr id="1" name="Shape 55"/>
         <p:cNvGrpSpPr/>
         <p:nvPr/>
       </p:nvGrpSpPr>
@@ -6352,12 +6467,12 @@
             </a:ln>
           </p:spPr>
           <p:txBody>
-            <a:bodyPr anchorCtr="0" anchor="ctr" bIns="91425" lIns="91425" spcFirstLastPara="1" rIns="91425" wrap="square" tIns="91425">
+            <a:bodyPr spcFirstLastPara="1" wrap="square" lIns="91425" tIns="91425" rIns="91425" bIns="91425" anchor="ctr" anchorCtr="0">
               <a:noAutofit/>
             </a:bodyPr>
             <a:lstStyle/>
             <a:p>
-              <a:pPr indent="0" lvl="0" marL="0" rtl="0" algn="l">
+              <a:pPr marL="0" lvl="0" indent="0" algn="l" rtl="0">
                 <a:spcBef>
                   <a:spcPts val="0"/>
                 </a:spcBef>
@@ -6366,9 +6481,6 @@
                 </a:spcAft>
                 <a:buNone/>
               </a:pPr>
-              <a:r>
-                <a:t/>
-              </a:r>
               <a:endParaRPr/>
             </a:p>
           </p:txBody>
@@ -6395,12 +6507,12 @@
             </a:ln>
           </p:spPr>
           <p:txBody>
-            <a:bodyPr anchorCtr="0" anchor="ctr" bIns="91425" lIns="91425" spcFirstLastPara="1" rIns="91425" wrap="square" tIns="91425">
+            <a:bodyPr spcFirstLastPara="1" wrap="square" lIns="91425" tIns="91425" rIns="91425" bIns="91425" anchor="ctr" anchorCtr="0">
               <a:noAutofit/>
             </a:bodyPr>
             <a:lstStyle/>
             <a:p>
-              <a:pPr indent="0" lvl="0" marL="0" rtl="0" algn="l">
+              <a:pPr marL="0" lvl="0" indent="0" algn="l" rtl="0">
                 <a:spcBef>
                   <a:spcPts val="0"/>
                 </a:spcBef>
@@ -6409,9 +6521,6 @@
                 </a:spcAft>
                 <a:buNone/>
               </a:pPr>
-              <a:r>
-                <a:t/>
-              </a:r>
               <a:endParaRPr/>
             </a:p>
           </p:txBody>
@@ -6420,7 +6529,9 @@
       <p:sp>
         <p:nvSpPr>
           <p:cNvPr id="59" name="Google Shape;59;p8"/>
-          <p:cNvSpPr txBox="1"/>
+          <p:cNvSpPr txBox="1">
+            <a:spLocks noGrp="1"/>
+          </p:cNvSpPr>
           <p:nvPr>
             <p:ph type="title"/>
           </p:nvPr>
@@ -6435,7 +6546,7 @@
           </a:prstGeom>
         </p:spPr>
         <p:txBody>
-          <a:bodyPr anchorCtr="0" anchor="ctr" bIns="91425" lIns="91425" spcFirstLastPara="1" rIns="91425" wrap="square" tIns="91425">
+          <a:bodyPr spcFirstLastPara="1" wrap="square" lIns="91425" tIns="91425" rIns="91425" bIns="91425" anchor="ctr" anchorCtr="0">
             <a:noAutofit/>
           </a:bodyPr>
           <a:lstStyle>
@@ -6602,15 +6713,19 @@
               </a:defRPr>
             </a:lvl9pPr>
           </a:lstStyle>
-          <a:p/>
+          <a:p>
+            <a:endParaRPr/>
+          </a:p>
         </p:txBody>
       </p:sp>
       <p:sp>
         <p:nvSpPr>
           <p:cNvPr id="60" name="Google Shape;60;p8"/>
-          <p:cNvSpPr txBox="1"/>
+          <p:cNvSpPr txBox="1">
+            <a:spLocks noGrp="1"/>
+          </p:cNvSpPr>
           <p:nvPr>
-            <p:ph idx="12" type="sldNum"/>
+            <p:ph type="sldNum" idx="12"/>
           </p:nvPr>
         </p:nvSpPr>
         <p:spPr>
@@ -6623,7 +6738,7 @@
           </a:prstGeom>
         </p:spPr>
         <p:txBody>
-          <a:bodyPr anchorCtr="0" anchor="ctr" bIns="91425" lIns="91425" spcFirstLastPara="1" rIns="91425" wrap="square" tIns="91425">
+          <a:bodyPr spcFirstLastPara="1" wrap="square" lIns="91425" tIns="91425" rIns="91425" bIns="91425" anchor="ctr" anchorCtr="0">
             <a:noAutofit/>
           </a:bodyPr>
           <a:lstStyle>
@@ -6701,7 +6816,7 @@
             </a:lvl9pPr>
           </a:lstStyle>
           <a:p>
-            <a:pPr indent="0" lvl="0" marL="0" rtl="0" algn="r">
+            <a:pPr marL="0" lvl="0" indent="0" algn="r" rtl="0">
               <a:spcBef>
                 <a:spcPts val="0"/>
               </a:spcBef>
@@ -6727,11 +6842,11 @@
 </file>
 
 <file path=ppt/slideLayouts/slideLayout8.xml><?xml version="1.0" encoding="utf-8"?>
-<p:sldLayout xmlns:a="http://schemas.openxmlformats.org/drawingml/2006/main" xmlns:r="http://schemas.openxmlformats.org/officeDocument/2006/relationships" xmlns:mc="http://schemas.openxmlformats.org/markup-compatibility/2006" xmlns:mv="urn:schemas-microsoft-com:mac:vml" xmlns:p="http://schemas.openxmlformats.org/presentationml/2006/main" xmlns:c="http://schemas.openxmlformats.org/drawingml/2006/chart" xmlns:dgm="http://schemas.openxmlformats.org/drawingml/2006/diagram" xmlns:o="urn:schemas-microsoft-com:office:office" xmlns:v="urn:schemas-microsoft-com:vml" xmlns:pvml="urn:schemas-microsoft-com:office:powerpoint" xmlns:com="http://schemas.openxmlformats.org/drawingml/2006/compatibility" xmlns:p14="http://schemas.microsoft.com/office/powerpoint/2010/main" xmlns:p15="http://schemas.microsoft.com/office/powerpoint/2012/main" matchingName="Section title and description">
+<p:sldLayout xmlns:a="http://schemas.openxmlformats.org/drawingml/2006/main" xmlns:r="http://schemas.openxmlformats.org/officeDocument/2006/relationships" xmlns:p="http://schemas.openxmlformats.org/presentationml/2006/main" matchingName="Section title and description">
   <p:cSld name="SECTION_TITLE_AND_DESCRIPTION">
     <p:spTree>
       <p:nvGrpSpPr>
-        <p:cNvPr id="61" name="Shape 61"/>
+        <p:cNvPr id="1" name="Shape 61"/>
         <p:cNvGrpSpPr/>
         <p:nvPr/>
       </p:nvGrpSpPr>
@@ -6765,12 +6880,12 @@
           </a:ln>
         </p:spPr>
         <p:txBody>
-          <a:bodyPr anchorCtr="0" anchor="ctr" bIns="91425" lIns="91425" spcFirstLastPara="1" rIns="91425" wrap="square" tIns="91425">
+          <a:bodyPr spcFirstLastPara="1" wrap="square" lIns="91425" tIns="91425" rIns="91425" bIns="91425" anchor="ctr" anchorCtr="0">
             <a:noAutofit/>
           </a:bodyPr>
           <a:lstStyle/>
           <a:p>
-            <a:pPr indent="0" lvl="0" marL="0" rtl="0" algn="l">
+            <a:pPr marL="0" lvl="0" indent="0" algn="l" rtl="0">
               <a:spcBef>
                 <a:spcPts val="0"/>
               </a:spcBef>
@@ -6779,9 +6894,6 @@
               </a:spcAft>
               <a:buNone/>
             </a:pPr>
-            <a:r>
-              <a:t/>
-            </a:r>
             <a:endParaRPr/>
           </a:p>
         </p:txBody>
@@ -6822,12 +6934,12 @@
             </a:ln>
           </p:spPr>
           <p:txBody>
-            <a:bodyPr anchorCtr="0" anchor="ctr" bIns="91425" lIns="91425" spcFirstLastPara="1" rIns="91425" wrap="square" tIns="91425">
+            <a:bodyPr spcFirstLastPara="1" wrap="square" lIns="91425" tIns="91425" rIns="91425" bIns="91425" anchor="ctr" anchorCtr="0">
               <a:noAutofit/>
             </a:bodyPr>
             <a:lstStyle/>
             <a:p>
-              <a:pPr indent="0" lvl="0" marL="0" rtl="0" algn="l">
+              <a:pPr marL="0" lvl="0" indent="0" algn="l" rtl="0">
                 <a:spcBef>
                   <a:spcPts val="0"/>
                 </a:spcBef>
@@ -6836,9 +6948,6 @@
                 </a:spcAft>
                 <a:buNone/>
               </a:pPr>
-              <a:r>
-                <a:t/>
-              </a:r>
               <a:endParaRPr/>
             </a:p>
           </p:txBody>
@@ -6865,12 +6974,12 @@
             </a:ln>
           </p:spPr>
           <p:txBody>
-            <a:bodyPr anchorCtr="0" anchor="ctr" bIns="91425" lIns="91425" spcFirstLastPara="1" rIns="91425" wrap="square" tIns="91425">
+            <a:bodyPr spcFirstLastPara="1" wrap="square" lIns="91425" tIns="91425" rIns="91425" bIns="91425" anchor="ctr" anchorCtr="0">
               <a:noAutofit/>
             </a:bodyPr>
             <a:lstStyle/>
             <a:p>
-              <a:pPr indent="0" lvl="0" marL="0" rtl="0" algn="l">
+              <a:pPr marL="0" lvl="0" indent="0" algn="l" rtl="0">
                 <a:spcBef>
                   <a:spcPts val="0"/>
                 </a:spcBef>
@@ -6879,9 +6988,6 @@
                 </a:spcAft>
                 <a:buNone/>
               </a:pPr>
-              <a:r>
-                <a:t/>
-              </a:r>
               <a:endParaRPr/>
             </a:p>
           </p:txBody>
@@ -6890,7 +6996,9 @@
       <p:sp>
         <p:nvSpPr>
           <p:cNvPr id="66" name="Google Shape;66;p9"/>
-          <p:cNvSpPr txBox="1"/>
+          <p:cNvSpPr txBox="1">
+            <a:spLocks noGrp="1"/>
+          </p:cNvSpPr>
           <p:nvPr>
             <p:ph type="title"/>
           </p:nvPr>
@@ -6905,7 +7013,7 @@
           </a:prstGeom>
         </p:spPr>
         <p:txBody>
-          <a:bodyPr anchorCtr="0" anchor="t" bIns="91425" lIns="91425" spcFirstLastPara="1" rIns="91425" wrap="square" tIns="91425">
+          <a:bodyPr spcFirstLastPara="1" wrap="square" lIns="91425" tIns="91425" rIns="91425" bIns="91425" anchor="t" anchorCtr="0">
             <a:noAutofit/>
           </a:bodyPr>
           <a:lstStyle>
@@ -7072,15 +7180,19 @@
               </a:defRPr>
             </a:lvl9pPr>
           </a:lstStyle>
-          <a:p/>
+          <a:p>
+            <a:endParaRPr/>
+          </a:p>
         </p:txBody>
       </p:sp>
       <p:sp>
         <p:nvSpPr>
           <p:cNvPr id="67" name="Google Shape;67;p9"/>
-          <p:cNvSpPr txBox="1"/>
+          <p:cNvSpPr txBox="1">
+            <a:spLocks noGrp="1"/>
+          </p:cNvSpPr>
           <p:nvPr>
-            <p:ph idx="1" type="subTitle"/>
+            <p:ph type="subTitle" idx="1"/>
           </p:nvPr>
         </p:nvSpPr>
         <p:spPr>
@@ -7093,7 +7205,7 @@
           </a:prstGeom>
         </p:spPr>
         <p:txBody>
-          <a:bodyPr anchorCtr="0" anchor="t" bIns="91425" lIns="91425" spcFirstLastPara="1" rIns="91425" wrap="square" tIns="91425">
+          <a:bodyPr spcFirstLastPara="1" wrap="square" lIns="91425" tIns="91425" rIns="91425" bIns="91425" anchor="t" anchorCtr="0">
             <a:noAutofit/>
           </a:bodyPr>
           <a:lstStyle>
@@ -7224,15 +7336,19 @@
               <a:defRPr sz="1600"/>
             </a:lvl9pPr>
           </a:lstStyle>
-          <a:p/>
+          <a:p>
+            <a:endParaRPr/>
+          </a:p>
         </p:txBody>
       </p:sp>
       <p:sp>
         <p:nvSpPr>
           <p:cNvPr id="68" name="Google Shape;68;p9"/>
-          <p:cNvSpPr txBox="1"/>
+          <p:cNvSpPr txBox="1">
+            <a:spLocks noGrp="1"/>
+          </p:cNvSpPr>
           <p:nvPr>
-            <p:ph idx="2" type="body"/>
+            <p:ph type="body" idx="2"/>
           </p:nvPr>
         </p:nvSpPr>
         <p:spPr>
@@ -7245,11 +7361,11 @@
           </a:prstGeom>
         </p:spPr>
         <p:txBody>
-          <a:bodyPr anchorCtr="0" anchor="t" bIns="91425" lIns="91425" spcFirstLastPara="1" rIns="91425" wrap="square" tIns="91425">
+          <a:bodyPr spcFirstLastPara="1" wrap="square" lIns="91425" tIns="91425" rIns="91425" bIns="91425" anchor="t" anchorCtr="0">
             <a:noAutofit/>
           </a:bodyPr>
           <a:lstStyle>
-            <a:lvl1pPr indent="-311150" lvl="0" marL="457200">
+            <a:lvl1pPr marL="457200" lvl="0" indent="-311150">
               <a:spcBef>
                 <a:spcPts val="0"/>
               </a:spcBef>
@@ -7260,7 +7376,7 @@
               <a:buChar char="●"/>
               <a:defRPr/>
             </a:lvl1pPr>
-            <a:lvl2pPr indent="-298450" lvl="1" marL="914400">
+            <a:lvl2pPr marL="914400" lvl="1" indent="-298450">
               <a:spcBef>
                 <a:spcPts val="1600"/>
               </a:spcBef>
@@ -7271,7 +7387,7 @@
               <a:buChar char="○"/>
               <a:defRPr/>
             </a:lvl2pPr>
-            <a:lvl3pPr indent="-298450" lvl="2" marL="1371600">
+            <a:lvl3pPr marL="1371600" lvl="2" indent="-298450">
               <a:spcBef>
                 <a:spcPts val="1600"/>
               </a:spcBef>
@@ -7282,7 +7398,7 @@
               <a:buChar char="■"/>
               <a:defRPr/>
             </a:lvl3pPr>
-            <a:lvl4pPr indent="-298450" lvl="3" marL="1828800">
+            <a:lvl4pPr marL="1828800" lvl="3" indent="-298450">
               <a:spcBef>
                 <a:spcPts val="1600"/>
               </a:spcBef>
@@ -7293,7 +7409,7 @@
               <a:buChar char="●"/>
               <a:defRPr/>
             </a:lvl4pPr>
-            <a:lvl5pPr indent="-298450" lvl="4" marL="2286000">
+            <a:lvl5pPr marL="2286000" lvl="4" indent="-298450">
               <a:spcBef>
                 <a:spcPts val="1600"/>
               </a:spcBef>
@@ -7304,7 +7420,7 @@
               <a:buChar char="○"/>
               <a:defRPr/>
             </a:lvl5pPr>
-            <a:lvl6pPr indent="-298450" lvl="5" marL="2743200">
+            <a:lvl6pPr marL="2743200" lvl="5" indent="-298450">
               <a:spcBef>
                 <a:spcPts val="1600"/>
               </a:spcBef>
@@ -7315,7 +7431,7 @@
               <a:buChar char="■"/>
               <a:defRPr/>
             </a:lvl6pPr>
-            <a:lvl7pPr indent="-298450" lvl="6" marL="3200400">
+            <a:lvl7pPr marL="3200400" lvl="6" indent="-298450">
               <a:spcBef>
                 <a:spcPts val="1600"/>
               </a:spcBef>
@@ -7326,7 +7442,7 @@
               <a:buChar char="●"/>
               <a:defRPr/>
             </a:lvl7pPr>
-            <a:lvl8pPr indent="-298450" lvl="7" marL="3657600">
+            <a:lvl8pPr marL="3657600" lvl="7" indent="-298450">
               <a:spcBef>
                 <a:spcPts val="1600"/>
               </a:spcBef>
@@ -7337,7 +7453,7 @@
               <a:buChar char="○"/>
               <a:defRPr/>
             </a:lvl8pPr>
-            <a:lvl9pPr indent="-298450" lvl="8" marL="4114800">
+            <a:lvl9pPr marL="4114800" lvl="8" indent="-298450">
               <a:spcBef>
                 <a:spcPts val="1600"/>
               </a:spcBef>
@@ -7349,15 +7465,19 @@
               <a:defRPr/>
             </a:lvl9pPr>
           </a:lstStyle>
-          <a:p/>
+          <a:p>
+            <a:endParaRPr/>
+          </a:p>
         </p:txBody>
       </p:sp>
       <p:sp>
         <p:nvSpPr>
           <p:cNvPr id="69" name="Google Shape;69;p9"/>
-          <p:cNvSpPr txBox="1"/>
+          <p:cNvSpPr txBox="1">
+            <a:spLocks noGrp="1"/>
+          </p:cNvSpPr>
           <p:nvPr>
-            <p:ph idx="12" type="sldNum"/>
+            <p:ph type="sldNum" idx="12"/>
           </p:nvPr>
         </p:nvSpPr>
         <p:spPr>
@@ -7370,7 +7490,7 @@
           </a:prstGeom>
         </p:spPr>
         <p:txBody>
-          <a:bodyPr anchorCtr="0" anchor="ctr" bIns="91425" lIns="91425" spcFirstLastPara="1" rIns="91425" wrap="square" tIns="91425">
+          <a:bodyPr spcFirstLastPara="1" wrap="square" lIns="91425" tIns="91425" rIns="91425" bIns="91425" anchor="ctr" anchorCtr="0">
             <a:noAutofit/>
           </a:bodyPr>
           <a:lstStyle>
@@ -7412,7 +7532,7 @@
             </a:lvl9pPr>
           </a:lstStyle>
           <a:p>
-            <a:pPr indent="0" lvl="0" marL="0" rtl="0" algn="r">
+            <a:pPr marL="0" lvl="0" indent="0" algn="r" rtl="0">
               <a:spcBef>
                 <a:spcPts val="0"/>
               </a:spcBef>
@@ -7438,11 +7558,11 @@
 </file>
 
 <file path=ppt/slideLayouts/slideLayout9.xml><?xml version="1.0" encoding="utf-8"?>
-<p:sldLayout xmlns:a="http://schemas.openxmlformats.org/drawingml/2006/main" xmlns:r="http://schemas.openxmlformats.org/officeDocument/2006/relationships" xmlns:mc="http://schemas.openxmlformats.org/markup-compatibility/2006" xmlns:mv="urn:schemas-microsoft-com:mac:vml" xmlns:p="http://schemas.openxmlformats.org/presentationml/2006/main" xmlns:c="http://schemas.openxmlformats.org/drawingml/2006/chart" xmlns:dgm="http://schemas.openxmlformats.org/drawingml/2006/diagram" xmlns:o="urn:schemas-microsoft-com:office:office" xmlns:v="urn:schemas-microsoft-com:vml" xmlns:pvml="urn:schemas-microsoft-com:office:powerpoint" xmlns:com="http://schemas.openxmlformats.org/drawingml/2006/compatibility" xmlns:p14="http://schemas.microsoft.com/office/powerpoint/2010/main" xmlns:p15="http://schemas.microsoft.com/office/powerpoint/2012/main" matchingName="Caption">
+<p:sldLayout xmlns:a="http://schemas.openxmlformats.org/drawingml/2006/main" xmlns:r="http://schemas.openxmlformats.org/officeDocument/2006/relationships" xmlns:p="http://schemas.openxmlformats.org/presentationml/2006/main" matchingName="Caption">
   <p:cSld name="CAPTION_ONLY">
     <p:spTree>
       <p:nvGrpSpPr>
-        <p:cNvPr id="70" name="Shape 70"/>
+        <p:cNvPr id="1" name="Shape 70"/>
         <p:cNvGrpSpPr/>
         <p:nvPr/>
       </p:nvGrpSpPr>
@@ -7457,9 +7577,11 @@
       <p:sp>
         <p:nvSpPr>
           <p:cNvPr id="71" name="Google Shape;71;p10"/>
-          <p:cNvSpPr txBox="1"/>
+          <p:cNvSpPr txBox="1">
+            <a:spLocks noGrp="1"/>
+          </p:cNvSpPr>
           <p:nvPr>
-            <p:ph idx="1" type="body"/>
+            <p:ph type="body" idx="1"/>
           </p:nvPr>
         </p:nvSpPr>
         <p:spPr>
@@ -7472,11 +7594,11 @@
           </a:prstGeom>
         </p:spPr>
         <p:txBody>
-          <a:bodyPr anchorCtr="0" anchor="ctr" bIns="91425" lIns="91425" spcFirstLastPara="1" rIns="91425" wrap="square" tIns="91425">
+          <a:bodyPr spcFirstLastPara="1" wrap="square" lIns="91425" tIns="91425" rIns="91425" bIns="91425" anchor="ctr" anchorCtr="0">
             <a:noAutofit/>
           </a:bodyPr>
           <a:lstStyle>
-            <a:lvl1pPr indent="-228600" lvl="0" marL="457200">
+            <a:lvl1pPr marL="457200" lvl="0" indent="-228600">
               <a:lnSpc>
                 <a:spcPct val="100000"/>
               </a:lnSpc>
@@ -7491,15 +7613,19 @@
               <a:defRPr/>
             </a:lvl1pPr>
           </a:lstStyle>
-          <a:p/>
+          <a:p>
+            <a:endParaRPr/>
+          </a:p>
         </p:txBody>
       </p:sp>
       <p:sp>
         <p:nvSpPr>
           <p:cNvPr id="72" name="Google Shape;72;p10"/>
-          <p:cNvSpPr txBox="1"/>
+          <p:cNvSpPr txBox="1">
+            <a:spLocks noGrp="1"/>
+          </p:cNvSpPr>
           <p:nvPr>
-            <p:ph idx="12" type="sldNum"/>
+            <p:ph type="sldNum" idx="12"/>
           </p:nvPr>
         </p:nvSpPr>
         <p:spPr>
@@ -7512,7 +7638,7 @@
           </a:prstGeom>
         </p:spPr>
         <p:txBody>
-          <a:bodyPr anchorCtr="0" anchor="ctr" bIns="91425" lIns="91425" spcFirstLastPara="1" rIns="91425" wrap="square" tIns="91425">
+          <a:bodyPr spcFirstLastPara="1" wrap="square" lIns="91425" tIns="91425" rIns="91425" bIns="91425" anchor="ctr" anchorCtr="0">
             <a:noAutofit/>
           </a:bodyPr>
           <a:lstStyle>
@@ -7554,7 +7680,7 @@
             </a:lvl9pPr>
           </a:lstStyle>
           <a:p>
-            <a:pPr indent="0" lvl="0" marL="0" rtl="0" algn="r">
+            <a:pPr marL="0" lvl="0" indent="0" algn="r" rtl="0">
               <a:spcBef>
                 <a:spcPts val="0"/>
               </a:spcBef>
@@ -7580,18 +7706,19 @@
 </file>
 
 <file path=ppt/slideMasters/slideMaster1.xml><?xml version="1.0" encoding="utf-8"?>
-<p:sldMaster xmlns:a="http://schemas.openxmlformats.org/drawingml/2006/main" xmlns:r="http://schemas.openxmlformats.org/officeDocument/2006/relationships" xmlns:mc="http://schemas.openxmlformats.org/markup-compatibility/2006" xmlns:mv="urn:schemas-microsoft-com:mac:vml" xmlns:p="http://schemas.openxmlformats.org/presentationml/2006/main" xmlns:c="http://schemas.openxmlformats.org/drawingml/2006/chart" xmlns:dgm="http://schemas.openxmlformats.org/drawingml/2006/diagram" xmlns:o="urn:schemas-microsoft-com:office:office" xmlns:v="urn:schemas-microsoft-com:vml" xmlns:pvml="urn:schemas-microsoft-com:office:powerpoint" xmlns:com="http://schemas.openxmlformats.org/drawingml/2006/compatibility" xmlns:p14="http://schemas.microsoft.com/office/powerpoint/2010/main" xmlns:p15="http://schemas.microsoft.com/office/powerpoint/2012/main">
+<p:sldMaster xmlns:a="http://schemas.openxmlformats.org/drawingml/2006/main" xmlns:r="http://schemas.openxmlformats.org/officeDocument/2006/relationships" xmlns:p="http://schemas.openxmlformats.org/presentationml/2006/main">
   <p:cSld name="streamline">
     <p:bg>
       <p:bgPr>
         <a:solidFill>
           <a:schemeClr val="lt1"/>
         </a:solidFill>
+        <a:effectLst/>
       </p:bgPr>
     </p:bg>
     <p:spTree>
       <p:nvGrpSpPr>
-        <p:cNvPr id="5" name="Shape 5"/>
+        <p:cNvPr id="1" name="Shape 5"/>
         <p:cNvGrpSpPr/>
         <p:nvPr/>
       </p:nvGrpSpPr>
@@ -7606,7 +7733,9 @@
       <p:sp>
         <p:nvSpPr>
           <p:cNvPr id="6" name="Google Shape;6;p1"/>
-          <p:cNvSpPr txBox="1"/>
+          <p:cNvSpPr txBox="1">
+            <a:spLocks noGrp="1"/>
+          </p:cNvSpPr>
           <p:nvPr>
             <p:ph type="title"/>
           </p:nvPr>
@@ -7625,7 +7754,7 @@
           </a:ln>
         </p:spPr>
         <p:txBody>
-          <a:bodyPr anchorCtr="0" anchor="t" bIns="91425" lIns="91425" spcFirstLastPara="1" rIns="91425" wrap="square" tIns="91425">
+          <a:bodyPr spcFirstLastPara="1" wrap="square" lIns="91425" tIns="91425" rIns="91425" bIns="91425" anchor="t" anchorCtr="0">
             <a:noAutofit/>
           </a:bodyPr>
           <a:lstStyle>
@@ -7639,7 +7768,7 @@
               <a:buSzPts val="2800"/>
               <a:buFont typeface="Raleway"/>
               <a:buNone/>
-              <a:defRPr b="1" sz="2800">
+              <a:defRPr sz="2800" b="1">
                 <a:latin typeface="Raleway"/>
                 <a:ea typeface="Raleway"/>
                 <a:cs typeface="Raleway"/>
@@ -7656,7 +7785,7 @@
               <a:buSzPts val="2800"/>
               <a:buFont typeface="Raleway"/>
               <a:buNone/>
-              <a:defRPr b="1" sz="2800">
+              <a:defRPr sz="2800" b="1">
                 <a:latin typeface="Raleway"/>
                 <a:ea typeface="Raleway"/>
                 <a:cs typeface="Raleway"/>
@@ -7673,7 +7802,7 @@
               <a:buSzPts val="2800"/>
               <a:buFont typeface="Raleway"/>
               <a:buNone/>
-              <a:defRPr b="1" sz="2800">
+              <a:defRPr sz="2800" b="1">
                 <a:latin typeface="Raleway"/>
                 <a:ea typeface="Raleway"/>
                 <a:cs typeface="Raleway"/>
@@ -7690,7 +7819,7 @@
               <a:buSzPts val="2800"/>
               <a:buFont typeface="Raleway"/>
               <a:buNone/>
-              <a:defRPr b="1" sz="2800">
+              <a:defRPr sz="2800" b="1">
                 <a:latin typeface="Raleway"/>
                 <a:ea typeface="Raleway"/>
                 <a:cs typeface="Raleway"/>
@@ -7707,7 +7836,7 @@
               <a:buSzPts val="2800"/>
               <a:buFont typeface="Raleway"/>
               <a:buNone/>
-              <a:defRPr b="1" sz="2800">
+              <a:defRPr sz="2800" b="1">
                 <a:latin typeface="Raleway"/>
                 <a:ea typeface="Raleway"/>
                 <a:cs typeface="Raleway"/>
@@ -7724,7 +7853,7 @@
               <a:buSzPts val="2800"/>
               <a:buFont typeface="Raleway"/>
               <a:buNone/>
-              <a:defRPr b="1" sz="2800">
+              <a:defRPr sz="2800" b="1">
                 <a:latin typeface="Raleway"/>
                 <a:ea typeface="Raleway"/>
                 <a:cs typeface="Raleway"/>
@@ -7741,7 +7870,7 @@
               <a:buSzPts val="2800"/>
               <a:buFont typeface="Raleway"/>
               <a:buNone/>
-              <a:defRPr b="1" sz="2800">
+              <a:defRPr sz="2800" b="1">
                 <a:latin typeface="Raleway"/>
                 <a:ea typeface="Raleway"/>
                 <a:cs typeface="Raleway"/>
@@ -7758,7 +7887,7 @@
               <a:buSzPts val="2800"/>
               <a:buFont typeface="Raleway"/>
               <a:buNone/>
-              <a:defRPr b="1" sz="2800">
+              <a:defRPr sz="2800" b="1">
                 <a:latin typeface="Raleway"/>
                 <a:ea typeface="Raleway"/>
                 <a:cs typeface="Raleway"/>
@@ -7775,7 +7904,7 @@
               <a:buSzPts val="2800"/>
               <a:buFont typeface="Raleway"/>
               <a:buNone/>
-              <a:defRPr b="1" sz="2800">
+              <a:defRPr sz="2800" b="1">
                 <a:latin typeface="Raleway"/>
                 <a:ea typeface="Raleway"/>
                 <a:cs typeface="Raleway"/>
@@ -7783,15 +7912,19 @@
               </a:defRPr>
             </a:lvl9pPr>
           </a:lstStyle>
-          <a:p/>
+          <a:p>
+            <a:endParaRPr/>
+          </a:p>
         </p:txBody>
       </p:sp>
       <p:sp>
         <p:nvSpPr>
           <p:cNvPr id="7" name="Google Shape;7;p1"/>
-          <p:cNvSpPr txBox="1"/>
+          <p:cNvSpPr txBox="1">
+            <a:spLocks noGrp="1"/>
+          </p:cNvSpPr>
           <p:nvPr>
-            <p:ph idx="1" type="body"/>
+            <p:ph type="body" idx="1"/>
           </p:nvPr>
         </p:nvSpPr>
         <p:spPr>
@@ -7808,11 +7941,11 @@
           </a:ln>
         </p:spPr>
         <p:txBody>
-          <a:bodyPr anchorCtr="0" anchor="t" bIns="91425" lIns="91425" spcFirstLastPara="1" rIns="91425" wrap="square" tIns="91425">
+          <a:bodyPr spcFirstLastPara="1" wrap="square" lIns="91425" tIns="91425" rIns="91425" bIns="91425" anchor="t" anchorCtr="0">
             <a:noAutofit/>
           </a:bodyPr>
           <a:lstStyle>
-            <a:lvl1pPr indent="-311150" lvl="0" marL="457200">
+            <a:lvl1pPr marL="457200" lvl="0" indent="-311150">
               <a:lnSpc>
                 <a:spcPct val="115000"/>
               </a:lnSpc>
@@ -7838,7 +7971,7 @@
                 <a:sym typeface="Lato"/>
               </a:defRPr>
             </a:lvl1pPr>
-            <a:lvl2pPr indent="-298450" lvl="1" marL="914400">
+            <a:lvl2pPr marL="914400" lvl="1" indent="-298450">
               <a:lnSpc>
                 <a:spcPct val="115000"/>
               </a:lnSpc>
@@ -7864,7 +7997,7 @@
                 <a:sym typeface="Lato"/>
               </a:defRPr>
             </a:lvl2pPr>
-            <a:lvl3pPr indent="-298450" lvl="2" marL="1371600">
+            <a:lvl3pPr marL="1371600" lvl="2" indent="-298450">
               <a:lnSpc>
                 <a:spcPct val="115000"/>
               </a:lnSpc>
@@ -7890,7 +8023,7 @@
                 <a:sym typeface="Lato"/>
               </a:defRPr>
             </a:lvl3pPr>
-            <a:lvl4pPr indent="-298450" lvl="3" marL="1828800">
+            <a:lvl4pPr marL="1828800" lvl="3" indent="-298450">
               <a:lnSpc>
                 <a:spcPct val="115000"/>
               </a:lnSpc>
@@ -7916,7 +8049,7 @@
                 <a:sym typeface="Lato"/>
               </a:defRPr>
             </a:lvl4pPr>
-            <a:lvl5pPr indent="-298450" lvl="4" marL="2286000">
+            <a:lvl5pPr marL="2286000" lvl="4" indent="-298450">
               <a:lnSpc>
                 <a:spcPct val="115000"/>
               </a:lnSpc>
@@ -7942,7 +8075,7 @@
                 <a:sym typeface="Lato"/>
               </a:defRPr>
             </a:lvl5pPr>
-            <a:lvl6pPr indent="-298450" lvl="5" marL="2743200">
+            <a:lvl6pPr marL="2743200" lvl="5" indent="-298450">
               <a:lnSpc>
                 <a:spcPct val="115000"/>
               </a:lnSpc>
@@ -7968,7 +8101,7 @@
                 <a:sym typeface="Lato"/>
               </a:defRPr>
             </a:lvl6pPr>
-            <a:lvl7pPr indent="-298450" lvl="6" marL="3200400">
+            <a:lvl7pPr marL="3200400" lvl="6" indent="-298450">
               <a:lnSpc>
                 <a:spcPct val="115000"/>
               </a:lnSpc>
@@ -7994,7 +8127,7 @@
                 <a:sym typeface="Lato"/>
               </a:defRPr>
             </a:lvl7pPr>
-            <a:lvl8pPr indent="-298450" lvl="7" marL="3657600">
+            <a:lvl8pPr marL="3657600" lvl="7" indent="-298450">
               <a:lnSpc>
                 <a:spcPct val="115000"/>
               </a:lnSpc>
@@ -8020,7 +8153,7 @@
                 <a:sym typeface="Lato"/>
               </a:defRPr>
             </a:lvl8pPr>
-            <a:lvl9pPr indent="-298450" lvl="8" marL="4114800">
+            <a:lvl9pPr marL="4114800" lvl="8" indent="-298450">
               <a:lnSpc>
                 <a:spcPct val="115000"/>
               </a:lnSpc>
@@ -8047,15 +8180,19 @@
               </a:defRPr>
             </a:lvl9pPr>
           </a:lstStyle>
-          <a:p/>
+          <a:p>
+            <a:endParaRPr/>
+          </a:p>
         </p:txBody>
       </p:sp>
       <p:sp>
         <p:nvSpPr>
           <p:cNvPr id="8" name="Google Shape;8;p1"/>
-          <p:cNvSpPr txBox="1"/>
+          <p:cNvSpPr txBox="1">
+            <a:spLocks noGrp="1"/>
+          </p:cNvSpPr>
           <p:nvPr>
-            <p:ph idx="12" type="sldNum"/>
+            <p:ph type="sldNum" idx="12"/>
           </p:nvPr>
         </p:nvSpPr>
         <p:spPr>
@@ -8072,7 +8209,7 @@
           </a:ln>
         </p:spPr>
         <p:txBody>
-          <a:bodyPr anchorCtr="0" anchor="ctr" bIns="91425" lIns="91425" spcFirstLastPara="1" rIns="91425" wrap="square" tIns="91425">
+          <a:bodyPr spcFirstLastPara="1" wrap="square" lIns="91425" tIns="91425" rIns="91425" bIns="91425" anchor="ctr" anchorCtr="0">
             <a:noAutofit/>
           </a:bodyPr>
           <a:lstStyle>
@@ -8186,7 +8323,7 @@
             </a:lvl9pPr>
           </a:lstStyle>
           <a:p>
-            <a:pPr indent="0" lvl="0" marL="0" rtl="0" algn="r">
+            <a:pPr marL="0" lvl="0" indent="0" algn="r" rtl="0">
               <a:spcBef>
                 <a:spcPts val="0"/>
               </a:spcBef>
@@ -8205,7 +8342,7 @@
       </p:sp>
     </p:spTree>
   </p:cSld>
-  <p:clrMap accent1="accent1" accent2="accent2" accent3="accent3" accent4="accent4" accent5="accent5" accent6="accent6" bg1="lt1" bg2="dk2" tx1="dk1" tx2="lt2" folHlink="folHlink" hlink="hlink"/>
+  <p:clrMap bg1="lt1" tx1="dk1" bg2="dk2" tx2="lt2" accent1="accent1" accent2="accent2" accent3="accent3" accent4="accent4" accent5="accent5" accent6="accent6" hlink="hlink" folHlink="folHlink"/>
   <p:sldLayoutIdLst>
     <p:sldLayoutId id="2147483648" r:id="rId1"/>
     <p:sldLayoutId id="2147483649" r:id="rId2"/>
@@ -8219,10 +8356,10 @@
     <p:sldLayoutId id="2147483657" r:id="rId10"/>
     <p:sldLayoutId id="2147483658" r:id="rId11"/>
   </p:sldLayoutIdLst>
-  <p:hf dt="0" ftr="0" hdr="0"/>
+  <p:hf hdr="0" ftr="0" dt="0"/>
   <p:txStyles>
     <p:titleStyle>
-      <a:defPPr lvl="0" marR="0" rtl="0" algn="l">
+      <a:defPPr marR="0" lvl="0" algn="l" rtl="0">
         <a:lnSpc>
           <a:spcPct val="100000"/>
         </a:lnSpc>
@@ -8233,7 +8370,7 @@
           <a:spcPts val="0"/>
         </a:spcAft>
       </a:defPPr>
-      <a:lvl1pPr lvl="0" marR="0" rtl="0" algn="l">
+      <a:lvl1pPr marR="0" lvl="0" algn="l" rtl="0">
         <a:lnSpc>
           <a:spcPct val="100000"/>
         </a:lnSpc>
@@ -8247,7 +8384,7 @@
           <a:srgbClr val="000000"/>
         </a:buClr>
         <a:buFont typeface="Arial"/>
-        <a:defRPr b="0" i="0" sz="1400" u="none" cap="none" strike="noStrike">
+        <a:defRPr sz="1400" b="0" i="0" u="none" strike="noStrike" cap="none">
           <a:solidFill>
             <a:srgbClr val="000000"/>
           </a:solidFill>
@@ -8257,7 +8394,7 @@
           <a:sym typeface="Arial"/>
         </a:defRPr>
       </a:lvl1pPr>
-      <a:lvl2pPr lvl="1" marR="0" rtl="0" algn="l">
+      <a:lvl2pPr marR="0" lvl="1" algn="l" rtl="0">
         <a:lnSpc>
           <a:spcPct val="100000"/>
         </a:lnSpc>
@@ -8271,7 +8408,7 @@
           <a:srgbClr val="000000"/>
         </a:buClr>
         <a:buFont typeface="Arial"/>
-        <a:defRPr b="0" i="0" sz="1400" u="none" cap="none" strike="noStrike">
+        <a:defRPr sz="1400" b="0" i="0" u="none" strike="noStrike" cap="none">
           <a:solidFill>
             <a:srgbClr val="000000"/>
           </a:solidFill>
@@ -8281,7 +8418,7 @@
           <a:sym typeface="Arial"/>
         </a:defRPr>
       </a:lvl2pPr>
-      <a:lvl3pPr lvl="2" marR="0" rtl="0" algn="l">
+      <a:lvl3pPr marR="0" lvl="2" algn="l" rtl="0">
         <a:lnSpc>
           <a:spcPct val="100000"/>
         </a:lnSpc>
@@ -8295,7 +8432,7 @@
           <a:srgbClr val="000000"/>
         </a:buClr>
         <a:buFont typeface="Arial"/>
-        <a:defRPr b="0" i="0" sz="1400" u="none" cap="none" strike="noStrike">
+        <a:defRPr sz="1400" b="0" i="0" u="none" strike="noStrike" cap="none">
           <a:solidFill>
             <a:srgbClr val="000000"/>
           </a:solidFill>
@@ -8305,7 +8442,7 @@
           <a:sym typeface="Arial"/>
         </a:defRPr>
       </a:lvl3pPr>
-      <a:lvl4pPr lvl="3" marR="0" rtl="0" algn="l">
+      <a:lvl4pPr marR="0" lvl="3" algn="l" rtl="0">
         <a:lnSpc>
           <a:spcPct val="100000"/>
         </a:lnSpc>
@@ -8319,7 +8456,7 @@
           <a:srgbClr val="000000"/>
         </a:buClr>
         <a:buFont typeface="Arial"/>
-        <a:defRPr b="0" i="0" sz="1400" u="none" cap="none" strike="noStrike">
+        <a:defRPr sz="1400" b="0" i="0" u="none" strike="noStrike" cap="none">
           <a:solidFill>
             <a:srgbClr val="000000"/>
           </a:solidFill>
@@ -8329,7 +8466,7 @@
           <a:sym typeface="Arial"/>
         </a:defRPr>
       </a:lvl4pPr>
-      <a:lvl5pPr lvl="4" marR="0" rtl="0" algn="l">
+      <a:lvl5pPr marR="0" lvl="4" algn="l" rtl="0">
         <a:lnSpc>
           <a:spcPct val="100000"/>
         </a:lnSpc>
@@ -8343,7 +8480,7 @@
           <a:srgbClr val="000000"/>
         </a:buClr>
         <a:buFont typeface="Arial"/>
-        <a:defRPr b="0" i="0" sz="1400" u="none" cap="none" strike="noStrike">
+        <a:defRPr sz="1400" b="0" i="0" u="none" strike="noStrike" cap="none">
           <a:solidFill>
             <a:srgbClr val="000000"/>
           </a:solidFill>
@@ -8353,7 +8490,7 @@
           <a:sym typeface="Arial"/>
         </a:defRPr>
       </a:lvl5pPr>
-      <a:lvl6pPr lvl="5" marR="0" rtl="0" algn="l">
+      <a:lvl6pPr marR="0" lvl="5" algn="l" rtl="0">
         <a:lnSpc>
           <a:spcPct val="100000"/>
         </a:lnSpc>
@@ -8367,7 +8504,7 @@
           <a:srgbClr val="000000"/>
         </a:buClr>
         <a:buFont typeface="Arial"/>
-        <a:defRPr b="0" i="0" sz="1400" u="none" cap="none" strike="noStrike">
+        <a:defRPr sz="1400" b="0" i="0" u="none" strike="noStrike" cap="none">
           <a:solidFill>
             <a:srgbClr val="000000"/>
           </a:solidFill>
@@ -8377,7 +8514,7 @@
           <a:sym typeface="Arial"/>
         </a:defRPr>
       </a:lvl6pPr>
-      <a:lvl7pPr lvl="6" marR="0" rtl="0" algn="l">
+      <a:lvl7pPr marR="0" lvl="6" algn="l" rtl="0">
         <a:lnSpc>
           <a:spcPct val="100000"/>
         </a:lnSpc>
@@ -8391,7 +8528,7 @@
           <a:srgbClr val="000000"/>
         </a:buClr>
         <a:buFont typeface="Arial"/>
-        <a:defRPr b="0" i="0" sz="1400" u="none" cap="none" strike="noStrike">
+        <a:defRPr sz="1400" b="0" i="0" u="none" strike="noStrike" cap="none">
           <a:solidFill>
             <a:srgbClr val="000000"/>
           </a:solidFill>
@@ -8401,7 +8538,7 @@
           <a:sym typeface="Arial"/>
         </a:defRPr>
       </a:lvl7pPr>
-      <a:lvl8pPr lvl="7" marR="0" rtl="0" algn="l">
+      <a:lvl8pPr marR="0" lvl="7" algn="l" rtl="0">
         <a:lnSpc>
           <a:spcPct val="100000"/>
         </a:lnSpc>
@@ -8415,7 +8552,7 @@
           <a:srgbClr val="000000"/>
         </a:buClr>
         <a:buFont typeface="Arial"/>
-        <a:defRPr b="0" i="0" sz="1400" u="none" cap="none" strike="noStrike">
+        <a:defRPr sz="1400" b="0" i="0" u="none" strike="noStrike" cap="none">
           <a:solidFill>
             <a:srgbClr val="000000"/>
           </a:solidFill>
@@ -8425,7 +8562,7 @@
           <a:sym typeface="Arial"/>
         </a:defRPr>
       </a:lvl8pPr>
-      <a:lvl9pPr lvl="8" marR="0" rtl="0" algn="l">
+      <a:lvl9pPr marR="0" lvl="8" algn="l" rtl="0">
         <a:lnSpc>
           <a:spcPct val="100000"/>
         </a:lnSpc>
@@ -8439,7 +8576,7 @@
           <a:srgbClr val="000000"/>
         </a:buClr>
         <a:buFont typeface="Arial"/>
-        <a:defRPr b="0" i="0" sz="1400" u="none" cap="none" strike="noStrike">
+        <a:defRPr sz="1400" b="0" i="0" u="none" strike="noStrike" cap="none">
           <a:solidFill>
             <a:srgbClr val="000000"/>
           </a:solidFill>
@@ -8451,7 +8588,7 @@
       </a:lvl9pPr>
     </p:titleStyle>
     <p:bodyStyle>
-      <a:defPPr lvl="0" marR="0" rtl="0" algn="l">
+      <a:defPPr marR="0" lvl="0" algn="l" rtl="0">
         <a:lnSpc>
           <a:spcPct val="100000"/>
         </a:lnSpc>
@@ -8462,7 +8599,7 @@
           <a:spcPts val="0"/>
         </a:spcAft>
       </a:defPPr>
-      <a:lvl1pPr lvl="0" marR="0" rtl="0" algn="l">
+      <a:lvl1pPr marR="0" lvl="0" algn="l" rtl="0">
         <a:lnSpc>
           <a:spcPct val="100000"/>
         </a:lnSpc>
@@ -8476,7 +8613,7 @@
           <a:srgbClr val="000000"/>
         </a:buClr>
         <a:buFont typeface="Arial"/>
-        <a:defRPr b="0" i="0" sz="1400" u="none" cap="none" strike="noStrike">
+        <a:defRPr sz="1400" b="0" i="0" u="none" strike="noStrike" cap="none">
           <a:solidFill>
             <a:srgbClr val="000000"/>
           </a:solidFill>
@@ -8486,7 +8623,7 @@
           <a:sym typeface="Arial"/>
         </a:defRPr>
       </a:lvl1pPr>
-      <a:lvl2pPr lvl="1" marR="0" rtl="0" algn="l">
+      <a:lvl2pPr marR="0" lvl="1" algn="l" rtl="0">
         <a:lnSpc>
           <a:spcPct val="100000"/>
         </a:lnSpc>
@@ -8500,7 +8637,7 @@
           <a:srgbClr val="000000"/>
         </a:buClr>
         <a:buFont typeface="Arial"/>
-        <a:defRPr b="0" i="0" sz="1400" u="none" cap="none" strike="noStrike">
+        <a:defRPr sz="1400" b="0" i="0" u="none" strike="noStrike" cap="none">
           <a:solidFill>
             <a:srgbClr val="000000"/>
           </a:solidFill>
@@ -8510,7 +8647,7 @@
           <a:sym typeface="Arial"/>
         </a:defRPr>
       </a:lvl2pPr>
-      <a:lvl3pPr lvl="2" marR="0" rtl="0" algn="l">
+      <a:lvl3pPr marR="0" lvl="2" algn="l" rtl="0">
         <a:lnSpc>
           <a:spcPct val="100000"/>
         </a:lnSpc>
@@ -8524,7 +8661,7 @@
           <a:srgbClr val="000000"/>
         </a:buClr>
         <a:buFont typeface="Arial"/>
-        <a:defRPr b="0" i="0" sz="1400" u="none" cap="none" strike="noStrike">
+        <a:defRPr sz="1400" b="0" i="0" u="none" strike="noStrike" cap="none">
           <a:solidFill>
             <a:srgbClr val="000000"/>
           </a:solidFill>
@@ -8534,7 +8671,7 @@
           <a:sym typeface="Arial"/>
         </a:defRPr>
       </a:lvl3pPr>
-      <a:lvl4pPr lvl="3" marR="0" rtl="0" algn="l">
+      <a:lvl4pPr marR="0" lvl="3" algn="l" rtl="0">
         <a:lnSpc>
           <a:spcPct val="100000"/>
         </a:lnSpc>
@@ -8548,7 +8685,7 @@
           <a:srgbClr val="000000"/>
         </a:buClr>
         <a:buFont typeface="Arial"/>
-        <a:defRPr b="0" i="0" sz="1400" u="none" cap="none" strike="noStrike">
+        <a:defRPr sz="1400" b="0" i="0" u="none" strike="noStrike" cap="none">
           <a:solidFill>
             <a:srgbClr val="000000"/>
           </a:solidFill>
@@ -8558,7 +8695,7 @@
           <a:sym typeface="Arial"/>
         </a:defRPr>
       </a:lvl4pPr>
-      <a:lvl5pPr lvl="4" marR="0" rtl="0" algn="l">
+      <a:lvl5pPr marR="0" lvl="4" algn="l" rtl="0">
         <a:lnSpc>
           <a:spcPct val="100000"/>
         </a:lnSpc>
@@ -8572,7 +8709,7 @@
           <a:srgbClr val="000000"/>
         </a:buClr>
         <a:buFont typeface="Arial"/>
-        <a:defRPr b="0" i="0" sz="1400" u="none" cap="none" strike="noStrike">
+        <a:defRPr sz="1400" b="0" i="0" u="none" strike="noStrike" cap="none">
           <a:solidFill>
             <a:srgbClr val="000000"/>
           </a:solidFill>
@@ -8582,7 +8719,7 @@
           <a:sym typeface="Arial"/>
         </a:defRPr>
       </a:lvl5pPr>
-      <a:lvl6pPr lvl="5" marR="0" rtl="0" algn="l">
+      <a:lvl6pPr marR="0" lvl="5" algn="l" rtl="0">
         <a:lnSpc>
           <a:spcPct val="100000"/>
         </a:lnSpc>
@@ -8596,7 +8733,7 @@
           <a:srgbClr val="000000"/>
         </a:buClr>
         <a:buFont typeface="Arial"/>
-        <a:defRPr b="0" i="0" sz="1400" u="none" cap="none" strike="noStrike">
+        <a:defRPr sz="1400" b="0" i="0" u="none" strike="noStrike" cap="none">
           <a:solidFill>
             <a:srgbClr val="000000"/>
           </a:solidFill>
@@ -8606,7 +8743,7 @@
           <a:sym typeface="Arial"/>
         </a:defRPr>
       </a:lvl6pPr>
-      <a:lvl7pPr lvl="6" marR="0" rtl="0" algn="l">
+      <a:lvl7pPr marR="0" lvl="6" algn="l" rtl="0">
         <a:lnSpc>
           <a:spcPct val="100000"/>
         </a:lnSpc>
@@ -8620,7 +8757,7 @@
           <a:srgbClr val="000000"/>
         </a:buClr>
         <a:buFont typeface="Arial"/>
-        <a:defRPr b="0" i="0" sz="1400" u="none" cap="none" strike="noStrike">
+        <a:defRPr sz="1400" b="0" i="0" u="none" strike="noStrike" cap="none">
           <a:solidFill>
             <a:srgbClr val="000000"/>
           </a:solidFill>
@@ -8630,7 +8767,7 @@
           <a:sym typeface="Arial"/>
         </a:defRPr>
       </a:lvl7pPr>
-      <a:lvl8pPr lvl="7" marR="0" rtl="0" algn="l">
+      <a:lvl8pPr marR="0" lvl="7" algn="l" rtl="0">
         <a:lnSpc>
           <a:spcPct val="100000"/>
         </a:lnSpc>
@@ -8644,7 +8781,7 @@
           <a:srgbClr val="000000"/>
         </a:buClr>
         <a:buFont typeface="Arial"/>
-        <a:defRPr b="0" i="0" sz="1400" u="none" cap="none" strike="noStrike">
+        <a:defRPr sz="1400" b="0" i="0" u="none" strike="noStrike" cap="none">
           <a:solidFill>
             <a:srgbClr val="000000"/>
           </a:solidFill>
@@ -8654,7 +8791,7 @@
           <a:sym typeface="Arial"/>
         </a:defRPr>
       </a:lvl8pPr>
-      <a:lvl9pPr lvl="8" marR="0" rtl="0" algn="l">
+      <a:lvl9pPr marR="0" lvl="8" algn="l" rtl="0">
         <a:lnSpc>
           <a:spcPct val="100000"/>
         </a:lnSpc>
@@ -8668,7 +8805,7 @@
           <a:srgbClr val="000000"/>
         </a:buClr>
         <a:buFont typeface="Arial"/>
-        <a:defRPr b="0" i="0" sz="1400" u="none" cap="none" strike="noStrike">
+        <a:defRPr sz="1400" b="0" i="0" u="none" strike="noStrike" cap="none">
           <a:solidFill>
             <a:srgbClr val="000000"/>
           </a:solidFill>
@@ -8680,7 +8817,7 @@
       </a:lvl9pPr>
     </p:bodyStyle>
     <p:otherStyle>
-      <a:defPPr lvl="0" marR="0" rtl="0" algn="l">
+      <a:defPPr marR="0" lvl="0" algn="l" rtl="0">
         <a:lnSpc>
           <a:spcPct val="100000"/>
         </a:lnSpc>
@@ -8691,7 +8828,7 @@
           <a:spcPts val="0"/>
         </a:spcAft>
       </a:defPPr>
-      <a:lvl1pPr lvl="0" marR="0" rtl="0" algn="l">
+      <a:lvl1pPr marR="0" lvl="0" algn="l" rtl="0">
         <a:lnSpc>
           <a:spcPct val="100000"/>
         </a:lnSpc>
@@ -8705,7 +8842,7 @@
           <a:srgbClr val="000000"/>
         </a:buClr>
         <a:buFont typeface="Arial"/>
-        <a:defRPr b="0" i="0" sz="1400" u="none" cap="none" strike="noStrike">
+        <a:defRPr sz="1400" b="0" i="0" u="none" strike="noStrike" cap="none">
           <a:solidFill>
             <a:srgbClr val="000000"/>
           </a:solidFill>
@@ -8715,7 +8852,7 @@
           <a:sym typeface="Arial"/>
         </a:defRPr>
       </a:lvl1pPr>
-      <a:lvl2pPr lvl="1" marR="0" rtl="0" algn="l">
+      <a:lvl2pPr marR="0" lvl="1" algn="l" rtl="0">
         <a:lnSpc>
           <a:spcPct val="100000"/>
         </a:lnSpc>
@@ -8729,7 +8866,7 @@
           <a:srgbClr val="000000"/>
         </a:buClr>
         <a:buFont typeface="Arial"/>
-        <a:defRPr b="0" i="0" sz="1400" u="none" cap="none" strike="noStrike">
+        <a:defRPr sz="1400" b="0" i="0" u="none" strike="noStrike" cap="none">
           <a:solidFill>
             <a:srgbClr val="000000"/>
           </a:solidFill>
@@ -8739,7 +8876,7 @@
           <a:sym typeface="Arial"/>
         </a:defRPr>
       </a:lvl2pPr>
-      <a:lvl3pPr lvl="2" marR="0" rtl="0" algn="l">
+      <a:lvl3pPr marR="0" lvl="2" algn="l" rtl="0">
         <a:lnSpc>
           <a:spcPct val="100000"/>
         </a:lnSpc>
@@ -8753,7 +8890,7 @@
           <a:srgbClr val="000000"/>
         </a:buClr>
         <a:buFont typeface="Arial"/>
-        <a:defRPr b="0" i="0" sz="1400" u="none" cap="none" strike="noStrike">
+        <a:defRPr sz="1400" b="0" i="0" u="none" strike="noStrike" cap="none">
           <a:solidFill>
             <a:srgbClr val="000000"/>
           </a:solidFill>
@@ -8763,7 +8900,7 @@
           <a:sym typeface="Arial"/>
         </a:defRPr>
       </a:lvl3pPr>
-      <a:lvl4pPr lvl="3" marR="0" rtl="0" algn="l">
+      <a:lvl4pPr marR="0" lvl="3" algn="l" rtl="0">
         <a:lnSpc>
           <a:spcPct val="100000"/>
         </a:lnSpc>
@@ -8777,7 +8914,7 @@
           <a:srgbClr val="000000"/>
         </a:buClr>
         <a:buFont typeface="Arial"/>
-        <a:defRPr b="0" i="0" sz="1400" u="none" cap="none" strike="noStrike">
+        <a:defRPr sz="1400" b="0" i="0" u="none" strike="noStrike" cap="none">
           <a:solidFill>
             <a:srgbClr val="000000"/>
           </a:solidFill>
@@ -8787,7 +8924,7 @@
           <a:sym typeface="Arial"/>
         </a:defRPr>
       </a:lvl4pPr>
-      <a:lvl5pPr lvl="4" marR="0" rtl="0" algn="l">
+      <a:lvl5pPr marR="0" lvl="4" algn="l" rtl="0">
         <a:lnSpc>
           <a:spcPct val="100000"/>
         </a:lnSpc>
@@ -8801,7 +8938,7 @@
           <a:srgbClr val="000000"/>
         </a:buClr>
         <a:buFont typeface="Arial"/>
-        <a:defRPr b="0" i="0" sz="1400" u="none" cap="none" strike="noStrike">
+        <a:defRPr sz="1400" b="0" i="0" u="none" strike="noStrike" cap="none">
           <a:solidFill>
             <a:srgbClr val="000000"/>
           </a:solidFill>
@@ -8811,7 +8948,7 @@
           <a:sym typeface="Arial"/>
         </a:defRPr>
       </a:lvl5pPr>
-      <a:lvl6pPr lvl="5" marR="0" rtl="0" algn="l">
+      <a:lvl6pPr marR="0" lvl="5" algn="l" rtl="0">
         <a:lnSpc>
           <a:spcPct val="100000"/>
         </a:lnSpc>
@@ -8825,7 +8962,7 @@
           <a:srgbClr val="000000"/>
         </a:buClr>
         <a:buFont typeface="Arial"/>
-        <a:defRPr b="0" i="0" sz="1400" u="none" cap="none" strike="noStrike">
+        <a:defRPr sz="1400" b="0" i="0" u="none" strike="noStrike" cap="none">
           <a:solidFill>
             <a:srgbClr val="000000"/>
           </a:solidFill>
@@ -8835,7 +8972,7 @@
           <a:sym typeface="Arial"/>
         </a:defRPr>
       </a:lvl6pPr>
-      <a:lvl7pPr lvl="6" marR="0" rtl="0" algn="l">
+      <a:lvl7pPr marR="0" lvl="6" algn="l" rtl="0">
         <a:lnSpc>
           <a:spcPct val="100000"/>
         </a:lnSpc>
@@ -8849,7 +8986,7 @@
           <a:srgbClr val="000000"/>
         </a:buClr>
         <a:buFont typeface="Arial"/>
-        <a:defRPr b="0" i="0" sz="1400" u="none" cap="none" strike="noStrike">
+        <a:defRPr sz="1400" b="0" i="0" u="none" strike="noStrike" cap="none">
           <a:solidFill>
             <a:srgbClr val="000000"/>
           </a:solidFill>
@@ -8859,7 +8996,7 @@
           <a:sym typeface="Arial"/>
         </a:defRPr>
       </a:lvl7pPr>
-      <a:lvl8pPr lvl="7" marR="0" rtl="0" algn="l">
+      <a:lvl8pPr marR="0" lvl="7" algn="l" rtl="0">
         <a:lnSpc>
           <a:spcPct val="100000"/>
         </a:lnSpc>
@@ -8873,7 +9010,7 @@
           <a:srgbClr val="000000"/>
         </a:buClr>
         <a:buFont typeface="Arial"/>
-        <a:defRPr b="0" i="0" sz="1400" u="none" cap="none" strike="noStrike">
+        <a:defRPr sz="1400" b="0" i="0" u="none" strike="noStrike" cap="none">
           <a:solidFill>
             <a:srgbClr val="000000"/>
           </a:solidFill>
@@ -8883,7 +9020,7 @@
           <a:sym typeface="Arial"/>
         </a:defRPr>
       </a:lvl8pPr>
-      <a:lvl9pPr lvl="8" marR="0" rtl="0" algn="l">
+      <a:lvl9pPr marR="0" lvl="8" algn="l" rtl="0">
         <a:lnSpc>
           <a:spcPct val="100000"/>
         </a:lnSpc>
@@ -8897,7 +9034,7 @@
           <a:srgbClr val="000000"/>
         </a:buClr>
         <a:buFont typeface="Arial"/>
-        <a:defRPr b="0" i="0" sz="1400" u="none" cap="none" strike="noStrike">
+        <a:defRPr sz="1400" b="0" i="0" u="none" strike="noStrike" cap="none">
           <a:solidFill>
             <a:srgbClr val="000000"/>
           </a:solidFill>
@@ -8913,11 +9050,11 @@
 </file>
 
 <file path=ppt/slides/slide1.xml><?xml version="1.0" encoding="utf-8"?>
-<p:sld xmlns:a="http://schemas.openxmlformats.org/drawingml/2006/main" xmlns:r="http://schemas.openxmlformats.org/officeDocument/2006/relationships" xmlns:mc="http://schemas.openxmlformats.org/markup-compatibility/2006" xmlns:mv="urn:schemas-microsoft-com:mac:vml" xmlns:p="http://schemas.openxmlformats.org/presentationml/2006/main" xmlns:c="http://schemas.openxmlformats.org/drawingml/2006/chart" xmlns:dgm="http://schemas.openxmlformats.org/drawingml/2006/diagram" xmlns:o="urn:schemas-microsoft-com:office:office" xmlns:v="urn:schemas-microsoft-com:vml" xmlns:pvml="urn:schemas-microsoft-com:office:powerpoint" xmlns:com="http://schemas.openxmlformats.org/drawingml/2006/compatibility" xmlns:p14="http://schemas.microsoft.com/office/powerpoint/2010/main" xmlns:p15="http://schemas.microsoft.com/office/powerpoint/2012/main">
+<p:sld xmlns:a="http://schemas.openxmlformats.org/drawingml/2006/main" xmlns:r="http://schemas.openxmlformats.org/officeDocument/2006/relationships" xmlns:p="http://schemas.openxmlformats.org/presentationml/2006/main">
   <p:cSld>
     <p:spTree>
       <p:nvGrpSpPr>
-        <p:cNvPr id="85" name="Shape 85"/>
+        <p:cNvPr id="1" name="Shape 85"/>
         <p:cNvGrpSpPr/>
         <p:nvPr/>
       </p:nvGrpSpPr>
@@ -8932,7 +9069,9 @@
       <p:sp>
         <p:nvSpPr>
           <p:cNvPr id="86" name="Google Shape;86;p13"/>
-          <p:cNvSpPr txBox="1"/>
+          <p:cNvSpPr txBox="1">
+            <a:spLocks noGrp="1"/>
+          </p:cNvSpPr>
           <p:nvPr>
             <p:ph type="ctrTitle"/>
           </p:nvPr>
@@ -8947,12 +9086,12 @@
           </a:prstGeom>
         </p:spPr>
         <p:txBody>
-          <a:bodyPr anchorCtr="0" anchor="t" bIns="91425" lIns="91425" spcFirstLastPara="1" rIns="91425" wrap="square" tIns="91425">
+          <a:bodyPr spcFirstLastPara="1" wrap="square" lIns="91425" tIns="91425" rIns="91425" bIns="91425" anchor="t" anchorCtr="0">
             <a:noAutofit/>
           </a:bodyPr>
           <a:lstStyle/>
           <a:p>
-            <a:pPr indent="0" lvl="0" marL="0" rtl="0" algn="l">
+            <a:pPr marL="0" lvl="0" indent="0" algn="l" rtl="0">
               <a:spcBef>
                 <a:spcPts val="0"/>
               </a:spcBef>
@@ -8979,9 +9118,11 @@
       <p:sp>
         <p:nvSpPr>
           <p:cNvPr id="87" name="Google Shape;87;p13"/>
-          <p:cNvSpPr txBox="1"/>
+          <p:cNvSpPr txBox="1">
+            <a:spLocks noGrp="1"/>
+          </p:cNvSpPr>
           <p:nvPr>
-            <p:ph idx="1" type="subTitle"/>
+            <p:ph type="subTitle" idx="1"/>
           </p:nvPr>
         </p:nvSpPr>
         <p:spPr>
@@ -8994,12 +9135,12 @@
           </a:prstGeom>
         </p:spPr>
         <p:txBody>
-          <a:bodyPr anchorCtr="0" anchor="t" bIns="91425" lIns="91425" spcFirstLastPara="1" rIns="91425" wrap="square" tIns="91425">
+          <a:bodyPr spcFirstLastPara="1" wrap="square" lIns="91425" tIns="91425" rIns="91425" bIns="91425" anchor="t" anchorCtr="0">
             <a:noAutofit/>
           </a:bodyPr>
           <a:lstStyle/>
           <a:p>
-            <a:pPr indent="0" lvl="0" marL="0" rtl="0" algn="l">
+            <a:pPr marL="0" lvl="0" indent="0" algn="l" rtl="0">
               <a:spcBef>
                 <a:spcPts val="0"/>
               </a:spcBef>
@@ -9009,13 +9150,13 @@
               <a:buNone/>
             </a:pPr>
             <a:r>
-              <a:rPr i="1" lang="de"/>
+              <a:rPr lang="de" i="1"/>
               <a:t>gestaltet von:</a:t>
             </a:r>
             <a:endParaRPr i="1"/>
           </a:p>
           <a:p>
-            <a:pPr indent="0" lvl="0" marL="0" rtl="0" algn="l">
+            <a:pPr marL="0" lvl="0" indent="0" algn="l" rtl="0">
               <a:spcBef>
                 <a:spcPts val="0"/>
               </a:spcBef>
@@ -9025,13 +9166,13 @@
               <a:buNone/>
             </a:pPr>
             <a:r>
-              <a:rPr i="1" lang="de"/>
+              <a:rPr lang="de" i="1"/>
               <a:t>Chen, Bowen</a:t>
             </a:r>
             <a:endParaRPr i="1"/>
           </a:p>
           <a:p>
-            <a:pPr indent="0" lvl="0" marL="0" rtl="0" algn="l">
+            <a:pPr marL="0" lvl="0" indent="0" algn="l" rtl="0">
               <a:spcBef>
                 <a:spcPts val="0"/>
               </a:spcBef>
@@ -9041,13 +9182,13 @@
               <a:buNone/>
             </a:pPr>
             <a:r>
-              <a:rPr i="1" lang="de"/>
+              <a:rPr lang="de" i="1"/>
               <a:t>Eichner, Dennis</a:t>
             </a:r>
             <a:endParaRPr i="1"/>
           </a:p>
           <a:p>
-            <a:pPr indent="0" lvl="0" marL="0" rtl="0" algn="l">
+            <a:pPr marL="0" lvl="0" indent="0" algn="l" rtl="0">
               <a:spcBef>
                 <a:spcPts val="0"/>
               </a:spcBef>
@@ -9057,13 +9198,13 @@
               <a:buNone/>
             </a:pPr>
             <a:r>
-              <a:rPr i="1" lang="de"/>
+              <a:rPr lang="de" i="1"/>
               <a:t>Gohres, Kevin</a:t>
             </a:r>
             <a:endParaRPr i="1"/>
           </a:p>
           <a:p>
-            <a:pPr indent="0" lvl="0" marL="0" rtl="0" algn="l">
+            <a:pPr marL="0" lvl="0" indent="0" algn="l" rtl="0">
               <a:spcBef>
                 <a:spcPts val="0"/>
               </a:spcBef>
@@ -9073,7 +9214,7 @@
               <a:buNone/>
             </a:pPr>
             <a:r>
-              <a:rPr i="1" lang="de"/>
+              <a:rPr lang="de" i="1"/>
               <a:t>Constantin, Melanie</a:t>
             </a:r>
             <a:endParaRPr i="1"/>
@@ -9089,11 +9230,11 @@
 </file>
 
 <file path=ppt/slides/slide10.xml><?xml version="1.0" encoding="utf-8"?>
-<p:sld xmlns:a="http://schemas.openxmlformats.org/drawingml/2006/main" xmlns:r="http://schemas.openxmlformats.org/officeDocument/2006/relationships" xmlns:mc="http://schemas.openxmlformats.org/markup-compatibility/2006" xmlns:mv="urn:schemas-microsoft-com:mac:vml" xmlns:p="http://schemas.openxmlformats.org/presentationml/2006/main" xmlns:c="http://schemas.openxmlformats.org/drawingml/2006/chart" xmlns:dgm="http://schemas.openxmlformats.org/drawingml/2006/diagram" xmlns:o="urn:schemas-microsoft-com:office:office" xmlns:v="urn:schemas-microsoft-com:vml" xmlns:pvml="urn:schemas-microsoft-com:office:powerpoint" xmlns:com="http://schemas.openxmlformats.org/drawingml/2006/compatibility" xmlns:p14="http://schemas.microsoft.com/office/powerpoint/2010/main" xmlns:p15="http://schemas.microsoft.com/office/powerpoint/2012/main">
+<p:sld xmlns:a="http://schemas.openxmlformats.org/drawingml/2006/main" xmlns:r="http://schemas.openxmlformats.org/officeDocument/2006/relationships" xmlns:p="http://schemas.openxmlformats.org/presentationml/2006/main">
   <p:cSld>
     <p:spTree>
       <p:nvGrpSpPr>
-        <p:cNvPr id="160" name="Shape 160"/>
+        <p:cNvPr id="1" name="Shape 160"/>
         <p:cNvGrpSpPr/>
         <p:nvPr/>
       </p:nvGrpSpPr>
@@ -9108,7 +9249,9 @@
       <p:sp>
         <p:nvSpPr>
           <p:cNvPr id="161" name="Google Shape;161;p22"/>
-          <p:cNvSpPr txBox="1"/>
+          <p:cNvSpPr txBox="1">
+            <a:spLocks noGrp="1"/>
+          </p:cNvSpPr>
           <p:nvPr>
             <p:ph type="title"/>
           </p:nvPr>
@@ -9123,12 +9266,12 @@
           </a:prstGeom>
         </p:spPr>
         <p:txBody>
-          <a:bodyPr anchorCtr="0" anchor="t" bIns="91425" lIns="91425" spcFirstLastPara="1" rIns="91425" wrap="square" tIns="91425">
+          <a:bodyPr spcFirstLastPara="1" wrap="square" lIns="91425" tIns="91425" rIns="91425" bIns="91425" anchor="t" anchorCtr="0">
             <a:noAutofit/>
           </a:bodyPr>
           <a:lstStyle/>
           <a:p>
-            <a:pPr indent="0" lvl="0" marL="0" rtl="0" algn="l">
+            <a:pPr marL="0" lvl="0" indent="0" algn="l" rtl="0">
               <a:spcBef>
                 <a:spcPts val="0"/>
               </a:spcBef>
@@ -9165,12 +9308,12 @@
           </a:ln>
         </p:spPr>
         <p:txBody>
-          <a:bodyPr anchorCtr="0" anchor="t" bIns="91425" lIns="91425" spcFirstLastPara="1" rIns="91425" wrap="square" tIns="91425">
+          <a:bodyPr spcFirstLastPara="1" wrap="square" lIns="91425" tIns="91425" rIns="91425" bIns="91425" anchor="t" anchorCtr="0">
             <a:noAutofit/>
           </a:bodyPr>
           <a:lstStyle/>
           <a:p>
-            <a:pPr indent="0" lvl="0" marL="0" rtl="0" algn="l">
+            <a:pPr marL="0" lvl="0" indent="0" algn="l" rtl="0">
               <a:spcBef>
                 <a:spcPts val="0"/>
               </a:spcBef>
@@ -9200,9 +9343,11 @@
       <p:sp>
         <p:nvSpPr>
           <p:cNvPr id="163" name="Google Shape;163;p22"/>
-          <p:cNvSpPr txBox="1"/>
+          <p:cNvSpPr txBox="1">
+            <a:spLocks noGrp="1"/>
+          </p:cNvSpPr>
           <p:nvPr>
-            <p:ph idx="12" type="sldNum"/>
+            <p:ph type="sldNum" idx="12"/>
           </p:nvPr>
         </p:nvSpPr>
         <p:spPr>
@@ -9215,12 +9360,12 @@
           </a:prstGeom>
         </p:spPr>
         <p:txBody>
-          <a:bodyPr anchorCtr="0" anchor="ctr" bIns="91425" lIns="91425" spcFirstLastPara="1" rIns="91425" wrap="square" tIns="91425">
+          <a:bodyPr spcFirstLastPara="1" wrap="square" lIns="91425" tIns="91425" rIns="91425" bIns="91425" anchor="ctr" anchorCtr="0">
             <a:noAutofit/>
           </a:bodyPr>
           <a:lstStyle/>
           <a:p>
-            <a:pPr indent="0" lvl="0" marL="0" rtl="0" algn="r">
+            <a:pPr marL="0" lvl="0" indent="0" algn="r" rtl="0">
               <a:spcBef>
                 <a:spcPts val="0"/>
               </a:spcBef>
@@ -9231,7 +9376,7 @@
             </a:pPr>
             <a:fld id="{00000000-1234-1234-1234-123412341234}" type="slidenum">
               <a:rPr lang="de"/>
-              <a:t>‹#›</a:t>
+              <a:t>10</a:t>
             </a:fld>
             <a:endParaRPr/>
           </a:p>
@@ -9302,11 +9447,11 @@
 </file>
 
 <file path=ppt/slides/slide11.xml><?xml version="1.0" encoding="utf-8"?>
-<p:sld xmlns:a="http://schemas.openxmlformats.org/drawingml/2006/main" xmlns:r="http://schemas.openxmlformats.org/officeDocument/2006/relationships" xmlns:mc="http://schemas.openxmlformats.org/markup-compatibility/2006" xmlns:mv="urn:schemas-microsoft-com:mac:vml" xmlns:p="http://schemas.openxmlformats.org/presentationml/2006/main" xmlns:c="http://schemas.openxmlformats.org/drawingml/2006/chart" xmlns:dgm="http://schemas.openxmlformats.org/drawingml/2006/diagram" xmlns:o="urn:schemas-microsoft-com:office:office" xmlns:v="urn:schemas-microsoft-com:vml" xmlns:pvml="urn:schemas-microsoft-com:office:powerpoint" xmlns:com="http://schemas.openxmlformats.org/drawingml/2006/compatibility" xmlns:p14="http://schemas.microsoft.com/office/powerpoint/2010/main" xmlns:p15="http://schemas.microsoft.com/office/powerpoint/2012/main">
+<p:sld xmlns:a="http://schemas.openxmlformats.org/drawingml/2006/main" xmlns:r="http://schemas.openxmlformats.org/officeDocument/2006/relationships" xmlns:p="http://schemas.openxmlformats.org/presentationml/2006/main">
   <p:cSld>
     <p:spTree>
       <p:nvGrpSpPr>
-        <p:cNvPr id="169" name="Shape 169"/>
+        <p:cNvPr id="1" name="Shape 169"/>
         <p:cNvGrpSpPr/>
         <p:nvPr/>
       </p:nvGrpSpPr>
@@ -9321,7 +9466,9 @@
       <p:sp>
         <p:nvSpPr>
           <p:cNvPr id="170" name="Google Shape;170;p23"/>
-          <p:cNvSpPr txBox="1"/>
+          <p:cNvSpPr txBox="1">
+            <a:spLocks noGrp="1"/>
+          </p:cNvSpPr>
           <p:nvPr>
             <p:ph type="title"/>
           </p:nvPr>
@@ -9336,12 +9483,12 @@
           </a:prstGeom>
         </p:spPr>
         <p:txBody>
-          <a:bodyPr anchorCtr="0" anchor="t" bIns="91425" lIns="91425" spcFirstLastPara="1" rIns="91425" wrap="square" tIns="91425">
+          <a:bodyPr spcFirstLastPara="1" wrap="square" lIns="91425" tIns="91425" rIns="91425" bIns="91425" anchor="t" anchorCtr="0">
             <a:noAutofit/>
           </a:bodyPr>
           <a:lstStyle/>
           <a:p>
-            <a:pPr indent="0" lvl="0" marL="0" rtl="0" algn="l">
+            <a:pPr marL="0" lvl="0" indent="0" algn="l" rtl="0">
               <a:spcBef>
                 <a:spcPts val="0"/>
               </a:spcBef>
@@ -9378,12 +9525,12 @@
           </a:ln>
         </p:spPr>
         <p:txBody>
-          <a:bodyPr anchorCtr="0" anchor="t" bIns="91425" lIns="91425" spcFirstLastPara="1" rIns="91425" wrap="square" tIns="91425">
+          <a:bodyPr spcFirstLastPara="1" wrap="square" lIns="91425" tIns="91425" rIns="91425" bIns="91425" anchor="t" anchorCtr="0">
             <a:noAutofit/>
           </a:bodyPr>
           <a:lstStyle/>
           <a:p>
-            <a:pPr indent="0" lvl="0" marL="0" rtl="0" algn="l">
+            <a:pPr marL="0" lvl="0" indent="0" algn="l" rtl="0">
               <a:spcBef>
                 <a:spcPts val="0"/>
               </a:spcBef>
@@ -9413,9 +9560,11 @@
       <p:sp>
         <p:nvSpPr>
           <p:cNvPr id="172" name="Google Shape;172;p23"/>
-          <p:cNvSpPr txBox="1"/>
+          <p:cNvSpPr txBox="1">
+            <a:spLocks noGrp="1"/>
+          </p:cNvSpPr>
           <p:nvPr>
-            <p:ph idx="12" type="sldNum"/>
+            <p:ph type="sldNum" idx="12"/>
           </p:nvPr>
         </p:nvSpPr>
         <p:spPr>
@@ -9428,12 +9577,12 @@
           </a:prstGeom>
         </p:spPr>
         <p:txBody>
-          <a:bodyPr anchorCtr="0" anchor="ctr" bIns="91425" lIns="91425" spcFirstLastPara="1" rIns="91425" wrap="square" tIns="91425">
+          <a:bodyPr spcFirstLastPara="1" wrap="square" lIns="91425" tIns="91425" rIns="91425" bIns="91425" anchor="ctr" anchorCtr="0">
             <a:noAutofit/>
           </a:bodyPr>
           <a:lstStyle/>
           <a:p>
-            <a:pPr indent="0" lvl="0" marL="0" rtl="0" algn="r">
+            <a:pPr marL="0" lvl="0" indent="0" algn="r" rtl="0">
               <a:spcBef>
                 <a:spcPts val="0"/>
               </a:spcBef>
@@ -9444,7 +9593,7 @@
             </a:pPr>
             <a:fld id="{00000000-1234-1234-1234-123412341234}" type="slidenum">
               <a:rPr lang="de"/>
-              <a:t>‹#›</a:t>
+              <a:t>11</a:t>
             </a:fld>
             <a:endParaRPr/>
           </a:p>
@@ -9515,11 +9664,11 @@
 </file>
 
 <file path=ppt/slides/slide12.xml><?xml version="1.0" encoding="utf-8"?>
-<p:sld xmlns:a="http://schemas.openxmlformats.org/drawingml/2006/main" xmlns:r="http://schemas.openxmlformats.org/officeDocument/2006/relationships" xmlns:mc="http://schemas.openxmlformats.org/markup-compatibility/2006" xmlns:mv="urn:schemas-microsoft-com:mac:vml" xmlns:p="http://schemas.openxmlformats.org/presentationml/2006/main" xmlns:c="http://schemas.openxmlformats.org/drawingml/2006/chart" xmlns:dgm="http://schemas.openxmlformats.org/drawingml/2006/diagram" xmlns:o="urn:schemas-microsoft-com:office:office" xmlns:v="urn:schemas-microsoft-com:vml" xmlns:pvml="urn:schemas-microsoft-com:office:powerpoint" xmlns:com="http://schemas.openxmlformats.org/drawingml/2006/compatibility" xmlns:p14="http://schemas.microsoft.com/office/powerpoint/2010/main" xmlns:p15="http://schemas.microsoft.com/office/powerpoint/2012/main">
+<p:sld xmlns:a="http://schemas.openxmlformats.org/drawingml/2006/main" xmlns:r="http://schemas.openxmlformats.org/officeDocument/2006/relationships" xmlns:p="http://schemas.openxmlformats.org/presentationml/2006/main">
   <p:cSld>
     <p:spTree>
       <p:nvGrpSpPr>
-        <p:cNvPr id="178" name="Shape 178"/>
+        <p:cNvPr id="1" name="Shape 178"/>
         <p:cNvGrpSpPr/>
         <p:nvPr/>
       </p:nvGrpSpPr>
@@ -9534,7 +9683,9 @@
       <p:sp>
         <p:nvSpPr>
           <p:cNvPr id="179" name="Google Shape;179;p24"/>
-          <p:cNvSpPr txBox="1"/>
+          <p:cNvSpPr txBox="1">
+            <a:spLocks noGrp="1"/>
+          </p:cNvSpPr>
           <p:nvPr>
             <p:ph type="title"/>
           </p:nvPr>
@@ -9549,12 +9700,12 @@
           </a:prstGeom>
         </p:spPr>
         <p:txBody>
-          <a:bodyPr anchorCtr="0" anchor="t" bIns="91425" lIns="91425" spcFirstLastPara="1" rIns="91425" wrap="square" tIns="91425">
+          <a:bodyPr spcFirstLastPara="1" wrap="square" lIns="91425" tIns="91425" rIns="91425" bIns="91425" anchor="t" anchorCtr="0">
             <a:noAutofit/>
           </a:bodyPr>
           <a:lstStyle/>
           <a:p>
-            <a:pPr indent="0" lvl="0" marL="0" rtl="0" algn="l">
+            <a:pPr marL="0" lvl="0" indent="0" algn="l" rtl="0">
               <a:spcBef>
                 <a:spcPts val="0"/>
               </a:spcBef>
@@ -9591,12 +9742,12 @@
           </a:ln>
         </p:spPr>
         <p:txBody>
-          <a:bodyPr anchorCtr="0" anchor="t" bIns="91425" lIns="91425" spcFirstLastPara="1" rIns="91425" wrap="square" tIns="91425">
+          <a:bodyPr spcFirstLastPara="1" wrap="square" lIns="91425" tIns="91425" rIns="91425" bIns="91425" anchor="t" anchorCtr="0">
             <a:noAutofit/>
           </a:bodyPr>
           <a:lstStyle/>
           <a:p>
-            <a:pPr indent="0" lvl="0" marL="0" rtl="0" algn="l">
+            <a:pPr marL="0" lvl="0" indent="0" algn="l" rtl="0">
               <a:spcBef>
                 <a:spcPts val="0"/>
               </a:spcBef>
@@ -9626,9 +9777,11 @@
       <p:sp>
         <p:nvSpPr>
           <p:cNvPr id="181" name="Google Shape;181;p24"/>
-          <p:cNvSpPr txBox="1"/>
+          <p:cNvSpPr txBox="1">
+            <a:spLocks noGrp="1"/>
+          </p:cNvSpPr>
           <p:nvPr>
-            <p:ph idx="12" type="sldNum"/>
+            <p:ph type="sldNum" idx="12"/>
           </p:nvPr>
         </p:nvSpPr>
         <p:spPr>
@@ -9641,12 +9794,12 @@
           </a:prstGeom>
         </p:spPr>
         <p:txBody>
-          <a:bodyPr anchorCtr="0" anchor="ctr" bIns="91425" lIns="91425" spcFirstLastPara="1" rIns="91425" wrap="square" tIns="91425">
+          <a:bodyPr spcFirstLastPara="1" wrap="square" lIns="91425" tIns="91425" rIns="91425" bIns="91425" anchor="ctr" anchorCtr="0">
             <a:noAutofit/>
           </a:bodyPr>
           <a:lstStyle/>
           <a:p>
-            <a:pPr indent="0" lvl="0" marL="0" rtl="0" algn="r">
+            <a:pPr marL="0" lvl="0" indent="0" algn="r" rtl="0">
               <a:spcBef>
                 <a:spcPts val="0"/>
               </a:spcBef>
@@ -9657,7 +9810,7 @@
             </a:pPr>
             <a:fld id="{00000000-1234-1234-1234-123412341234}" type="slidenum">
               <a:rPr lang="de"/>
-              <a:t>‹#›</a:t>
+              <a:t>12</a:t>
             </a:fld>
             <a:endParaRPr/>
           </a:p>
@@ -9700,11 +9853,11 @@
 </file>
 
 <file path=ppt/slides/slide13.xml><?xml version="1.0" encoding="utf-8"?>
-<p:sld xmlns:a="http://schemas.openxmlformats.org/drawingml/2006/main" xmlns:r="http://schemas.openxmlformats.org/officeDocument/2006/relationships" xmlns:mc="http://schemas.openxmlformats.org/markup-compatibility/2006" xmlns:mv="urn:schemas-microsoft-com:mac:vml" xmlns:p="http://schemas.openxmlformats.org/presentationml/2006/main" xmlns:c="http://schemas.openxmlformats.org/drawingml/2006/chart" xmlns:dgm="http://schemas.openxmlformats.org/drawingml/2006/diagram" xmlns:o="urn:schemas-microsoft-com:office:office" xmlns:v="urn:schemas-microsoft-com:vml" xmlns:pvml="urn:schemas-microsoft-com:office:powerpoint" xmlns:com="http://schemas.openxmlformats.org/drawingml/2006/compatibility" xmlns:p14="http://schemas.microsoft.com/office/powerpoint/2010/main" xmlns:p15="http://schemas.microsoft.com/office/powerpoint/2012/main">
+<p:sld xmlns:a="http://schemas.openxmlformats.org/drawingml/2006/main" xmlns:r="http://schemas.openxmlformats.org/officeDocument/2006/relationships" xmlns:p="http://schemas.openxmlformats.org/presentationml/2006/main">
   <p:cSld>
     <p:spTree>
       <p:nvGrpSpPr>
-        <p:cNvPr id="186" name="Shape 186"/>
+        <p:cNvPr id="1" name="Shape 186"/>
         <p:cNvGrpSpPr/>
         <p:nvPr/>
       </p:nvGrpSpPr>
@@ -9719,7 +9872,9 @@
       <p:sp>
         <p:nvSpPr>
           <p:cNvPr id="187" name="Google Shape;187;p25"/>
-          <p:cNvSpPr txBox="1"/>
+          <p:cNvSpPr txBox="1">
+            <a:spLocks noGrp="1"/>
+          </p:cNvSpPr>
           <p:nvPr>
             <p:ph type="title"/>
           </p:nvPr>
@@ -9734,12 +9889,12 @@
           </a:prstGeom>
         </p:spPr>
         <p:txBody>
-          <a:bodyPr anchorCtr="0" anchor="t" bIns="91425" lIns="91425" spcFirstLastPara="1" rIns="91425" wrap="square" tIns="91425">
+          <a:bodyPr spcFirstLastPara="1" wrap="square" lIns="91425" tIns="91425" rIns="91425" bIns="91425" anchor="t" anchorCtr="0">
             <a:noAutofit/>
           </a:bodyPr>
           <a:lstStyle/>
           <a:p>
-            <a:pPr indent="0" lvl="0" marL="0" rtl="0" algn="l">
+            <a:pPr marL="0" lvl="0" indent="0" algn="l" rtl="0">
               <a:spcBef>
                 <a:spcPts val="0"/>
               </a:spcBef>
@@ -9776,12 +9931,12 @@
           </a:ln>
         </p:spPr>
         <p:txBody>
-          <a:bodyPr anchorCtr="0" anchor="t" bIns="91425" lIns="91425" spcFirstLastPara="1" rIns="91425" wrap="square" tIns="91425">
+          <a:bodyPr spcFirstLastPara="1" wrap="square" lIns="91425" tIns="91425" rIns="91425" bIns="91425" anchor="t" anchorCtr="0">
             <a:noAutofit/>
           </a:bodyPr>
           <a:lstStyle/>
           <a:p>
-            <a:pPr indent="0" lvl="0" marL="0" rtl="0" algn="l">
+            <a:pPr marL="0" lvl="0" indent="0" algn="l" rtl="0">
               <a:spcBef>
                 <a:spcPts val="0"/>
               </a:spcBef>
@@ -9811,9 +9966,11 @@
       <p:sp>
         <p:nvSpPr>
           <p:cNvPr id="189" name="Google Shape;189;p25"/>
-          <p:cNvSpPr txBox="1"/>
+          <p:cNvSpPr txBox="1">
+            <a:spLocks noGrp="1"/>
+          </p:cNvSpPr>
           <p:nvPr>
-            <p:ph idx="12" type="sldNum"/>
+            <p:ph type="sldNum" idx="12"/>
           </p:nvPr>
         </p:nvSpPr>
         <p:spPr>
@@ -9826,12 +9983,12 @@
           </a:prstGeom>
         </p:spPr>
         <p:txBody>
-          <a:bodyPr anchorCtr="0" anchor="ctr" bIns="91425" lIns="91425" spcFirstLastPara="1" rIns="91425" wrap="square" tIns="91425">
+          <a:bodyPr spcFirstLastPara="1" wrap="square" lIns="91425" tIns="91425" rIns="91425" bIns="91425" anchor="ctr" anchorCtr="0">
             <a:noAutofit/>
           </a:bodyPr>
           <a:lstStyle/>
           <a:p>
-            <a:pPr indent="0" lvl="0" marL="0" rtl="0" algn="r">
+            <a:pPr marL="0" lvl="0" indent="0" algn="r" rtl="0">
               <a:spcBef>
                 <a:spcPts val="0"/>
               </a:spcBef>
@@ -9842,7 +9999,7 @@
             </a:pPr>
             <a:fld id="{00000000-1234-1234-1234-123412341234}" type="slidenum">
               <a:rPr lang="de"/>
-              <a:t>‹#›</a:t>
+              <a:t>13</a:t>
             </a:fld>
             <a:endParaRPr/>
           </a:p>
@@ -9885,11 +10042,11 @@
 </file>
 
 <file path=ppt/slides/slide14.xml><?xml version="1.0" encoding="utf-8"?>
-<p:sld xmlns:a="http://schemas.openxmlformats.org/drawingml/2006/main" xmlns:r="http://schemas.openxmlformats.org/officeDocument/2006/relationships" xmlns:mc="http://schemas.openxmlformats.org/markup-compatibility/2006" xmlns:mv="urn:schemas-microsoft-com:mac:vml" xmlns:p="http://schemas.openxmlformats.org/presentationml/2006/main" xmlns:c="http://schemas.openxmlformats.org/drawingml/2006/chart" xmlns:dgm="http://schemas.openxmlformats.org/drawingml/2006/diagram" xmlns:o="urn:schemas-microsoft-com:office:office" xmlns:v="urn:schemas-microsoft-com:vml" xmlns:pvml="urn:schemas-microsoft-com:office:powerpoint" xmlns:com="http://schemas.openxmlformats.org/drawingml/2006/compatibility" xmlns:p14="http://schemas.microsoft.com/office/powerpoint/2010/main" xmlns:p15="http://schemas.microsoft.com/office/powerpoint/2012/main">
+<p:sld xmlns:a="http://schemas.openxmlformats.org/drawingml/2006/main" xmlns:r="http://schemas.openxmlformats.org/officeDocument/2006/relationships" xmlns:p="http://schemas.openxmlformats.org/presentationml/2006/main">
   <p:cSld>
     <p:spTree>
       <p:nvGrpSpPr>
-        <p:cNvPr id="194" name="Shape 194"/>
+        <p:cNvPr id="1" name="Shape 194"/>
         <p:cNvGrpSpPr/>
         <p:nvPr/>
       </p:nvGrpSpPr>
@@ -9904,7 +10061,9 @@
       <p:sp>
         <p:nvSpPr>
           <p:cNvPr id="195" name="Google Shape;195;p26"/>
-          <p:cNvSpPr txBox="1"/>
+          <p:cNvSpPr txBox="1">
+            <a:spLocks noGrp="1"/>
+          </p:cNvSpPr>
           <p:nvPr>
             <p:ph type="title"/>
           </p:nvPr>
@@ -9919,12 +10078,12 @@
           </a:prstGeom>
         </p:spPr>
         <p:txBody>
-          <a:bodyPr anchorCtr="0" anchor="t" bIns="91425" lIns="91425" spcFirstLastPara="1" rIns="91425" wrap="square" tIns="91425">
+          <a:bodyPr spcFirstLastPara="1" wrap="square" lIns="91425" tIns="91425" rIns="91425" bIns="91425" anchor="t" anchorCtr="0">
             <a:noAutofit/>
           </a:bodyPr>
           <a:lstStyle/>
           <a:p>
-            <a:pPr indent="0" lvl="0" marL="0" rtl="0" algn="l">
+            <a:pPr marL="0" lvl="0" indent="0" algn="l" rtl="0">
               <a:spcBef>
                 <a:spcPts val="0"/>
               </a:spcBef>
@@ -9961,12 +10120,12 @@
           </a:ln>
         </p:spPr>
         <p:txBody>
-          <a:bodyPr anchorCtr="0" anchor="t" bIns="91425" lIns="91425" spcFirstLastPara="1" rIns="91425" wrap="square" tIns="91425">
+          <a:bodyPr spcFirstLastPara="1" wrap="square" lIns="91425" tIns="91425" rIns="91425" bIns="91425" anchor="t" anchorCtr="0">
             <a:noAutofit/>
           </a:bodyPr>
           <a:lstStyle/>
           <a:p>
-            <a:pPr indent="0" lvl="0" marL="0" rtl="0" algn="l">
+            <a:pPr marL="0" lvl="0" indent="0" algn="l" rtl="0">
               <a:spcBef>
                 <a:spcPts val="0"/>
               </a:spcBef>
@@ -9996,9 +10155,11 @@
       <p:sp>
         <p:nvSpPr>
           <p:cNvPr id="197" name="Google Shape;197;p26"/>
-          <p:cNvSpPr txBox="1"/>
+          <p:cNvSpPr txBox="1">
+            <a:spLocks noGrp="1"/>
+          </p:cNvSpPr>
           <p:nvPr>
-            <p:ph idx="12" type="sldNum"/>
+            <p:ph type="sldNum" idx="12"/>
           </p:nvPr>
         </p:nvSpPr>
         <p:spPr>
@@ -10011,12 +10172,12 @@
           </a:prstGeom>
         </p:spPr>
         <p:txBody>
-          <a:bodyPr anchorCtr="0" anchor="ctr" bIns="91425" lIns="91425" spcFirstLastPara="1" rIns="91425" wrap="square" tIns="91425">
+          <a:bodyPr spcFirstLastPara="1" wrap="square" lIns="91425" tIns="91425" rIns="91425" bIns="91425" anchor="ctr" anchorCtr="0">
             <a:noAutofit/>
           </a:bodyPr>
           <a:lstStyle/>
           <a:p>
-            <a:pPr indent="0" lvl="0" marL="0" rtl="0" algn="r">
+            <a:pPr marL="0" lvl="0" indent="0" algn="r" rtl="0">
               <a:spcBef>
                 <a:spcPts val="0"/>
               </a:spcBef>
@@ -10027,7 +10188,7 @@
             </a:pPr>
             <a:fld id="{00000000-1234-1234-1234-123412341234}" type="slidenum">
               <a:rPr lang="de"/>
-              <a:t>‹#›</a:t>
+              <a:t>14</a:t>
             </a:fld>
             <a:endParaRPr/>
           </a:p>
@@ -10070,11 +10231,11 @@
 </file>
 
 <file path=ppt/slides/slide15.xml><?xml version="1.0" encoding="utf-8"?>
-<p:sld xmlns:a="http://schemas.openxmlformats.org/drawingml/2006/main" xmlns:r="http://schemas.openxmlformats.org/officeDocument/2006/relationships" xmlns:mc="http://schemas.openxmlformats.org/markup-compatibility/2006" xmlns:mv="urn:schemas-microsoft-com:mac:vml" xmlns:p="http://schemas.openxmlformats.org/presentationml/2006/main" xmlns:c="http://schemas.openxmlformats.org/drawingml/2006/chart" xmlns:dgm="http://schemas.openxmlformats.org/drawingml/2006/diagram" xmlns:o="urn:schemas-microsoft-com:office:office" xmlns:v="urn:schemas-microsoft-com:vml" xmlns:pvml="urn:schemas-microsoft-com:office:powerpoint" xmlns:com="http://schemas.openxmlformats.org/drawingml/2006/compatibility" xmlns:p14="http://schemas.microsoft.com/office/powerpoint/2010/main" xmlns:p15="http://schemas.microsoft.com/office/powerpoint/2012/main">
+<p:sld xmlns:a="http://schemas.openxmlformats.org/drawingml/2006/main" xmlns:r="http://schemas.openxmlformats.org/officeDocument/2006/relationships" xmlns:p="http://schemas.openxmlformats.org/presentationml/2006/main">
   <p:cSld>
     <p:spTree>
       <p:nvGrpSpPr>
-        <p:cNvPr id="202" name="Shape 202"/>
+        <p:cNvPr id="1" name="Shape 202"/>
         <p:cNvGrpSpPr/>
         <p:nvPr/>
       </p:nvGrpSpPr>
@@ -10089,7 +10250,9 @@
       <p:sp>
         <p:nvSpPr>
           <p:cNvPr id="203" name="Google Shape;203;p27"/>
-          <p:cNvSpPr txBox="1"/>
+          <p:cNvSpPr txBox="1">
+            <a:spLocks noGrp="1"/>
+          </p:cNvSpPr>
           <p:nvPr>
             <p:ph type="title"/>
           </p:nvPr>
@@ -10104,12 +10267,12 @@
           </a:prstGeom>
         </p:spPr>
         <p:txBody>
-          <a:bodyPr anchorCtr="0" anchor="t" bIns="91425" lIns="91425" spcFirstLastPara="1" rIns="91425" wrap="square" tIns="91425">
+          <a:bodyPr spcFirstLastPara="1" wrap="square" lIns="91425" tIns="91425" rIns="91425" bIns="91425" anchor="t" anchorCtr="0">
             <a:noAutofit/>
           </a:bodyPr>
           <a:lstStyle/>
           <a:p>
-            <a:pPr indent="0" lvl="0" marL="0" rtl="0" algn="l">
+            <a:pPr marL="0" lvl="0" indent="0" algn="l" rtl="0">
               <a:spcBef>
                 <a:spcPts val="0"/>
               </a:spcBef>
@@ -10146,12 +10309,12 @@
           </a:ln>
         </p:spPr>
         <p:txBody>
-          <a:bodyPr anchorCtr="0" anchor="t" bIns="91425" lIns="91425" spcFirstLastPara="1" rIns="91425" wrap="square" tIns="91425">
+          <a:bodyPr spcFirstLastPara="1" wrap="square" lIns="91425" tIns="91425" rIns="91425" bIns="91425" anchor="t" anchorCtr="0">
             <a:noAutofit/>
           </a:bodyPr>
           <a:lstStyle/>
           <a:p>
-            <a:pPr indent="0" lvl="0" marL="0" rtl="0" algn="l">
+            <a:pPr marL="0" lvl="0" indent="0" algn="l" rtl="0">
               <a:spcBef>
                 <a:spcPts val="0"/>
               </a:spcBef>
@@ -10181,9 +10344,11 @@
       <p:sp>
         <p:nvSpPr>
           <p:cNvPr id="205" name="Google Shape;205;p27"/>
-          <p:cNvSpPr txBox="1"/>
+          <p:cNvSpPr txBox="1">
+            <a:spLocks noGrp="1"/>
+          </p:cNvSpPr>
           <p:nvPr>
-            <p:ph idx="12" type="sldNum"/>
+            <p:ph type="sldNum" idx="12"/>
           </p:nvPr>
         </p:nvSpPr>
         <p:spPr>
@@ -10196,12 +10361,12 @@
           </a:prstGeom>
         </p:spPr>
         <p:txBody>
-          <a:bodyPr anchorCtr="0" anchor="ctr" bIns="91425" lIns="91425" spcFirstLastPara="1" rIns="91425" wrap="square" tIns="91425">
+          <a:bodyPr spcFirstLastPara="1" wrap="square" lIns="91425" tIns="91425" rIns="91425" bIns="91425" anchor="ctr" anchorCtr="0">
             <a:noAutofit/>
           </a:bodyPr>
           <a:lstStyle/>
           <a:p>
-            <a:pPr indent="0" lvl="0" marL="0" rtl="0" algn="r">
+            <a:pPr marL="0" lvl="0" indent="0" algn="r" rtl="0">
               <a:spcBef>
                 <a:spcPts val="0"/>
               </a:spcBef>
@@ -10212,7 +10377,7 @@
             </a:pPr>
             <a:fld id="{00000000-1234-1234-1234-123412341234}" type="slidenum">
               <a:rPr lang="de"/>
-              <a:t>‹#›</a:t>
+              <a:t>15</a:t>
             </a:fld>
             <a:endParaRPr/>
           </a:p>
@@ -10255,11 +10420,11 @@
 </file>
 
 <file path=ppt/slides/slide16.xml><?xml version="1.0" encoding="utf-8"?>
-<p:sld xmlns:a="http://schemas.openxmlformats.org/drawingml/2006/main" xmlns:r="http://schemas.openxmlformats.org/officeDocument/2006/relationships" xmlns:mc="http://schemas.openxmlformats.org/markup-compatibility/2006" xmlns:mv="urn:schemas-microsoft-com:mac:vml" xmlns:p="http://schemas.openxmlformats.org/presentationml/2006/main" xmlns:c="http://schemas.openxmlformats.org/drawingml/2006/chart" xmlns:dgm="http://schemas.openxmlformats.org/drawingml/2006/diagram" xmlns:o="urn:schemas-microsoft-com:office:office" xmlns:v="urn:schemas-microsoft-com:vml" xmlns:pvml="urn:schemas-microsoft-com:office:powerpoint" xmlns:com="http://schemas.openxmlformats.org/drawingml/2006/compatibility" xmlns:p14="http://schemas.microsoft.com/office/powerpoint/2010/main" xmlns:p15="http://schemas.microsoft.com/office/powerpoint/2012/main">
+<p:sld xmlns:a="http://schemas.openxmlformats.org/drawingml/2006/main" xmlns:r="http://schemas.openxmlformats.org/officeDocument/2006/relationships" xmlns:p="http://schemas.openxmlformats.org/presentationml/2006/main">
   <p:cSld>
     <p:spTree>
       <p:nvGrpSpPr>
-        <p:cNvPr id="210" name="Shape 210"/>
+        <p:cNvPr id="1" name="Shape 210"/>
         <p:cNvGrpSpPr/>
         <p:nvPr/>
       </p:nvGrpSpPr>
@@ -10274,7 +10439,9 @@
       <p:sp>
         <p:nvSpPr>
           <p:cNvPr id="211" name="Google Shape;211;p28"/>
-          <p:cNvSpPr txBox="1"/>
+          <p:cNvSpPr txBox="1">
+            <a:spLocks noGrp="1"/>
+          </p:cNvSpPr>
           <p:nvPr>
             <p:ph type="title"/>
           </p:nvPr>
@@ -10289,12 +10456,12 @@
           </a:prstGeom>
         </p:spPr>
         <p:txBody>
-          <a:bodyPr anchorCtr="0" anchor="t" bIns="91425" lIns="91425" spcFirstLastPara="1" rIns="91425" wrap="square" tIns="91425">
+          <a:bodyPr spcFirstLastPara="1" wrap="square" lIns="91425" tIns="91425" rIns="91425" bIns="91425" anchor="t" anchorCtr="0">
             <a:noAutofit/>
           </a:bodyPr>
           <a:lstStyle/>
           <a:p>
-            <a:pPr indent="0" lvl="0" marL="0" rtl="0" algn="l">
+            <a:pPr marL="0" lvl="0" indent="0" algn="l" rtl="0">
               <a:spcBef>
                 <a:spcPts val="0"/>
               </a:spcBef>
@@ -10314,9 +10481,11 @@
       <p:sp>
         <p:nvSpPr>
           <p:cNvPr id="212" name="Google Shape;212;p28"/>
-          <p:cNvSpPr txBox="1"/>
+          <p:cNvSpPr txBox="1">
+            <a:spLocks noGrp="1"/>
+          </p:cNvSpPr>
           <p:nvPr>
-            <p:ph idx="1" type="body"/>
+            <p:ph type="body" idx="1"/>
           </p:nvPr>
         </p:nvSpPr>
         <p:spPr>
@@ -10329,12 +10498,12 @@
           </a:prstGeom>
         </p:spPr>
         <p:txBody>
-          <a:bodyPr anchorCtr="0" anchor="t" bIns="91425" lIns="91425" spcFirstLastPara="1" rIns="91425" wrap="square" tIns="91425">
+          <a:bodyPr spcFirstLastPara="1" wrap="square" lIns="91425" tIns="91425" rIns="91425" bIns="91425" anchor="t" anchorCtr="0">
             <a:noAutofit/>
           </a:bodyPr>
           <a:lstStyle/>
           <a:p>
-            <a:pPr indent="0" lvl="0" marL="0" rtl="0" algn="l">
+            <a:pPr marL="0" lvl="0" indent="0" algn="l" rtl="0">
               <a:spcBef>
                 <a:spcPts val="0"/>
               </a:spcBef>
@@ -10343,9 +10512,6 @@
               </a:spcAft>
               <a:buNone/>
             </a:pPr>
-            <a:r>
-              <a:t/>
-            </a:r>
             <a:endParaRPr/>
           </a:p>
         </p:txBody>
@@ -10353,9 +10519,11 @@
       <p:sp>
         <p:nvSpPr>
           <p:cNvPr id="213" name="Google Shape;213;p28"/>
-          <p:cNvSpPr txBox="1"/>
+          <p:cNvSpPr txBox="1">
+            <a:spLocks noGrp="1"/>
+          </p:cNvSpPr>
           <p:nvPr>
-            <p:ph idx="12" type="sldNum"/>
+            <p:ph type="sldNum" idx="12"/>
           </p:nvPr>
         </p:nvSpPr>
         <p:spPr>
@@ -10368,12 +10536,12 @@
           </a:prstGeom>
         </p:spPr>
         <p:txBody>
-          <a:bodyPr anchorCtr="0" anchor="ctr" bIns="91425" lIns="91425" spcFirstLastPara="1" rIns="91425" wrap="square" tIns="91425">
+          <a:bodyPr spcFirstLastPara="1" wrap="square" lIns="91425" tIns="91425" rIns="91425" bIns="91425" anchor="ctr" anchorCtr="0">
             <a:noAutofit/>
           </a:bodyPr>
           <a:lstStyle/>
           <a:p>
-            <a:pPr indent="0" lvl="0" marL="0" rtl="0" algn="r">
+            <a:pPr marL="0" lvl="0" indent="0" algn="r" rtl="0">
               <a:spcBef>
                 <a:spcPts val="0"/>
               </a:spcBef>
@@ -10384,7 +10552,7 @@
             </a:pPr>
             <a:fld id="{00000000-1234-1234-1234-123412341234}" type="slidenum">
               <a:rPr lang="de"/>
-              <a:t>‹#›</a:t>
+              <a:t>16</a:t>
             </a:fld>
             <a:endParaRPr/>
           </a:p>
@@ -10399,11 +10567,11 @@
 </file>
 
 <file path=ppt/slides/slide2.xml><?xml version="1.0" encoding="utf-8"?>
-<p:sld xmlns:a="http://schemas.openxmlformats.org/drawingml/2006/main" xmlns:r="http://schemas.openxmlformats.org/officeDocument/2006/relationships" xmlns:mc="http://schemas.openxmlformats.org/markup-compatibility/2006" xmlns:mv="urn:schemas-microsoft-com:mac:vml" xmlns:p="http://schemas.openxmlformats.org/presentationml/2006/main" xmlns:c="http://schemas.openxmlformats.org/drawingml/2006/chart" xmlns:dgm="http://schemas.openxmlformats.org/drawingml/2006/diagram" xmlns:o="urn:schemas-microsoft-com:office:office" xmlns:v="urn:schemas-microsoft-com:vml" xmlns:pvml="urn:schemas-microsoft-com:office:powerpoint" xmlns:com="http://schemas.openxmlformats.org/drawingml/2006/compatibility" xmlns:p14="http://schemas.microsoft.com/office/powerpoint/2010/main" xmlns:p15="http://schemas.microsoft.com/office/powerpoint/2012/main">
+<p:sld xmlns:a="http://schemas.openxmlformats.org/drawingml/2006/main" xmlns:r="http://schemas.openxmlformats.org/officeDocument/2006/relationships" xmlns:p="http://schemas.openxmlformats.org/presentationml/2006/main">
   <p:cSld>
     <p:spTree>
       <p:nvGrpSpPr>
-        <p:cNvPr id="91" name="Shape 91"/>
+        <p:cNvPr id="1" name="Shape 91"/>
         <p:cNvGrpSpPr/>
         <p:nvPr/>
       </p:nvGrpSpPr>
@@ -10418,7 +10586,9 @@
       <p:sp>
         <p:nvSpPr>
           <p:cNvPr id="92" name="Google Shape;92;p14"/>
-          <p:cNvSpPr txBox="1"/>
+          <p:cNvSpPr txBox="1">
+            <a:spLocks noGrp="1"/>
+          </p:cNvSpPr>
           <p:nvPr>
             <p:ph type="title"/>
           </p:nvPr>
@@ -10433,12 +10603,12 @@
           </a:prstGeom>
         </p:spPr>
         <p:txBody>
-          <a:bodyPr anchorCtr="0" anchor="t" bIns="91425" lIns="91425" spcFirstLastPara="1" rIns="91425" wrap="square" tIns="91425">
+          <a:bodyPr spcFirstLastPara="1" wrap="square" lIns="91425" tIns="91425" rIns="91425" bIns="91425" anchor="t" anchorCtr="0">
             <a:noAutofit/>
           </a:bodyPr>
           <a:lstStyle/>
           <a:p>
-            <a:pPr indent="0" lvl="0" marL="0" rtl="0" algn="l">
+            <a:pPr marL="0" lvl="0" indent="0" algn="l" rtl="0">
               <a:spcBef>
                 <a:spcPts val="0"/>
               </a:spcBef>
@@ -10458,9 +10628,11 @@
       <p:sp>
         <p:nvSpPr>
           <p:cNvPr id="93" name="Google Shape;93;p14"/>
-          <p:cNvSpPr txBox="1"/>
+          <p:cNvSpPr txBox="1">
+            <a:spLocks noGrp="1"/>
+          </p:cNvSpPr>
           <p:nvPr>
-            <p:ph idx="12" type="sldNum"/>
+            <p:ph type="sldNum" idx="12"/>
           </p:nvPr>
         </p:nvSpPr>
         <p:spPr>
@@ -10473,12 +10645,12 @@
           </a:prstGeom>
         </p:spPr>
         <p:txBody>
-          <a:bodyPr anchorCtr="0" anchor="ctr" bIns="91425" lIns="91425" spcFirstLastPara="1" rIns="91425" wrap="square" tIns="91425">
+          <a:bodyPr spcFirstLastPara="1" wrap="square" lIns="91425" tIns="91425" rIns="91425" bIns="91425" anchor="ctr" anchorCtr="0">
             <a:noAutofit/>
           </a:bodyPr>
           <a:lstStyle/>
           <a:p>
-            <a:pPr indent="0" lvl="0" marL="0" rtl="0" algn="r">
+            <a:pPr marL="0" lvl="0" indent="0" algn="r" rtl="0">
               <a:spcBef>
                 <a:spcPts val="0"/>
               </a:spcBef>
@@ -10489,7 +10661,7 @@
             </a:pPr>
             <a:fld id="{00000000-1234-1234-1234-123412341234}" type="slidenum">
               <a:rPr lang="de"/>
-              <a:t>‹#›</a:t>
+              <a:t>2</a:t>
             </a:fld>
             <a:endParaRPr/>
           </a:p>
@@ -10503,7 +10675,7 @@
         </p:nvGraphicFramePr>
         <p:xfrm>
           <a:off x="1026650" y="2052825"/>
-          <a:ext cx="3000000" cy="3000000"/>
+          <a:ext cx="7094275" cy="2797875"/>
         </p:xfrm>
         <a:graphic>
           <a:graphicData uri="http://schemas.openxmlformats.org/drawingml/2006/table">
@@ -10513,8 +10685,20 @@
                 <a:tableStyleId>{E8570255-534A-4CBB-9AF9-B8E9EF91A822}</a:tableStyleId>
               </a:tblPr>
               <a:tblGrid>
-                <a:gridCol w="1891675"/>
-                <a:gridCol w="5202600"/>
+                <a:gridCol w="1891675">
+                  <a:extLst>
+                    <a:ext uri="{9D8B030D-6E8A-4147-A177-3AD203B41FA5}">
+                      <a16:colId xmlns:a16="http://schemas.microsoft.com/office/drawing/2014/main" val="20000"/>
+                    </a:ext>
+                  </a:extLst>
+                </a:gridCol>
+                <a:gridCol w="5202600">
+                  <a:extLst>
+                    <a:ext uri="{9D8B030D-6E8A-4147-A177-3AD203B41FA5}">
+                      <a16:colId xmlns:a16="http://schemas.microsoft.com/office/drawing/2014/main" val="20001"/>
+                    </a:ext>
+                  </a:extLst>
+                </a:gridCol>
               </a:tblGrid>
               <a:tr h="254350">
                 <a:tc>
@@ -10522,7 +10706,7 @@
                     <a:bodyPr/>
                     <a:lstStyle/>
                     <a:p>
-                      <a:pPr indent="0" lvl="0" marL="0" rtl="0" algn="l">
+                      <a:pPr marL="0" lvl="0" indent="0" algn="l" rtl="0">
                         <a:spcBef>
                           <a:spcPts val="0"/>
                         </a:spcBef>
@@ -10532,7 +10716,7 @@
                         <a:buNone/>
                       </a:pPr>
                       <a:r>
-                        <a:rPr b="1" lang="de">
+                        <a:rPr lang="de" b="1">
                           <a:latin typeface="Calibri"/>
                           <a:ea typeface="Calibri"/>
                           <a:cs typeface="Calibri"/>
@@ -10548,7 +10732,7 @@
                       </a:endParaRPr>
                     </a:p>
                   </a:txBody>
-                  <a:tcPr marT="0" marB="0" marR="73025" marL="73025">
+                  <a:tcPr marL="73025" marR="73025" marT="0" marB="0">
                     <a:solidFill>
                       <a:srgbClr val="BFBFBF"/>
                     </a:solidFill>
@@ -10559,7 +10743,7 @@
                     <a:bodyPr/>
                     <a:lstStyle/>
                     <a:p>
-                      <a:pPr indent="0" lvl="0" marL="0" rtl="0" algn="l">
+                      <a:pPr marL="0" lvl="0" indent="0" algn="l" rtl="0">
                         <a:spcBef>
                           <a:spcPts val="0"/>
                         </a:spcBef>
@@ -10585,8 +10769,13 @@
                       </a:endParaRPr>
                     </a:p>
                   </a:txBody>
-                  <a:tcPr marT="0" marB="0" marR="73025" marL="73025"/>
+                  <a:tcPr marL="73025" marR="73025" marT="0" marB="0"/>
                 </a:tc>
+                <a:extLst>
+                  <a:ext uri="{0D108BD9-81ED-4DB2-BD59-A6C34878D82A}">
+                    <a16:rowId xmlns:a16="http://schemas.microsoft.com/office/drawing/2014/main" val="10000"/>
+                  </a:ext>
+                </a:extLst>
               </a:tr>
               <a:tr h="1017425">
                 <a:tc>
@@ -10594,7 +10783,7 @@
                     <a:bodyPr/>
                     <a:lstStyle/>
                     <a:p>
-                      <a:pPr indent="0" lvl="0" marL="0" rtl="0" algn="l">
+                      <a:pPr marL="0" lvl="0" indent="0" algn="l" rtl="0">
                         <a:spcBef>
                           <a:spcPts val="0"/>
                         </a:spcBef>
@@ -10604,7 +10793,7 @@
                         <a:buNone/>
                       </a:pPr>
                       <a:r>
-                        <a:rPr b="1" lang="de">
+                        <a:rPr lang="de" b="1">
                           <a:latin typeface="Calibri"/>
                           <a:ea typeface="Calibri"/>
                           <a:cs typeface="Calibri"/>
@@ -10620,7 +10809,7 @@
                       </a:endParaRPr>
                     </a:p>
                   </a:txBody>
-                  <a:tcPr marT="0" marB="0" marR="73025" marL="73025">
+                  <a:tcPr marL="73025" marR="73025" marT="0" marB="0">
                     <a:solidFill>
                       <a:srgbClr val="BFBFBF"/>
                     </a:solidFill>
@@ -10631,7 +10820,7 @@
                     <a:bodyPr/>
                     <a:lstStyle/>
                     <a:p>
-                      <a:pPr indent="0" lvl="0" marL="0" rtl="0" algn="l">
+                      <a:pPr marL="0" lvl="0" indent="0" algn="l" rtl="0">
                         <a:spcBef>
                           <a:spcPts val="0"/>
                         </a:spcBef>
@@ -10657,8 +10846,13 @@
                       </a:endParaRPr>
                     </a:p>
                   </a:txBody>
-                  <a:tcPr marT="0" marB="0" marR="73025" marL="73025"/>
+                  <a:tcPr marL="73025" marR="73025" marT="0" marB="0"/>
                 </a:tc>
+                <a:extLst>
+                  <a:ext uri="{0D108BD9-81ED-4DB2-BD59-A6C34878D82A}">
+                    <a16:rowId xmlns:a16="http://schemas.microsoft.com/office/drawing/2014/main" val="10001"/>
+                  </a:ext>
+                </a:extLst>
               </a:tr>
               <a:tr h="508700">
                 <a:tc>
@@ -10666,7 +10860,7 @@
                     <a:bodyPr/>
                     <a:lstStyle/>
                     <a:p>
-                      <a:pPr indent="0" lvl="0" marL="0" rtl="0" algn="l">
+                      <a:pPr marL="0" lvl="0" indent="0" algn="l" rtl="0">
                         <a:spcBef>
                           <a:spcPts val="0"/>
                         </a:spcBef>
@@ -10676,7 +10870,7 @@
                         <a:buNone/>
                       </a:pPr>
                       <a:r>
-                        <a:rPr b="1" lang="de">
+                        <a:rPr lang="de" b="1">
                           <a:latin typeface="Calibri"/>
                           <a:ea typeface="Calibri"/>
                           <a:cs typeface="Calibri"/>
@@ -10692,7 +10886,7 @@
                       </a:endParaRPr>
                     </a:p>
                   </a:txBody>
-                  <a:tcPr marT="0" marB="0" marR="73025" marL="73025">
+                  <a:tcPr marL="73025" marR="73025" marT="0" marB="0">
                     <a:solidFill>
                       <a:srgbClr val="BFBFBF"/>
                     </a:solidFill>
@@ -10703,7 +10897,7 @@
                     <a:bodyPr/>
                     <a:lstStyle/>
                     <a:p>
-                      <a:pPr indent="0" lvl="0" marL="0" rtl="0" algn="l">
+                      <a:pPr marL="0" lvl="0" indent="0" algn="l" rtl="0">
                         <a:spcBef>
                           <a:spcPts val="0"/>
                         </a:spcBef>
@@ -10729,8 +10923,13 @@
                       </a:endParaRPr>
                     </a:p>
                   </a:txBody>
-                  <a:tcPr marT="0" marB="0" marR="73025" marL="73025"/>
+                  <a:tcPr marL="73025" marR="73025" marT="0" marB="0"/>
                 </a:tc>
+                <a:extLst>
+                  <a:ext uri="{0D108BD9-81ED-4DB2-BD59-A6C34878D82A}">
+                    <a16:rowId xmlns:a16="http://schemas.microsoft.com/office/drawing/2014/main" val="10002"/>
+                  </a:ext>
+                </a:extLst>
               </a:tr>
               <a:tr h="254350">
                 <a:tc>
@@ -10738,7 +10937,7 @@
                     <a:bodyPr/>
                     <a:lstStyle/>
                     <a:p>
-                      <a:pPr indent="0" lvl="0" marL="0" rtl="0" algn="l">
+                      <a:pPr marL="0" lvl="0" indent="0" algn="l" rtl="0">
                         <a:spcBef>
                           <a:spcPts val="0"/>
                         </a:spcBef>
@@ -10748,7 +10947,7 @@
                         <a:buNone/>
                       </a:pPr>
                       <a:r>
-                        <a:rPr b="1" lang="de">
+                        <a:rPr lang="de" b="1">
                           <a:latin typeface="Calibri"/>
                           <a:ea typeface="Calibri"/>
                           <a:cs typeface="Calibri"/>
@@ -10764,7 +10963,7 @@
                       </a:endParaRPr>
                     </a:p>
                   </a:txBody>
-                  <a:tcPr marT="0" marB="0" marR="73025" marL="73025">
+                  <a:tcPr marL="73025" marR="73025" marT="0" marB="0">
                     <a:solidFill>
                       <a:srgbClr val="BFBFBF"/>
                     </a:solidFill>
@@ -10775,7 +10974,7 @@
                     <a:bodyPr/>
                     <a:lstStyle/>
                     <a:p>
-                      <a:pPr indent="0" lvl="0" marL="0" rtl="0" algn="l">
+                      <a:pPr marL="0" lvl="0" indent="0" algn="l" rtl="0">
                         <a:spcBef>
                           <a:spcPts val="0"/>
                         </a:spcBef>
@@ -10801,8 +11000,13 @@
                       </a:endParaRPr>
                     </a:p>
                   </a:txBody>
-                  <a:tcPr marT="0" marB="0" marR="73025" marL="73025"/>
+                  <a:tcPr marL="73025" marR="73025" marT="0" marB="0"/>
                 </a:tc>
+                <a:extLst>
+                  <a:ext uri="{0D108BD9-81ED-4DB2-BD59-A6C34878D82A}">
+                    <a16:rowId xmlns:a16="http://schemas.microsoft.com/office/drawing/2014/main" val="10003"/>
+                  </a:ext>
+                </a:extLst>
               </a:tr>
               <a:tr h="254350">
                 <a:tc>
@@ -10810,7 +11014,7 @@
                     <a:bodyPr/>
                     <a:lstStyle/>
                     <a:p>
-                      <a:pPr indent="0" lvl="0" marL="0" rtl="0" algn="l">
+                      <a:pPr marL="0" lvl="0" indent="0" algn="l" rtl="0">
                         <a:spcBef>
                           <a:spcPts val="0"/>
                         </a:spcBef>
@@ -10820,7 +11024,7 @@
                         <a:buNone/>
                       </a:pPr>
                       <a:r>
-                        <a:rPr b="1" lang="de">
+                        <a:rPr lang="de" b="1">
                           <a:latin typeface="Calibri"/>
                           <a:ea typeface="Calibri"/>
                           <a:cs typeface="Calibri"/>
@@ -10836,7 +11040,7 @@
                       </a:endParaRPr>
                     </a:p>
                   </a:txBody>
-                  <a:tcPr marT="0" marB="0" marR="73025" marL="73025">
+                  <a:tcPr marL="73025" marR="73025" marT="0" marB="0">
                     <a:solidFill>
                       <a:srgbClr val="BFBFBF"/>
                     </a:solidFill>
@@ -10847,7 +11051,7 @@
                     <a:bodyPr/>
                     <a:lstStyle/>
                     <a:p>
-                      <a:pPr indent="0" lvl="0" marL="0" rtl="0" algn="l">
+                      <a:pPr marL="0" lvl="0" indent="0" algn="l" rtl="0">
                         <a:spcBef>
                           <a:spcPts val="0"/>
                         </a:spcBef>
@@ -10857,7 +11061,7 @@
                         <a:buNone/>
                       </a:pPr>
                       <a:r>
-                        <a:rPr lang="de">
+                        <a:rPr lang="de" dirty="0">
                           <a:latin typeface="Calibri"/>
                           <a:ea typeface="Calibri"/>
                           <a:cs typeface="Calibri"/>
@@ -10865,7 +11069,7 @@
                         </a:rPr>
                         <a:t>Melanie Constantin</a:t>
                       </a:r>
-                      <a:endParaRPr>
+                      <a:endParaRPr dirty="0">
                         <a:latin typeface="Calibri"/>
                         <a:ea typeface="Calibri"/>
                         <a:cs typeface="Calibri"/>
@@ -10873,8 +11077,13 @@
                       </a:endParaRPr>
                     </a:p>
                   </a:txBody>
-                  <a:tcPr marT="0" marB="0" marR="73025" marL="73025"/>
+                  <a:tcPr marL="73025" marR="73025" marT="0" marB="0"/>
                 </a:tc>
+                <a:extLst>
+                  <a:ext uri="{0D108BD9-81ED-4DB2-BD59-A6C34878D82A}">
+                    <a16:rowId xmlns:a16="http://schemas.microsoft.com/office/drawing/2014/main" val="10004"/>
+                  </a:ext>
+                </a:extLst>
               </a:tr>
               <a:tr h="508700">
                 <a:tc>
@@ -10882,7 +11091,7 @@
                     <a:bodyPr/>
                     <a:lstStyle/>
                     <a:p>
-                      <a:pPr indent="0" lvl="0" marL="0" rtl="0" algn="l">
+                      <a:pPr marL="0" lvl="0" indent="0" algn="l" rtl="0">
                         <a:spcBef>
                           <a:spcPts val="0"/>
                         </a:spcBef>
@@ -10892,7 +11101,7 @@
                         <a:buNone/>
                       </a:pPr>
                       <a:r>
-                        <a:rPr b="1" lang="de">
+                        <a:rPr lang="de" b="1">
                           <a:latin typeface="Calibri"/>
                           <a:ea typeface="Calibri"/>
                           <a:cs typeface="Calibri"/>
@@ -10908,7 +11117,7 @@
                       </a:endParaRPr>
                     </a:p>
                   </a:txBody>
-                  <a:tcPr marT="0" marB="0" marR="73025" marL="73025">
+                  <a:tcPr marL="73025" marR="73025" marT="0" marB="0">
                     <a:solidFill>
                       <a:srgbClr val="BFBFBF"/>
                     </a:solidFill>
@@ -10919,7 +11128,7 @@
                     <a:bodyPr/>
                     <a:lstStyle/>
                     <a:p>
-                      <a:pPr indent="0" lvl="0" marL="0" rtl="0" algn="l">
+                      <a:pPr marL="0" lvl="0" indent="0" algn="l" rtl="0">
                         <a:spcBef>
                           <a:spcPts val="0"/>
                         </a:spcBef>
@@ -10929,7 +11138,7 @@
                         <a:buNone/>
                       </a:pPr>
                       <a:r>
-                        <a:rPr lang="de">
+                        <a:rPr lang="de" dirty="0">
                           <a:latin typeface="Calibri"/>
                           <a:ea typeface="Calibri"/>
                           <a:cs typeface="Calibri"/>
@@ -10937,7 +11146,7 @@
                         </a:rPr>
                         <a:t>3.03</a:t>
                       </a:r>
-                      <a:endParaRPr>
+                      <a:endParaRPr dirty="0">
                         <a:latin typeface="Calibri"/>
                         <a:ea typeface="Calibri"/>
                         <a:cs typeface="Calibri"/>
@@ -10945,8 +11154,13 @@
                       </a:endParaRPr>
                     </a:p>
                   </a:txBody>
-                  <a:tcPr marT="0" marB="0" marR="73025" marL="73025"/>
+                  <a:tcPr marL="73025" marR="73025" marT="0" marB="0"/>
                 </a:tc>
+                <a:extLst>
+                  <a:ext uri="{0D108BD9-81ED-4DB2-BD59-A6C34878D82A}">
+                    <a16:rowId xmlns:a16="http://schemas.microsoft.com/office/drawing/2014/main" val="10005"/>
+                  </a:ext>
+                </a:extLst>
               </a:tr>
             </a:tbl>
           </a:graphicData>
@@ -10960,7 +11174,7 @@
         </p:nvSpPr>
         <p:spPr>
           <a:xfrm>
-            <a:off x="6309600" y="0"/>
+            <a:off x="6309600" y="-14287"/>
             <a:ext cx="2834400" cy="492900"/>
           </a:xfrm>
           <a:prstGeom prst="rect">
@@ -10972,30 +11186,41 @@
           </a:ln>
         </p:spPr>
         <p:txBody>
-          <a:bodyPr anchorCtr="0" anchor="t" bIns="91425" lIns="91425" spcFirstLastPara="1" rIns="91425" wrap="square" tIns="91425">
+          <a:bodyPr spcFirstLastPara="1" wrap="square" lIns="91425" tIns="91425" rIns="91425" bIns="91425" anchor="t" anchorCtr="0">
             <a:noAutofit/>
           </a:bodyPr>
           <a:lstStyle/>
           <a:p>
-            <a:pPr indent="0" lvl="0" marL="0" rtl="0" algn="l">
-              <a:spcBef>
-                <a:spcPts val="0"/>
-              </a:spcBef>
-              <a:spcAft>
-                <a:spcPts val="0"/>
-              </a:spcAft>
-              <a:buNone/>
-            </a:pPr>
             <a:r>
-              <a:rPr lang="de">
+              <a:rPr lang="de" dirty="0">
                 <a:latin typeface="Lato"/>
                 <a:ea typeface="Lato"/>
                 <a:cs typeface="Lato"/>
                 <a:sym typeface="Lato"/>
               </a:rPr>
-              <a:t>Vortragender: Bowen Chen</a:t>
+              <a:t>Vortragender: </a:t>
             </a:r>
-            <a:endParaRPr>
+            <a:r>
+              <a:rPr lang="de-DE" altLang="zh-CN" dirty="0">
+                <a:latin typeface="Calibri"/>
+                <a:ea typeface="Calibri"/>
+                <a:cs typeface="Calibri"/>
+                <a:sym typeface="Calibri"/>
+              </a:rPr>
+              <a:t>Melanie Constantin</a:t>
+            </a:r>
+          </a:p>
+          <a:p>
+            <a:pPr marL="0" lvl="0" indent="0" algn="l" rtl="0">
+              <a:spcBef>
+                <a:spcPts val="0"/>
+              </a:spcBef>
+              <a:spcAft>
+                <a:spcPts val="0"/>
+              </a:spcAft>
+              <a:buNone/>
+            </a:pPr>
+            <a:endParaRPr dirty="0">
               <a:latin typeface="Lato"/>
               <a:ea typeface="Lato"/>
               <a:cs typeface="Lato"/>
@@ -11013,11 +11238,11 @@
 </file>
 
 <file path=ppt/slides/slide3.xml><?xml version="1.0" encoding="utf-8"?>
-<p:sld xmlns:a="http://schemas.openxmlformats.org/drawingml/2006/main" xmlns:r="http://schemas.openxmlformats.org/officeDocument/2006/relationships" xmlns:mc="http://schemas.openxmlformats.org/markup-compatibility/2006" xmlns:mv="urn:schemas-microsoft-com:mac:vml" xmlns:p="http://schemas.openxmlformats.org/presentationml/2006/main" xmlns:c="http://schemas.openxmlformats.org/drawingml/2006/chart" xmlns:dgm="http://schemas.openxmlformats.org/drawingml/2006/diagram" xmlns:o="urn:schemas-microsoft-com:office:office" xmlns:v="urn:schemas-microsoft-com:vml" xmlns:pvml="urn:schemas-microsoft-com:office:powerpoint" xmlns:com="http://schemas.openxmlformats.org/drawingml/2006/compatibility" xmlns:p14="http://schemas.microsoft.com/office/powerpoint/2010/main" xmlns:p15="http://schemas.microsoft.com/office/powerpoint/2012/main">
+<p:sld xmlns:a="http://schemas.openxmlformats.org/drawingml/2006/main" xmlns:r="http://schemas.openxmlformats.org/officeDocument/2006/relationships" xmlns:p="http://schemas.openxmlformats.org/presentationml/2006/main">
   <p:cSld>
     <p:spTree>
       <p:nvGrpSpPr>
-        <p:cNvPr id="99" name="Shape 99"/>
+        <p:cNvPr id="1" name="Shape 99"/>
         <p:cNvGrpSpPr/>
         <p:nvPr/>
       </p:nvGrpSpPr>
@@ -11032,7 +11257,9 @@
       <p:sp>
         <p:nvSpPr>
           <p:cNvPr id="100" name="Google Shape;100;p15"/>
-          <p:cNvSpPr txBox="1"/>
+          <p:cNvSpPr txBox="1">
+            <a:spLocks noGrp="1"/>
+          </p:cNvSpPr>
           <p:nvPr>
             <p:ph type="title"/>
           </p:nvPr>
@@ -11047,12 +11274,12 @@
           </a:prstGeom>
         </p:spPr>
         <p:txBody>
-          <a:bodyPr anchorCtr="0" anchor="t" bIns="91425" lIns="91425" spcFirstLastPara="1" rIns="91425" wrap="square" tIns="91425">
+          <a:bodyPr spcFirstLastPara="1" wrap="square" lIns="91425" tIns="91425" rIns="91425" bIns="91425" anchor="t" anchorCtr="0">
             <a:noAutofit/>
           </a:bodyPr>
           <a:lstStyle/>
           <a:p>
-            <a:pPr indent="0" lvl="0" marL="0" rtl="0" algn="l">
+            <a:pPr marL="0" lvl="0" indent="0" algn="l" rtl="0">
               <a:spcBef>
                 <a:spcPts val="0"/>
               </a:spcBef>
@@ -11089,12 +11316,12 @@
           </a:ln>
         </p:spPr>
         <p:txBody>
-          <a:bodyPr anchorCtr="0" anchor="t" bIns="91425" lIns="91425" spcFirstLastPara="1" rIns="91425" wrap="square" tIns="91425">
+          <a:bodyPr spcFirstLastPara="1" wrap="square" lIns="91425" tIns="91425" rIns="91425" bIns="91425" anchor="t" anchorCtr="0">
             <a:noAutofit/>
           </a:bodyPr>
           <a:lstStyle/>
           <a:p>
-            <a:pPr indent="0" lvl="0" marL="0" rtl="0" algn="l">
+            <a:pPr marL="0" lvl="0" indent="0" algn="l" rtl="0">
               <a:spcBef>
                 <a:spcPts val="0"/>
               </a:spcBef>
@@ -11124,9 +11351,11 @@
       <p:sp>
         <p:nvSpPr>
           <p:cNvPr id="102" name="Google Shape;102;p15"/>
-          <p:cNvSpPr txBox="1"/>
+          <p:cNvSpPr txBox="1">
+            <a:spLocks noGrp="1"/>
+          </p:cNvSpPr>
           <p:nvPr>
-            <p:ph idx="12" type="sldNum"/>
+            <p:ph type="sldNum" idx="12"/>
           </p:nvPr>
         </p:nvSpPr>
         <p:spPr>
@@ -11139,12 +11368,12 @@
           </a:prstGeom>
         </p:spPr>
         <p:txBody>
-          <a:bodyPr anchorCtr="0" anchor="ctr" bIns="91425" lIns="91425" spcFirstLastPara="1" rIns="91425" wrap="square" tIns="91425">
+          <a:bodyPr spcFirstLastPara="1" wrap="square" lIns="91425" tIns="91425" rIns="91425" bIns="91425" anchor="ctr" anchorCtr="0">
             <a:noAutofit/>
           </a:bodyPr>
           <a:lstStyle/>
           <a:p>
-            <a:pPr indent="0" lvl="0" marL="0" rtl="0" algn="r">
+            <a:pPr marL="0" lvl="0" indent="0" algn="r" rtl="0">
               <a:spcBef>
                 <a:spcPts val="0"/>
               </a:spcBef>
@@ -11155,7 +11384,7 @@
             </a:pPr>
             <a:fld id="{00000000-1234-1234-1234-123412341234}" type="slidenum">
               <a:rPr lang="de"/>
-              <a:t>‹#›</a:t>
+              <a:t>3</a:t>
             </a:fld>
             <a:endParaRPr/>
           </a:p>
@@ -11169,7 +11398,7 @@
         </p:nvGraphicFramePr>
         <p:xfrm>
           <a:off x="1177613" y="2200500"/>
-          <a:ext cx="3000000" cy="3000000"/>
+          <a:ext cx="6792350" cy="2346960"/>
         </p:xfrm>
         <a:graphic>
           <a:graphicData uri="http://schemas.openxmlformats.org/drawingml/2006/table">
@@ -11179,16 +11408,28 @@
                 <a:tableStyleId>{E8570255-534A-4CBB-9AF9-B8E9EF91A822}</a:tableStyleId>
               </a:tblPr>
               <a:tblGrid>
-                <a:gridCol w="1958300"/>
-                <a:gridCol w="4834050"/>
+                <a:gridCol w="1958300">
+                  <a:extLst>
+                    <a:ext uri="{9D8B030D-6E8A-4147-A177-3AD203B41FA5}">
+                      <a16:colId xmlns:a16="http://schemas.microsoft.com/office/drawing/2014/main" val="20000"/>
+                    </a:ext>
+                  </a:extLst>
+                </a:gridCol>
+                <a:gridCol w="4834050">
+                  <a:extLst>
+                    <a:ext uri="{9D8B030D-6E8A-4147-A177-3AD203B41FA5}">
+                      <a16:colId xmlns:a16="http://schemas.microsoft.com/office/drawing/2014/main" val="20001"/>
+                    </a:ext>
+                  </a:extLst>
+                </a:gridCol>
               </a:tblGrid>
-              <a:tr h="12700">
+              <a:tr h="0">
                 <a:tc>
                   <a:txBody>
                     <a:bodyPr/>
                     <a:lstStyle/>
                     <a:p>
-                      <a:pPr indent="0" lvl="0" marL="0" rtl="0" algn="l">
+                      <a:pPr marL="0" lvl="0" indent="0" algn="l" rtl="0">
                         <a:spcBef>
                           <a:spcPts val="0"/>
                         </a:spcBef>
@@ -11198,7 +11439,7 @@
                         <a:buNone/>
                       </a:pPr>
                       <a:r>
-                        <a:rPr b="1" lang="de">
+                        <a:rPr lang="de" b="1">
                           <a:latin typeface="Calibri"/>
                           <a:ea typeface="Calibri"/>
                           <a:cs typeface="Calibri"/>
@@ -11214,7 +11455,7 @@
                       </a:endParaRPr>
                     </a:p>
                   </a:txBody>
-                  <a:tcPr marT="0" marB="0" marR="73025" marL="73025">
+                  <a:tcPr marL="73025" marR="73025" marT="0" marB="0">
                     <a:solidFill>
                       <a:srgbClr val="BFBFBF"/>
                     </a:solidFill>
@@ -11225,7 +11466,7 @@
                     <a:bodyPr/>
                     <a:lstStyle/>
                     <a:p>
-                      <a:pPr indent="0" lvl="0" marL="0" rtl="0" algn="l">
+                      <a:pPr marL="0" lvl="0" indent="0" algn="l" rtl="0">
                         <a:spcBef>
                           <a:spcPts val="0"/>
                         </a:spcBef>
@@ -11251,16 +11492,21 @@
                       </a:endParaRPr>
                     </a:p>
                   </a:txBody>
-                  <a:tcPr marT="0" marB="0" marR="73025" marL="73025"/>
+                  <a:tcPr marL="73025" marR="73025" marT="0" marB="0"/>
                 </a:tc>
+                <a:extLst>
+                  <a:ext uri="{0D108BD9-81ED-4DB2-BD59-A6C34878D82A}">
+                    <a16:rowId xmlns:a16="http://schemas.microsoft.com/office/drawing/2014/main" val="10000"/>
+                  </a:ext>
+                </a:extLst>
               </a:tr>
-              <a:tr h="12700">
+              <a:tr h="0">
                 <a:tc>
                   <a:txBody>
                     <a:bodyPr/>
                     <a:lstStyle/>
                     <a:p>
-                      <a:pPr indent="0" lvl="0" marL="0" rtl="0" algn="l">
+                      <a:pPr marL="0" lvl="0" indent="0" algn="l" rtl="0">
                         <a:spcBef>
                           <a:spcPts val="0"/>
                         </a:spcBef>
@@ -11270,7 +11516,7 @@
                         <a:buNone/>
                       </a:pPr>
                       <a:r>
-                        <a:rPr b="1" lang="de">
+                        <a:rPr lang="de" b="1">
                           <a:latin typeface="Calibri"/>
                           <a:ea typeface="Calibri"/>
                           <a:cs typeface="Calibri"/>
@@ -11286,7 +11532,7 @@
                       </a:endParaRPr>
                     </a:p>
                   </a:txBody>
-                  <a:tcPr marT="0" marB="0" marR="73025" marL="73025">
+                  <a:tcPr marL="73025" marR="73025" marT="0" marB="0">
                     <a:solidFill>
                       <a:srgbClr val="BFBFBF"/>
                     </a:solidFill>
@@ -11297,7 +11543,7 @@
                     <a:bodyPr/>
                     <a:lstStyle/>
                     <a:p>
-                      <a:pPr indent="0" lvl="0" marL="0" rtl="0" algn="l">
+                      <a:pPr marL="0" lvl="0" indent="0" algn="l" rtl="0">
                         <a:spcBef>
                           <a:spcPts val="0"/>
                         </a:spcBef>
@@ -11323,16 +11569,21 @@
                       </a:endParaRPr>
                     </a:p>
                   </a:txBody>
-                  <a:tcPr marT="0" marB="0" marR="73025" marL="73025"/>
+                  <a:tcPr marL="73025" marR="73025" marT="0" marB="0"/>
                 </a:tc>
+                <a:extLst>
+                  <a:ext uri="{0D108BD9-81ED-4DB2-BD59-A6C34878D82A}">
+                    <a16:rowId xmlns:a16="http://schemas.microsoft.com/office/drawing/2014/main" val="10001"/>
+                  </a:ext>
+                </a:extLst>
               </a:tr>
-              <a:tr h="12700">
+              <a:tr h="0">
                 <a:tc>
                   <a:txBody>
                     <a:bodyPr/>
                     <a:lstStyle/>
                     <a:p>
-                      <a:pPr indent="0" lvl="0" marL="0" rtl="0" algn="l">
+                      <a:pPr marL="0" lvl="0" indent="0" algn="l" rtl="0">
                         <a:spcBef>
                           <a:spcPts val="0"/>
                         </a:spcBef>
@@ -11342,7 +11593,7 @@
                         <a:buNone/>
                       </a:pPr>
                       <a:r>
-                        <a:rPr b="1" lang="de">
+                        <a:rPr lang="de" b="1">
                           <a:latin typeface="Calibri"/>
                           <a:ea typeface="Calibri"/>
                           <a:cs typeface="Calibri"/>
@@ -11358,7 +11609,7 @@
                       </a:endParaRPr>
                     </a:p>
                   </a:txBody>
-                  <a:tcPr marT="0" marB="0" marR="73025" marL="73025">
+                  <a:tcPr marL="73025" marR="73025" marT="0" marB="0">
                     <a:solidFill>
                       <a:srgbClr val="BFBFBF"/>
                     </a:solidFill>
@@ -11369,7 +11620,7 @@
                     <a:bodyPr/>
                     <a:lstStyle/>
                     <a:p>
-                      <a:pPr indent="0" lvl="0" marL="0" rtl="0" algn="l">
+                      <a:pPr marL="0" lvl="0" indent="0" algn="l" rtl="0">
                         <a:spcBef>
                           <a:spcPts val="0"/>
                         </a:spcBef>
@@ -11395,16 +11646,21 @@
                       </a:endParaRPr>
                     </a:p>
                   </a:txBody>
-                  <a:tcPr marT="0" marB="0" marR="73025" marL="73025"/>
+                  <a:tcPr marL="73025" marR="73025" marT="0" marB="0"/>
                 </a:tc>
+                <a:extLst>
+                  <a:ext uri="{0D108BD9-81ED-4DB2-BD59-A6C34878D82A}">
+                    <a16:rowId xmlns:a16="http://schemas.microsoft.com/office/drawing/2014/main" val="10002"/>
+                  </a:ext>
+                </a:extLst>
               </a:tr>
-              <a:tr h="12700">
+              <a:tr h="0">
                 <a:tc>
                   <a:txBody>
                     <a:bodyPr/>
                     <a:lstStyle/>
                     <a:p>
-                      <a:pPr indent="0" lvl="0" marL="0" rtl="0" algn="l">
+                      <a:pPr marL="0" lvl="0" indent="0" algn="l" rtl="0">
                         <a:spcBef>
                           <a:spcPts val="0"/>
                         </a:spcBef>
@@ -11414,7 +11670,7 @@
                         <a:buNone/>
                       </a:pPr>
                       <a:r>
-                        <a:rPr b="1" lang="de">
+                        <a:rPr lang="de" b="1">
                           <a:latin typeface="Calibri"/>
                           <a:ea typeface="Calibri"/>
                           <a:cs typeface="Calibri"/>
@@ -11430,7 +11686,7 @@
                       </a:endParaRPr>
                     </a:p>
                   </a:txBody>
-                  <a:tcPr marT="0" marB="0" marR="73025" marL="73025">
+                  <a:tcPr marL="73025" marR="73025" marT="0" marB="0">
                     <a:solidFill>
                       <a:srgbClr val="BFBFBF"/>
                     </a:solidFill>
@@ -11441,7 +11697,7 @@
                     <a:bodyPr/>
                     <a:lstStyle/>
                     <a:p>
-                      <a:pPr indent="0" lvl="0" marL="0" rtl="0" algn="l">
+                      <a:pPr marL="0" lvl="0" indent="0" algn="l" rtl="0">
                         <a:spcBef>
                           <a:spcPts val="0"/>
                         </a:spcBef>
@@ -11467,16 +11723,21 @@
                       </a:endParaRPr>
                     </a:p>
                   </a:txBody>
-                  <a:tcPr marT="0" marB="0" marR="73025" marL="73025"/>
+                  <a:tcPr marL="73025" marR="73025" marT="0" marB="0"/>
                 </a:tc>
+                <a:extLst>
+                  <a:ext uri="{0D108BD9-81ED-4DB2-BD59-A6C34878D82A}">
+                    <a16:rowId xmlns:a16="http://schemas.microsoft.com/office/drawing/2014/main" val="10003"/>
+                  </a:ext>
+                </a:extLst>
               </a:tr>
-              <a:tr h="12700">
+              <a:tr h="0">
                 <a:tc>
                   <a:txBody>
                     <a:bodyPr/>
                     <a:lstStyle/>
                     <a:p>
-                      <a:pPr indent="0" lvl="0" marL="0" rtl="0" algn="l">
+                      <a:pPr marL="0" lvl="0" indent="0" algn="l" rtl="0">
                         <a:spcBef>
                           <a:spcPts val="0"/>
                         </a:spcBef>
@@ -11486,7 +11747,7 @@
                         <a:buNone/>
                       </a:pPr>
                       <a:r>
-                        <a:rPr b="1" lang="de">
+                        <a:rPr lang="de" b="1">
                           <a:latin typeface="Calibri"/>
                           <a:ea typeface="Calibri"/>
                           <a:cs typeface="Calibri"/>
@@ -11502,7 +11763,7 @@
                       </a:endParaRPr>
                     </a:p>
                   </a:txBody>
-                  <a:tcPr marT="0" marB="0" marR="73025" marL="73025">
+                  <a:tcPr marL="73025" marR="73025" marT="0" marB="0">
                     <a:solidFill>
                       <a:srgbClr val="BFBFBF"/>
                     </a:solidFill>
@@ -11513,7 +11774,7 @@
                     <a:bodyPr/>
                     <a:lstStyle/>
                     <a:p>
-                      <a:pPr indent="0" lvl="0" marL="0" rtl="0" algn="l">
+                      <a:pPr marL="0" lvl="0" indent="0" algn="l" rtl="0">
                         <a:spcBef>
                           <a:spcPts val="0"/>
                         </a:spcBef>
@@ -11539,16 +11800,21 @@
                       </a:endParaRPr>
                     </a:p>
                   </a:txBody>
-                  <a:tcPr marT="0" marB="0" marR="73025" marL="73025"/>
+                  <a:tcPr marL="73025" marR="73025" marT="0" marB="0"/>
                 </a:tc>
+                <a:extLst>
+                  <a:ext uri="{0D108BD9-81ED-4DB2-BD59-A6C34878D82A}">
+                    <a16:rowId xmlns:a16="http://schemas.microsoft.com/office/drawing/2014/main" val="10004"/>
+                  </a:ext>
+                </a:extLst>
               </a:tr>
-              <a:tr h="12700">
+              <a:tr h="0">
                 <a:tc>
                   <a:txBody>
                     <a:bodyPr/>
                     <a:lstStyle/>
                     <a:p>
-                      <a:pPr indent="0" lvl="0" marL="0" rtl="0" algn="l">
+                      <a:pPr marL="0" lvl="0" indent="0" algn="l" rtl="0">
                         <a:spcBef>
                           <a:spcPts val="0"/>
                         </a:spcBef>
@@ -11558,7 +11824,7 @@
                         <a:buNone/>
                       </a:pPr>
                       <a:r>
-                        <a:rPr b="1" lang="de">
+                        <a:rPr lang="de" b="1">
                           <a:latin typeface="Calibri"/>
                           <a:ea typeface="Calibri"/>
                           <a:cs typeface="Calibri"/>
@@ -11574,7 +11840,7 @@
                       </a:endParaRPr>
                     </a:p>
                   </a:txBody>
-                  <a:tcPr marT="0" marB="0" marR="73025" marL="73025">
+                  <a:tcPr marL="73025" marR="73025" marT="0" marB="0">
                     <a:solidFill>
                       <a:srgbClr val="BFBFBF"/>
                     </a:solidFill>
@@ -11585,7 +11851,7 @@
                     <a:bodyPr/>
                     <a:lstStyle/>
                     <a:p>
-                      <a:pPr indent="0" lvl="0" marL="0" rtl="0" algn="l">
+                      <a:pPr marL="0" lvl="0" indent="0" algn="l" rtl="0">
                         <a:spcBef>
                           <a:spcPts val="0"/>
                         </a:spcBef>
@@ -11594,9 +11860,6 @@
                         </a:spcAft>
                         <a:buNone/>
                       </a:pPr>
-                      <a:r>
-                        <a:t/>
-                      </a:r>
                       <a:endParaRPr>
                         <a:latin typeface="Calibri"/>
                         <a:ea typeface="Calibri"/>
@@ -11605,8 +11868,13 @@
                       </a:endParaRPr>
                     </a:p>
                   </a:txBody>
-                  <a:tcPr marT="0" marB="0" marR="73025" marL="73025"/>
+                  <a:tcPr marL="73025" marR="73025" marT="0" marB="0"/>
                 </a:tc>
+                <a:extLst>
+                  <a:ext uri="{0D108BD9-81ED-4DB2-BD59-A6C34878D82A}">
+                    <a16:rowId xmlns:a16="http://schemas.microsoft.com/office/drawing/2014/main" val="10005"/>
+                  </a:ext>
+                </a:extLst>
               </a:tr>
             </a:tbl>
           </a:graphicData>
@@ -11621,11 +11889,11 @@
 </file>
 
 <file path=ppt/slides/slide4.xml><?xml version="1.0" encoding="utf-8"?>
-<p:sld xmlns:a="http://schemas.openxmlformats.org/drawingml/2006/main" xmlns:r="http://schemas.openxmlformats.org/officeDocument/2006/relationships" xmlns:mc="http://schemas.openxmlformats.org/markup-compatibility/2006" xmlns:mv="urn:schemas-microsoft-com:mac:vml" xmlns:p="http://schemas.openxmlformats.org/presentationml/2006/main" xmlns:c="http://schemas.openxmlformats.org/drawingml/2006/chart" xmlns:dgm="http://schemas.openxmlformats.org/drawingml/2006/diagram" xmlns:o="urn:schemas-microsoft-com:office:office" xmlns:v="urn:schemas-microsoft-com:vml" xmlns:pvml="urn:schemas-microsoft-com:office:powerpoint" xmlns:com="http://schemas.openxmlformats.org/drawingml/2006/compatibility" xmlns:p14="http://schemas.microsoft.com/office/powerpoint/2010/main" xmlns:p15="http://schemas.microsoft.com/office/powerpoint/2012/main">
+<p:sld xmlns:a="http://schemas.openxmlformats.org/drawingml/2006/main" xmlns:r="http://schemas.openxmlformats.org/officeDocument/2006/relationships" xmlns:p="http://schemas.openxmlformats.org/presentationml/2006/main">
   <p:cSld>
     <p:spTree>
       <p:nvGrpSpPr>
-        <p:cNvPr id="107" name="Shape 107"/>
+        <p:cNvPr id="1" name="Shape 107"/>
         <p:cNvGrpSpPr/>
         <p:nvPr/>
       </p:nvGrpSpPr>
@@ -11640,7 +11908,9 @@
       <p:sp>
         <p:nvSpPr>
           <p:cNvPr id="108" name="Google Shape;108;p16"/>
-          <p:cNvSpPr txBox="1"/>
+          <p:cNvSpPr txBox="1">
+            <a:spLocks noGrp="1"/>
+          </p:cNvSpPr>
           <p:nvPr>
             <p:ph type="title"/>
           </p:nvPr>
@@ -11655,12 +11925,12 @@
           </a:prstGeom>
         </p:spPr>
         <p:txBody>
-          <a:bodyPr anchorCtr="0" anchor="t" bIns="91425" lIns="91425" spcFirstLastPara="1" rIns="91425" wrap="square" tIns="91425">
+          <a:bodyPr spcFirstLastPara="1" wrap="square" lIns="91425" tIns="91425" rIns="91425" bIns="91425" anchor="t" anchorCtr="0">
             <a:noAutofit/>
           </a:bodyPr>
           <a:lstStyle/>
           <a:p>
-            <a:pPr indent="0" lvl="0" marL="0" rtl="0" algn="l">
+            <a:pPr marL="0" lvl="0" indent="0" algn="l" rtl="0">
               <a:spcBef>
                 <a:spcPts val="0"/>
               </a:spcBef>
@@ -11697,12 +11967,12 @@
           </a:ln>
         </p:spPr>
         <p:txBody>
-          <a:bodyPr anchorCtr="0" anchor="t" bIns="91425" lIns="91425" spcFirstLastPara="1" rIns="91425" wrap="square" tIns="91425">
+          <a:bodyPr spcFirstLastPara="1" wrap="square" lIns="91425" tIns="91425" rIns="91425" bIns="91425" anchor="t" anchorCtr="0">
             <a:noAutofit/>
           </a:bodyPr>
           <a:lstStyle/>
           <a:p>
-            <a:pPr indent="0" lvl="0" marL="0" rtl="0" algn="l">
+            <a:pPr marL="0" lvl="0" indent="0" algn="l" rtl="0">
               <a:spcBef>
                 <a:spcPts val="0"/>
               </a:spcBef>
@@ -11732,9 +12002,11 @@
       <p:sp>
         <p:nvSpPr>
           <p:cNvPr id="110" name="Google Shape;110;p16"/>
-          <p:cNvSpPr txBox="1"/>
+          <p:cNvSpPr txBox="1">
+            <a:spLocks noGrp="1"/>
+          </p:cNvSpPr>
           <p:nvPr>
-            <p:ph idx="12" type="sldNum"/>
+            <p:ph type="sldNum" idx="12"/>
           </p:nvPr>
         </p:nvSpPr>
         <p:spPr>
@@ -11747,12 +12019,12 @@
           </a:prstGeom>
         </p:spPr>
         <p:txBody>
-          <a:bodyPr anchorCtr="0" anchor="ctr" bIns="91425" lIns="91425" spcFirstLastPara="1" rIns="91425" wrap="square" tIns="91425">
+          <a:bodyPr spcFirstLastPara="1" wrap="square" lIns="91425" tIns="91425" rIns="91425" bIns="91425" anchor="ctr" anchorCtr="0">
             <a:noAutofit/>
           </a:bodyPr>
           <a:lstStyle/>
           <a:p>
-            <a:pPr indent="0" lvl="0" marL="0" rtl="0" algn="r">
+            <a:pPr marL="0" lvl="0" indent="0" algn="r" rtl="0">
               <a:spcBef>
                 <a:spcPts val="0"/>
               </a:spcBef>
@@ -11763,7 +12035,7 @@
             </a:pPr>
             <a:fld id="{00000000-1234-1234-1234-123412341234}" type="slidenum">
               <a:rPr lang="de"/>
-              <a:t>‹#›</a:t>
+              <a:t>4</a:t>
             </a:fld>
             <a:endParaRPr/>
           </a:p>
@@ -11777,7 +12049,7 @@
         </p:nvGraphicFramePr>
         <p:xfrm>
           <a:off x="1421400" y="2247525"/>
-          <a:ext cx="3000000" cy="3000000"/>
+          <a:ext cx="6304800" cy="2346960"/>
         </p:xfrm>
         <a:graphic>
           <a:graphicData uri="http://schemas.openxmlformats.org/drawingml/2006/table">
@@ -11787,16 +12059,28 @@
                 <a:tableStyleId>{E8570255-534A-4CBB-9AF9-B8E9EF91A822}</a:tableStyleId>
               </a:tblPr>
               <a:tblGrid>
-                <a:gridCol w="1946825"/>
-                <a:gridCol w="4357975"/>
+                <a:gridCol w="1946825">
+                  <a:extLst>
+                    <a:ext uri="{9D8B030D-6E8A-4147-A177-3AD203B41FA5}">
+                      <a16:colId xmlns:a16="http://schemas.microsoft.com/office/drawing/2014/main" val="20000"/>
+                    </a:ext>
+                  </a:extLst>
+                </a:gridCol>
+                <a:gridCol w="4357975">
+                  <a:extLst>
+                    <a:ext uri="{9D8B030D-6E8A-4147-A177-3AD203B41FA5}">
+                      <a16:colId xmlns:a16="http://schemas.microsoft.com/office/drawing/2014/main" val="20001"/>
+                    </a:ext>
+                  </a:extLst>
+                </a:gridCol>
               </a:tblGrid>
-              <a:tr h="12700">
+              <a:tr h="0">
                 <a:tc>
                   <a:txBody>
                     <a:bodyPr/>
                     <a:lstStyle/>
                     <a:p>
-                      <a:pPr indent="0" lvl="0" marL="0" rtl="0" algn="l">
+                      <a:pPr marL="0" lvl="0" indent="0" algn="l" rtl="0">
                         <a:spcBef>
                           <a:spcPts val="0"/>
                         </a:spcBef>
@@ -11806,7 +12090,7 @@
                         <a:buNone/>
                       </a:pPr>
                       <a:r>
-                        <a:rPr b="1" lang="de">
+                        <a:rPr lang="de" b="1">
                           <a:latin typeface="Calibri"/>
                           <a:ea typeface="Calibri"/>
                           <a:cs typeface="Calibri"/>
@@ -11822,7 +12106,7 @@
                       </a:endParaRPr>
                     </a:p>
                   </a:txBody>
-                  <a:tcPr marT="0" marB="0" marR="73025" marL="73025">
+                  <a:tcPr marL="73025" marR="73025" marT="0" marB="0">
                     <a:solidFill>
                       <a:srgbClr val="BFBFBF"/>
                     </a:solidFill>
@@ -11833,7 +12117,7 @@
                     <a:bodyPr/>
                     <a:lstStyle/>
                     <a:p>
-                      <a:pPr indent="0" lvl="0" marL="0" rtl="0" algn="l">
+                      <a:pPr marL="0" lvl="0" indent="0" algn="l" rtl="0">
                         <a:spcBef>
                           <a:spcPts val="0"/>
                         </a:spcBef>
@@ -11859,16 +12143,21 @@
                       </a:endParaRPr>
                     </a:p>
                   </a:txBody>
-                  <a:tcPr marT="0" marB="0" marR="73025" marL="73025"/>
+                  <a:tcPr marL="73025" marR="73025" marT="0" marB="0"/>
                 </a:tc>
+                <a:extLst>
+                  <a:ext uri="{0D108BD9-81ED-4DB2-BD59-A6C34878D82A}">
+                    <a16:rowId xmlns:a16="http://schemas.microsoft.com/office/drawing/2014/main" val="10000"/>
+                  </a:ext>
+                </a:extLst>
               </a:tr>
-              <a:tr h="12700">
+              <a:tr h="0">
                 <a:tc>
                   <a:txBody>
                     <a:bodyPr/>
                     <a:lstStyle/>
                     <a:p>
-                      <a:pPr indent="0" lvl="0" marL="0" rtl="0" algn="l">
+                      <a:pPr marL="0" lvl="0" indent="0" algn="l" rtl="0">
                         <a:spcBef>
                           <a:spcPts val="0"/>
                         </a:spcBef>
@@ -11878,7 +12167,7 @@
                         <a:buNone/>
                       </a:pPr>
                       <a:r>
-                        <a:rPr b="1" lang="de">
+                        <a:rPr lang="de" b="1">
                           <a:latin typeface="Calibri"/>
                           <a:ea typeface="Calibri"/>
                           <a:cs typeface="Calibri"/>
@@ -11894,7 +12183,7 @@
                       </a:endParaRPr>
                     </a:p>
                   </a:txBody>
-                  <a:tcPr marT="0" marB="0" marR="73025" marL="73025">
+                  <a:tcPr marL="73025" marR="73025" marT="0" marB="0">
                     <a:solidFill>
                       <a:srgbClr val="BFBFBF"/>
                     </a:solidFill>
@@ -11905,7 +12194,7 @@
                     <a:bodyPr/>
                     <a:lstStyle/>
                     <a:p>
-                      <a:pPr indent="0" lvl="0" marL="0" rtl="0" algn="l">
+                      <a:pPr marL="0" lvl="0" indent="0" algn="l" rtl="0">
                         <a:spcBef>
                           <a:spcPts val="0"/>
                         </a:spcBef>
@@ -11931,16 +12220,21 @@
                       </a:endParaRPr>
                     </a:p>
                   </a:txBody>
-                  <a:tcPr marT="0" marB="0" marR="73025" marL="73025"/>
+                  <a:tcPr marL="73025" marR="73025" marT="0" marB="0"/>
                 </a:tc>
+                <a:extLst>
+                  <a:ext uri="{0D108BD9-81ED-4DB2-BD59-A6C34878D82A}">
+                    <a16:rowId xmlns:a16="http://schemas.microsoft.com/office/drawing/2014/main" val="10001"/>
+                  </a:ext>
+                </a:extLst>
               </a:tr>
-              <a:tr h="12700">
+              <a:tr h="0">
                 <a:tc>
                   <a:txBody>
                     <a:bodyPr/>
                     <a:lstStyle/>
                     <a:p>
-                      <a:pPr indent="0" lvl="0" marL="0" rtl="0" algn="l">
+                      <a:pPr marL="0" lvl="0" indent="0" algn="l" rtl="0">
                         <a:spcBef>
                           <a:spcPts val="0"/>
                         </a:spcBef>
@@ -11950,7 +12244,7 @@
                         <a:buNone/>
                       </a:pPr>
                       <a:r>
-                        <a:rPr b="1" lang="de">
+                        <a:rPr lang="de" b="1">
                           <a:latin typeface="Calibri"/>
                           <a:ea typeface="Calibri"/>
                           <a:cs typeface="Calibri"/>
@@ -11966,7 +12260,7 @@
                       </a:endParaRPr>
                     </a:p>
                   </a:txBody>
-                  <a:tcPr marT="0" marB="0" marR="73025" marL="73025">
+                  <a:tcPr marL="73025" marR="73025" marT="0" marB="0">
                     <a:solidFill>
                       <a:srgbClr val="BFBFBF"/>
                     </a:solidFill>
@@ -11977,7 +12271,7 @@
                     <a:bodyPr/>
                     <a:lstStyle/>
                     <a:p>
-                      <a:pPr indent="0" lvl="0" marL="0" rtl="0" algn="l">
+                      <a:pPr marL="0" lvl="0" indent="0" algn="l" rtl="0">
                         <a:spcBef>
                           <a:spcPts val="0"/>
                         </a:spcBef>
@@ -12003,16 +12297,21 @@
                       </a:endParaRPr>
                     </a:p>
                   </a:txBody>
-                  <a:tcPr marT="0" marB="0" marR="73025" marL="73025"/>
+                  <a:tcPr marL="73025" marR="73025" marT="0" marB="0"/>
                 </a:tc>
+                <a:extLst>
+                  <a:ext uri="{0D108BD9-81ED-4DB2-BD59-A6C34878D82A}">
+                    <a16:rowId xmlns:a16="http://schemas.microsoft.com/office/drawing/2014/main" val="10002"/>
+                  </a:ext>
+                </a:extLst>
               </a:tr>
-              <a:tr h="12700">
+              <a:tr h="0">
                 <a:tc>
                   <a:txBody>
                     <a:bodyPr/>
                     <a:lstStyle/>
                     <a:p>
-                      <a:pPr indent="0" lvl="0" marL="0" rtl="0" algn="l">
+                      <a:pPr marL="0" lvl="0" indent="0" algn="l" rtl="0">
                         <a:spcBef>
                           <a:spcPts val="0"/>
                         </a:spcBef>
@@ -12022,7 +12321,7 @@
                         <a:buNone/>
                       </a:pPr>
                       <a:r>
-                        <a:rPr b="1" lang="de">
+                        <a:rPr lang="de" b="1">
                           <a:latin typeface="Calibri"/>
                           <a:ea typeface="Calibri"/>
                           <a:cs typeface="Calibri"/>
@@ -12038,7 +12337,7 @@
                       </a:endParaRPr>
                     </a:p>
                   </a:txBody>
-                  <a:tcPr marT="0" marB="0" marR="73025" marL="73025">
+                  <a:tcPr marL="73025" marR="73025" marT="0" marB="0">
                     <a:solidFill>
                       <a:srgbClr val="BFBFBF"/>
                     </a:solidFill>
@@ -12049,7 +12348,7 @@
                     <a:bodyPr/>
                     <a:lstStyle/>
                     <a:p>
-                      <a:pPr indent="0" lvl="0" marL="0" rtl="0" algn="l">
+                      <a:pPr marL="0" lvl="0" indent="0" algn="l" rtl="0">
                         <a:spcBef>
                           <a:spcPts val="0"/>
                         </a:spcBef>
@@ -12075,16 +12374,21 @@
                       </a:endParaRPr>
                     </a:p>
                   </a:txBody>
-                  <a:tcPr marT="0" marB="0" marR="73025" marL="73025"/>
+                  <a:tcPr marL="73025" marR="73025" marT="0" marB="0"/>
                 </a:tc>
+                <a:extLst>
+                  <a:ext uri="{0D108BD9-81ED-4DB2-BD59-A6C34878D82A}">
+                    <a16:rowId xmlns:a16="http://schemas.microsoft.com/office/drawing/2014/main" val="10003"/>
+                  </a:ext>
+                </a:extLst>
               </a:tr>
-              <a:tr h="12700">
+              <a:tr h="0">
                 <a:tc>
                   <a:txBody>
                     <a:bodyPr/>
                     <a:lstStyle/>
                     <a:p>
-                      <a:pPr indent="0" lvl="0" marL="0" rtl="0" algn="l">
+                      <a:pPr marL="0" lvl="0" indent="0" algn="l" rtl="0">
                         <a:spcBef>
                           <a:spcPts val="0"/>
                         </a:spcBef>
@@ -12094,7 +12398,7 @@
                         <a:buNone/>
                       </a:pPr>
                       <a:r>
-                        <a:rPr b="1" lang="de">
+                        <a:rPr lang="de" b="1">
                           <a:latin typeface="Calibri"/>
                           <a:ea typeface="Calibri"/>
                           <a:cs typeface="Calibri"/>
@@ -12110,7 +12414,7 @@
                       </a:endParaRPr>
                     </a:p>
                   </a:txBody>
-                  <a:tcPr marT="0" marB="0" marR="73025" marL="73025">
+                  <a:tcPr marL="73025" marR="73025" marT="0" marB="0">
                     <a:solidFill>
                       <a:srgbClr val="BFBFBF"/>
                     </a:solidFill>
@@ -12121,7 +12425,7 @@
                     <a:bodyPr/>
                     <a:lstStyle/>
                     <a:p>
-                      <a:pPr indent="0" lvl="0" marL="0" rtl="0" algn="l">
+                      <a:pPr marL="0" lvl="0" indent="0" algn="l" rtl="0">
                         <a:spcBef>
                           <a:spcPts val="0"/>
                         </a:spcBef>
@@ -12147,16 +12451,21 @@
                       </a:endParaRPr>
                     </a:p>
                   </a:txBody>
-                  <a:tcPr marT="0" marB="0" marR="73025" marL="73025"/>
+                  <a:tcPr marL="73025" marR="73025" marT="0" marB="0"/>
                 </a:tc>
+                <a:extLst>
+                  <a:ext uri="{0D108BD9-81ED-4DB2-BD59-A6C34878D82A}">
+                    <a16:rowId xmlns:a16="http://schemas.microsoft.com/office/drawing/2014/main" val="10004"/>
+                  </a:ext>
+                </a:extLst>
               </a:tr>
-              <a:tr h="12700">
+              <a:tr h="0">
                 <a:tc>
                   <a:txBody>
                     <a:bodyPr/>
                     <a:lstStyle/>
                     <a:p>
-                      <a:pPr indent="0" lvl="0" marL="0" rtl="0" algn="l">
+                      <a:pPr marL="0" lvl="0" indent="0" algn="l" rtl="0">
                         <a:spcBef>
                           <a:spcPts val="0"/>
                         </a:spcBef>
@@ -12166,7 +12475,7 @@
                         <a:buNone/>
                       </a:pPr>
                       <a:r>
-                        <a:rPr b="1" lang="de">
+                        <a:rPr lang="de" b="1">
                           <a:latin typeface="Calibri"/>
                           <a:ea typeface="Calibri"/>
                           <a:cs typeface="Calibri"/>
@@ -12182,7 +12491,7 @@
                       </a:endParaRPr>
                     </a:p>
                   </a:txBody>
-                  <a:tcPr marT="0" marB="0" marR="73025" marL="73025">
+                  <a:tcPr marL="73025" marR="73025" marT="0" marB="0">
                     <a:solidFill>
                       <a:srgbClr val="BFBFBF"/>
                     </a:solidFill>
@@ -12193,7 +12502,7 @@
                     <a:bodyPr/>
                     <a:lstStyle/>
                     <a:p>
-                      <a:pPr indent="0" lvl="0" marL="0" rtl="0" algn="l">
+                      <a:pPr marL="0" lvl="0" indent="0" algn="l" rtl="0">
                         <a:spcBef>
                           <a:spcPts val="0"/>
                         </a:spcBef>
@@ -12202,9 +12511,6 @@
                         </a:spcAft>
                         <a:buNone/>
                       </a:pPr>
-                      <a:r>
-                        <a:t/>
-                      </a:r>
                       <a:endParaRPr>
                         <a:latin typeface="Calibri"/>
                         <a:ea typeface="Calibri"/>
@@ -12213,8 +12519,13 @@
                       </a:endParaRPr>
                     </a:p>
                   </a:txBody>
-                  <a:tcPr marT="0" marB="0" marR="73025" marL="73025"/>
+                  <a:tcPr marL="73025" marR="73025" marT="0" marB="0"/>
                 </a:tc>
+                <a:extLst>
+                  <a:ext uri="{0D108BD9-81ED-4DB2-BD59-A6C34878D82A}">
+                    <a16:rowId xmlns:a16="http://schemas.microsoft.com/office/drawing/2014/main" val="10005"/>
+                  </a:ext>
+                </a:extLst>
               </a:tr>
             </a:tbl>
           </a:graphicData>
@@ -12229,11 +12540,11 @@
 </file>
 
 <file path=ppt/slides/slide5.xml><?xml version="1.0" encoding="utf-8"?>
-<p:sld xmlns:a="http://schemas.openxmlformats.org/drawingml/2006/main" xmlns:r="http://schemas.openxmlformats.org/officeDocument/2006/relationships" xmlns:mc="http://schemas.openxmlformats.org/markup-compatibility/2006" xmlns:mv="urn:schemas-microsoft-com:mac:vml" xmlns:p="http://schemas.openxmlformats.org/presentationml/2006/main" xmlns:c="http://schemas.openxmlformats.org/drawingml/2006/chart" xmlns:dgm="http://schemas.openxmlformats.org/drawingml/2006/diagram" xmlns:o="urn:schemas-microsoft-com:office:office" xmlns:v="urn:schemas-microsoft-com:vml" xmlns:pvml="urn:schemas-microsoft-com:office:powerpoint" xmlns:com="http://schemas.openxmlformats.org/drawingml/2006/compatibility" xmlns:p14="http://schemas.microsoft.com/office/powerpoint/2010/main" xmlns:p15="http://schemas.microsoft.com/office/powerpoint/2012/main">
+<p:sld xmlns:a="http://schemas.openxmlformats.org/drawingml/2006/main" xmlns:r="http://schemas.openxmlformats.org/officeDocument/2006/relationships" xmlns:p="http://schemas.openxmlformats.org/presentationml/2006/main">
   <p:cSld>
     <p:spTree>
       <p:nvGrpSpPr>
-        <p:cNvPr id="115" name="Shape 115"/>
+        <p:cNvPr id="1" name="Shape 115"/>
         <p:cNvGrpSpPr/>
         <p:nvPr/>
       </p:nvGrpSpPr>
@@ -12248,7 +12559,9 @@
       <p:sp>
         <p:nvSpPr>
           <p:cNvPr id="116" name="Google Shape;116;p17"/>
-          <p:cNvSpPr txBox="1"/>
+          <p:cNvSpPr txBox="1">
+            <a:spLocks noGrp="1"/>
+          </p:cNvSpPr>
           <p:nvPr>
             <p:ph type="title"/>
           </p:nvPr>
@@ -12263,12 +12576,12 @@
           </a:prstGeom>
         </p:spPr>
         <p:txBody>
-          <a:bodyPr anchorCtr="0" anchor="t" bIns="91425" lIns="91425" spcFirstLastPara="1" rIns="91425" wrap="square" tIns="91425">
+          <a:bodyPr spcFirstLastPara="1" wrap="square" lIns="91425" tIns="91425" rIns="91425" bIns="91425" anchor="t" anchorCtr="0">
             <a:noAutofit/>
           </a:bodyPr>
           <a:lstStyle/>
           <a:p>
-            <a:pPr indent="0" lvl="0" marL="0" rtl="0" algn="l">
+            <a:pPr marL="0" lvl="0" indent="0" algn="l" rtl="0">
               <a:spcBef>
                 <a:spcPts val="0"/>
               </a:spcBef>
@@ -12288,9 +12601,11 @@
       <p:sp>
         <p:nvSpPr>
           <p:cNvPr id="117" name="Google Shape;117;p17"/>
-          <p:cNvSpPr txBox="1"/>
+          <p:cNvSpPr txBox="1">
+            <a:spLocks noGrp="1"/>
+          </p:cNvSpPr>
           <p:nvPr>
-            <p:ph idx="12" type="sldNum"/>
+            <p:ph type="sldNum" idx="12"/>
           </p:nvPr>
         </p:nvSpPr>
         <p:spPr>
@@ -12303,12 +12618,12 @@
           </a:prstGeom>
         </p:spPr>
         <p:txBody>
-          <a:bodyPr anchorCtr="0" anchor="ctr" bIns="91425" lIns="91425" spcFirstLastPara="1" rIns="91425" wrap="square" tIns="91425">
+          <a:bodyPr spcFirstLastPara="1" wrap="square" lIns="91425" tIns="91425" rIns="91425" bIns="91425" anchor="ctr" anchorCtr="0">
             <a:noAutofit/>
           </a:bodyPr>
           <a:lstStyle/>
           <a:p>
-            <a:pPr indent="0" lvl="0" marL="0" rtl="0" algn="r">
+            <a:pPr marL="0" lvl="0" indent="0" algn="r" rtl="0">
               <a:spcBef>
                 <a:spcPts val="0"/>
               </a:spcBef>
@@ -12319,7 +12634,7 @@
             </a:pPr>
             <a:fld id="{00000000-1234-1234-1234-123412341234}" type="slidenum">
               <a:rPr lang="de"/>
-              <a:t>‹#›</a:t>
+              <a:t>5</a:t>
             </a:fld>
             <a:endParaRPr/>
           </a:p>
@@ -12373,12 +12688,12 @@
           </a:ln>
         </p:spPr>
         <p:txBody>
-          <a:bodyPr anchorCtr="0" anchor="t" bIns="91425" lIns="91425" spcFirstLastPara="1" rIns="91425" wrap="square" tIns="91425">
+          <a:bodyPr spcFirstLastPara="1" wrap="square" lIns="91425" tIns="91425" rIns="91425" bIns="91425" anchor="t" anchorCtr="0">
             <a:noAutofit/>
           </a:bodyPr>
           <a:lstStyle/>
           <a:p>
-            <a:pPr indent="0" lvl="0" marL="0" rtl="0" algn="l">
+            <a:pPr marL="0" lvl="0" indent="0" algn="l" rtl="0">
               <a:spcBef>
                 <a:spcPts val="0"/>
               </a:spcBef>
@@ -12420,23 +12735,23 @@
             <a:avLst/>
           </a:prstGeom>
           <a:noFill/>
-          <a:ln cap="flat" cmpd="sng" w="9525">
+          <a:ln w="9525" cap="flat" cmpd="sng">
             <a:solidFill>
               <a:srgbClr val="B7B7B7"/>
             </a:solidFill>
             <a:prstDash val="solid"/>
             <a:round/>
-            <a:headEnd len="sm" w="sm" type="none"/>
-            <a:tailEnd len="sm" w="sm" type="none"/>
+            <a:headEnd type="none" w="sm" len="sm"/>
+            <a:tailEnd type="none" w="sm" len="sm"/>
           </a:ln>
         </p:spPr>
         <p:txBody>
-          <a:bodyPr anchorCtr="0" anchor="t" bIns="91425" lIns="91425" spcFirstLastPara="1" rIns="91425" wrap="square" tIns="91425">
+          <a:bodyPr spcFirstLastPara="1" wrap="square" lIns="91425" tIns="91425" rIns="91425" bIns="91425" anchor="t" anchorCtr="0">
             <a:noAutofit/>
           </a:bodyPr>
           <a:lstStyle/>
           <a:p>
-            <a:pPr indent="0" lvl="0" marL="0" rtl="0" algn="l">
+            <a:pPr marL="0" lvl="0" indent="0" algn="l" rtl="0">
               <a:spcBef>
                 <a:spcPts val="0"/>
               </a:spcBef>
@@ -12472,11 +12787,11 @@
 </file>
 
 <file path=ppt/slides/slide6.xml><?xml version="1.0" encoding="utf-8"?>
-<p:sld xmlns:a="http://schemas.openxmlformats.org/drawingml/2006/main" xmlns:r="http://schemas.openxmlformats.org/officeDocument/2006/relationships" xmlns:mc="http://schemas.openxmlformats.org/markup-compatibility/2006" xmlns:mv="urn:schemas-microsoft-com:mac:vml" xmlns:p="http://schemas.openxmlformats.org/presentationml/2006/main" xmlns:c="http://schemas.openxmlformats.org/drawingml/2006/chart" xmlns:dgm="http://schemas.openxmlformats.org/drawingml/2006/diagram" xmlns:o="urn:schemas-microsoft-com:office:office" xmlns:v="urn:schemas-microsoft-com:vml" xmlns:pvml="urn:schemas-microsoft-com:office:powerpoint" xmlns:com="http://schemas.openxmlformats.org/drawingml/2006/compatibility" xmlns:p14="http://schemas.microsoft.com/office/powerpoint/2010/main" xmlns:p15="http://schemas.microsoft.com/office/powerpoint/2012/main">
+<p:sld xmlns:a="http://schemas.openxmlformats.org/drawingml/2006/main" xmlns:r="http://schemas.openxmlformats.org/officeDocument/2006/relationships" xmlns:p="http://schemas.openxmlformats.org/presentationml/2006/main">
   <p:cSld>
     <p:spTree>
       <p:nvGrpSpPr>
-        <p:cNvPr id="124" name="Shape 124"/>
+        <p:cNvPr id="1" name="Shape 124"/>
         <p:cNvGrpSpPr/>
         <p:nvPr/>
       </p:nvGrpSpPr>
@@ -12491,7 +12806,9 @@
       <p:sp>
         <p:nvSpPr>
           <p:cNvPr id="125" name="Google Shape;125;p18"/>
-          <p:cNvSpPr txBox="1"/>
+          <p:cNvSpPr txBox="1">
+            <a:spLocks noGrp="1"/>
+          </p:cNvSpPr>
           <p:nvPr>
             <p:ph type="title"/>
           </p:nvPr>
@@ -12506,12 +12823,12 @@
           </a:prstGeom>
         </p:spPr>
         <p:txBody>
-          <a:bodyPr anchorCtr="0" anchor="t" bIns="91425" lIns="91425" spcFirstLastPara="1" rIns="91425" wrap="square" tIns="91425">
+          <a:bodyPr spcFirstLastPara="1" wrap="square" lIns="91425" tIns="91425" rIns="91425" bIns="91425" anchor="t" anchorCtr="0">
             <a:noAutofit/>
           </a:bodyPr>
           <a:lstStyle/>
           <a:p>
-            <a:pPr indent="0" lvl="0" marL="0" rtl="0" algn="l">
+            <a:pPr marL="0" lvl="0" indent="0" algn="l" rtl="0">
               <a:spcBef>
                 <a:spcPts val="0"/>
               </a:spcBef>
@@ -12548,12 +12865,12 @@
           </a:ln>
         </p:spPr>
         <p:txBody>
-          <a:bodyPr anchorCtr="0" anchor="t" bIns="91425" lIns="91425" spcFirstLastPara="1" rIns="91425" wrap="square" tIns="91425">
+          <a:bodyPr spcFirstLastPara="1" wrap="square" lIns="91425" tIns="91425" rIns="91425" bIns="91425" anchor="t" anchorCtr="0">
             <a:noAutofit/>
           </a:bodyPr>
           <a:lstStyle/>
           <a:p>
-            <a:pPr indent="0" lvl="0" marL="0" rtl="0" algn="l">
+            <a:pPr marL="0" lvl="0" indent="0" algn="l" rtl="0">
               <a:spcBef>
                 <a:spcPts val="0"/>
               </a:spcBef>
@@ -12583,9 +12900,11 @@
       <p:sp>
         <p:nvSpPr>
           <p:cNvPr id="127" name="Google Shape;127;p18"/>
-          <p:cNvSpPr txBox="1"/>
+          <p:cNvSpPr txBox="1">
+            <a:spLocks noGrp="1"/>
+          </p:cNvSpPr>
           <p:nvPr>
-            <p:ph idx="12" type="sldNum"/>
+            <p:ph type="sldNum" idx="12"/>
           </p:nvPr>
         </p:nvSpPr>
         <p:spPr>
@@ -12598,12 +12917,12 @@
           </a:prstGeom>
         </p:spPr>
         <p:txBody>
-          <a:bodyPr anchorCtr="0" anchor="ctr" bIns="91425" lIns="91425" spcFirstLastPara="1" rIns="91425" wrap="square" tIns="91425">
+          <a:bodyPr spcFirstLastPara="1" wrap="square" lIns="91425" tIns="91425" rIns="91425" bIns="91425" anchor="ctr" anchorCtr="0">
             <a:noAutofit/>
           </a:bodyPr>
           <a:lstStyle/>
           <a:p>
-            <a:pPr indent="0" lvl="0" marL="0" rtl="0" algn="r">
+            <a:pPr marL="0" lvl="0" indent="0" algn="r" rtl="0">
               <a:spcBef>
                 <a:spcPts val="0"/>
               </a:spcBef>
@@ -12614,7 +12933,7 @@
             </a:pPr>
             <a:fld id="{00000000-1234-1234-1234-123412341234}" type="slidenum">
               <a:rPr lang="de"/>
-              <a:t>‹#›</a:t>
+              <a:t>6</a:t>
             </a:fld>
             <a:endParaRPr/>
           </a:p>
@@ -12663,23 +12982,23 @@
             <a:avLst/>
           </a:prstGeom>
           <a:noFill/>
-          <a:ln cap="flat" cmpd="sng" w="9525">
+          <a:ln w="9525" cap="flat" cmpd="sng">
             <a:solidFill>
               <a:srgbClr val="B7B7B7"/>
             </a:solidFill>
             <a:prstDash val="solid"/>
             <a:round/>
-            <a:headEnd len="sm" w="sm" type="none"/>
-            <a:tailEnd len="sm" w="sm" type="none"/>
+            <a:headEnd type="none" w="sm" len="sm"/>
+            <a:tailEnd type="none" w="sm" len="sm"/>
           </a:ln>
         </p:spPr>
         <p:txBody>
-          <a:bodyPr anchorCtr="0" anchor="t" bIns="91425" lIns="91425" spcFirstLastPara="1" rIns="91425" wrap="square" tIns="91425">
+          <a:bodyPr spcFirstLastPara="1" wrap="square" lIns="91425" tIns="91425" rIns="91425" bIns="91425" anchor="t" anchorCtr="0">
             <a:noAutofit/>
           </a:bodyPr>
           <a:lstStyle/>
           <a:p>
-            <a:pPr indent="0" lvl="0" marL="0" rtl="0" algn="l">
+            <a:pPr marL="0" lvl="0" indent="0" algn="l" rtl="0">
               <a:spcBef>
                 <a:spcPts val="0"/>
               </a:spcBef>
@@ -12715,11 +13034,11 @@
 </file>
 
 <file path=ppt/slides/slide7.xml><?xml version="1.0" encoding="utf-8"?>
-<p:sld xmlns:a="http://schemas.openxmlformats.org/drawingml/2006/main" xmlns:r="http://schemas.openxmlformats.org/officeDocument/2006/relationships" xmlns:mc="http://schemas.openxmlformats.org/markup-compatibility/2006" xmlns:mv="urn:schemas-microsoft-com:mac:vml" xmlns:p="http://schemas.openxmlformats.org/presentationml/2006/main" xmlns:c="http://schemas.openxmlformats.org/drawingml/2006/chart" xmlns:dgm="http://schemas.openxmlformats.org/drawingml/2006/diagram" xmlns:o="urn:schemas-microsoft-com:office:office" xmlns:v="urn:schemas-microsoft-com:vml" xmlns:pvml="urn:schemas-microsoft-com:office:powerpoint" xmlns:com="http://schemas.openxmlformats.org/drawingml/2006/compatibility" xmlns:p14="http://schemas.microsoft.com/office/powerpoint/2010/main" xmlns:p15="http://schemas.microsoft.com/office/powerpoint/2012/main">
+<p:sld xmlns:a="http://schemas.openxmlformats.org/drawingml/2006/main" xmlns:r="http://schemas.openxmlformats.org/officeDocument/2006/relationships" xmlns:p="http://schemas.openxmlformats.org/presentationml/2006/main">
   <p:cSld>
     <p:spTree>
       <p:nvGrpSpPr>
-        <p:cNvPr id="133" name="Shape 133"/>
+        <p:cNvPr id="1" name="Shape 133"/>
         <p:cNvGrpSpPr/>
         <p:nvPr/>
       </p:nvGrpSpPr>
@@ -12734,7 +13053,9 @@
       <p:sp>
         <p:nvSpPr>
           <p:cNvPr id="134" name="Google Shape;134;p19"/>
-          <p:cNvSpPr txBox="1"/>
+          <p:cNvSpPr txBox="1">
+            <a:spLocks noGrp="1"/>
+          </p:cNvSpPr>
           <p:nvPr>
             <p:ph type="title"/>
           </p:nvPr>
@@ -12749,12 +13070,12 @@
           </a:prstGeom>
         </p:spPr>
         <p:txBody>
-          <a:bodyPr anchorCtr="0" anchor="t" bIns="91425" lIns="91425" spcFirstLastPara="1" rIns="91425" wrap="square" tIns="91425">
+          <a:bodyPr spcFirstLastPara="1" wrap="square" lIns="91425" tIns="91425" rIns="91425" bIns="91425" anchor="t" anchorCtr="0">
             <a:noAutofit/>
           </a:bodyPr>
           <a:lstStyle/>
           <a:p>
-            <a:pPr indent="0" lvl="0" marL="0" rtl="0" algn="l">
+            <a:pPr marL="0" lvl="0" indent="0" algn="l" rtl="0">
               <a:spcBef>
                 <a:spcPts val="0"/>
               </a:spcBef>
@@ -12791,12 +13112,12 @@
           </a:ln>
         </p:spPr>
         <p:txBody>
-          <a:bodyPr anchorCtr="0" anchor="t" bIns="91425" lIns="91425" spcFirstLastPara="1" rIns="91425" wrap="square" tIns="91425">
+          <a:bodyPr spcFirstLastPara="1" wrap="square" lIns="91425" tIns="91425" rIns="91425" bIns="91425" anchor="t" anchorCtr="0">
             <a:noAutofit/>
           </a:bodyPr>
           <a:lstStyle/>
           <a:p>
-            <a:pPr indent="0" lvl="0" marL="0" rtl="0" algn="l">
+            <a:pPr marL="0" lvl="0" indent="0" algn="l" rtl="0">
               <a:spcBef>
                 <a:spcPts val="0"/>
               </a:spcBef>
@@ -12826,9 +13147,11 @@
       <p:sp>
         <p:nvSpPr>
           <p:cNvPr id="136" name="Google Shape;136;p19"/>
-          <p:cNvSpPr txBox="1"/>
+          <p:cNvSpPr txBox="1">
+            <a:spLocks noGrp="1"/>
+          </p:cNvSpPr>
           <p:nvPr>
-            <p:ph idx="12" type="sldNum"/>
+            <p:ph type="sldNum" idx="12"/>
           </p:nvPr>
         </p:nvSpPr>
         <p:spPr>
@@ -12841,12 +13164,12 @@
           </a:prstGeom>
         </p:spPr>
         <p:txBody>
-          <a:bodyPr anchorCtr="0" anchor="ctr" bIns="91425" lIns="91425" spcFirstLastPara="1" rIns="91425" wrap="square" tIns="91425">
+          <a:bodyPr spcFirstLastPara="1" wrap="square" lIns="91425" tIns="91425" rIns="91425" bIns="91425" anchor="ctr" anchorCtr="0">
             <a:noAutofit/>
           </a:bodyPr>
           <a:lstStyle/>
           <a:p>
-            <a:pPr indent="0" lvl="0" marL="0" rtl="0" algn="r">
+            <a:pPr marL="0" lvl="0" indent="0" algn="r" rtl="0">
               <a:spcBef>
                 <a:spcPts val="0"/>
               </a:spcBef>
@@ -12857,7 +13180,7 @@
             </a:pPr>
             <a:fld id="{00000000-1234-1234-1234-123412341234}" type="slidenum">
               <a:rPr lang="de"/>
-              <a:t>‹#›</a:t>
+              <a:t>7</a:t>
             </a:fld>
             <a:endParaRPr/>
           </a:p>
@@ -12906,23 +13229,23 @@
             <a:avLst/>
           </a:prstGeom>
           <a:noFill/>
-          <a:ln cap="flat" cmpd="sng" w="9525">
+          <a:ln w="9525" cap="flat" cmpd="sng">
             <a:solidFill>
               <a:srgbClr val="B7B7B7"/>
             </a:solidFill>
             <a:prstDash val="solid"/>
             <a:round/>
-            <a:headEnd len="sm" w="sm" type="none"/>
-            <a:tailEnd len="sm" w="sm" type="none"/>
+            <a:headEnd type="none" w="sm" len="sm"/>
+            <a:tailEnd type="none" w="sm" len="sm"/>
           </a:ln>
         </p:spPr>
         <p:txBody>
-          <a:bodyPr anchorCtr="0" anchor="t" bIns="91425" lIns="91425" spcFirstLastPara="1" rIns="91425" wrap="square" tIns="91425">
+          <a:bodyPr spcFirstLastPara="1" wrap="square" lIns="91425" tIns="91425" rIns="91425" bIns="91425" anchor="t" anchorCtr="0">
             <a:noAutofit/>
           </a:bodyPr>
           <a:lstStyle/>
           <a:p>
-            <a:pPr indent="0" lvl="0" marL="0" rtl="0" algn="l">
+            <a:pPr marL="0" lvl="0" indent="0" algn="l" rtl="0">
               <a:spcBef>
                 <a:spcPts val="0"/>
               </a:spcBef>
@@ -12958,11 +13281,11 @@
 </file>
 
 <file path=ppt/slides/slide8.xml><?xml version="1.0" encoding="utf-8"?>
-<p:sld xmlns:a="http://schemas.openxmlformats.org/drawingml/2006/main" xmlns:r="http://schemas.openxmlformats.org/officeDocument/2006/relationships" xmlns:mc="http://schemas.openxmlformats.org/markup-compatibility/2006" xmlns:mv="urn:schemas-microsoft-com:mac:vml" xmlns:p="http://schemas.openxmlformats.org/presentationml/2006/main" xmlns:c="http://schemas.openxmlformats.org/drawingml/2006/chart" xmlns:dgm="http://schemas.openxmlformats.org/drawingml/2006/diagram" xmlns:o="urn:schemas-microsoft-com:office:office" xmlns:v="urn:schemas-microsoft-com:vml" xmlns:pvml="urn:schemas-microsoft-com:office:powerpoint" xmlns:com="http://schemas.openxmlformats.org/drawingml/2006/compatibility" xmlns:p14="http://schemas.microsoft.com/office/powerpoint/2010/main" xmlns:p15="http://schemas.microsoft.com/office/powerpoint/2012/main">
+<p:sld xmlns:a="http://schemas.openxmlformats.org/drawingml/2006/main" xmlns:r="http://schemas.openxmlformats.org/officeDocument/2006/relationships" xmlns:p="http://schemas.openxmlformats.org/presentationml/2006/main">
   <p:cSld>
     <p:spTree>
       <p:nvGrpSpPr>
-        <p:cNvPr id="142" name="Shape 142"/>
+        <p:cNvPr id="1" name="Shape 142"/>
         <p:cNvGrpSpPr/>
         <p:nvPr/>
       </p:nvGrpSpPr>
@@ -12977,7 +13300,9 @@
       <p:sp>
         <p:nvSpPr>
           <p:cNvPr id="143" name="Google Shape;143;p20"/>
-          <p:cNvSpPr txBox="1"/>
+          <p:cNvSpPr txBox="1">
+            <a:spLocks noGrp="1"/>
+          </p:cNvSpPr>
           <p:nvPr>
             <p:ph type="title"/>
           </p:nvPr>
@@ -12992,12 +13317,12 @@
           </a:prstGeom>
         </p:spPr>
         <p:txBody>
-          <a:bodyPr anchorCtr="0" anchor="t" bIns="91425" lIns="91425" spcFirstLastPara="1" rIns="91425" wrap="square" tIns="91425">
+          <a:bodyPr spcFirstLastPara="1" wrap="square" lIns="91425" tIns="91425" rIns="91425" bIns="91425" anchor="t" anchorCtr="0">
             <a:noAutofit/>
           </a:bodyPr>
           <a:lstStyle/>
           <a:p>
-            <a:pPr indent="0" lvl="0" marL="0" rtl="0" algn="l">
+            <a:pPr marL="0" lvl="0" indent="0" algn="l" rtl="0">
               <a:spcBef>
                 <a:spcPts val="0"/>
               </a:spcBef>
@@ -13034,12 +13359,12 @@
           </a:ln>
         </p:spPr>
         <p:txBody>
-          <a:bodyPr anchorCtr="0" anchor="t" bIns="91425" lIns="91425" spcFirstLastPara="1" rIns="91425" wrap="square" tIns="91425">
+          <a:bodyPr spcFirstLastPara="1" wrap="square" lIns="91425" tIns="91425" rIns="91425" bIns="91425" anchor="t" anchorCtr="0">
             <a:noAutofit/>
           </a:bodyPr>
           <a:lstStyle/>
           <a:p>
-            <a:pPr indent="0" lvl="0" marL="0" rtl="0" algn="l">
+            <a:pPr marL="0" lvl="0" indent="0" algn="l" rtl="0">
               <a:spcBef>
                 <a:spcPts val="0"/>
               </a:spcBef>
@@ -13069,9 +13394,11 @@
       <p:sp>
         <p:nvSpPr>
           <p:cNvPr id="145" name="Google Shape;145;p20"/>
-          <p:cNvSpPr txBox="1"/>
+          <p:cNvSpPr txBox="1">
+            <a:spLocks noGrp="1"/>
+          </p:cNvSpPr>
           <p:nvPr>
-            <p:ph idx="12" type="sldNum"/>
+            <p:ph type="sldNum" idx="12"/>
           </p:nvPr>
         </p:nvSpPr>
         <p:spPr>
@@ -13084,12 +13411,12 @@
           </a:prstGeom>
         </p:spPr>
         <p:txBody>
-          <a:bodyPr anchorCtr="0" anchor="ctr" bIns="91425" lIns="91425" spcFirstLastPara="1" rIns="91425" wrap="square" tIns="91425">
+          <a:bodyPr spcFirstLastPara="1" wrap="square" lIns="91425" tIns="91425" rIns="91425" bIns="91425" anchor="ctr" anchorCtr="0">
             <a:noAutofit/>
           </a:bodyPr>
           <a:lstStyle/>
           <a:p>
-            <a:pPr indent="0" lvl="0" marL="0" rtl="0" algn="r">
+            <a:pPr marL="0" lvl="0" indent="0" algn="r" rtl="0">
               <a:spcBef>
                 <a:spcPts val="0"/>
               </a:spcBef>
@@ -13100,7 +13427,7 @@
             </a:pPr>
             <a:fld id="{00000000-1234-1234-1234-123412341234}" type="slidenum">
               <a:rPr lang="de"/>
-              <a:t>‹#›</a:t>
+              <a:t>8</a:t>
             </a:fld>
             <a:endParaRPr/>
           </a:p>
@@ -13149,23 +13476,23 @@
             <a:avLst/>
           </a:prstGeom>
           <a:noFill/>
-          <a:ln cap="flat" cmpd="sng" w="9525">
+          <a:ln w="9525" cap="flat" cmpd="sng">
             <a:solidFill>
               <a:srgbClr val="B7B7B7"/>
             </a:solidFill>
             <a:prstDash val="solid"/>
             <a:round/>
-            <a:headEnd len="sm" w="sm" type="none"/>
-            <a:tailEnd len="sm" w="sm" type="none"/>
+            <a:headEnd type="none" w="sm" len="sm"/>
+            <a:tailEnd type="none" w="sm" len="sm"/>
           </a:ln>
         </p:spPr>
         <p:txBody>
-          <a:bodyPr anchorCtr="0" anchor="t" bIns="91425" lIns="91425" spcFirstLastPara="1" rIns="91425" wrap="square" tIns="91425">
+          <a:bodyPr spcFirstLastPara="1" wrap="square" lIns="91425" tIns="91425" rIns="91425" bIns="91425" anchor="t" anchorCtr="0">
             <a:noAutofit/>
           </a:bodyPr>
           <a:lstStyle/>
           <a:p>
-            <a:pPr indent="0" lvl="0" marL="0" rtl="0" algn="l">
+            <a:pPr marL="0" lvl="0" indent="0" algn="l" rtl="0">
               <a:spcBef>
                 <a:spcPts val="0"/>
               </a:spcBef>
@@ -13201,11 +13528,11 @@
 </file>
 
 <file path=ppt/slides/slide9.xml><?xml version="1.0" encoding="utf-8"?>
-<p:sld xmlns:a="http://schemas.openxmlformats.org/drawingml/2006/main" xmlns:r="http://schemas.openxmlformats.org/officeDocument/2006/relationships" xmlns:mc="http://schemas.openxmlformats.org/markup-compatibility/2006" xmlns:mv="urn:schemas-microsoft-com:mac:vml" xmlns:p="http://schemas.openxmlformats.org/presentationml/2006/main" xmlns:c="http://schemas.openxmlformats.org/drawingml/2006/chart" xmlns:dgm="http://schemas.openxmlformats.org/drawingml/2006/diagram" xmlns:o="urn:schemas-microsoft-com:office:office" xmlns:v="urn:schemas-microsoft-com:vml" xmlns:pvml="urn:schemas-microsoft-com:office:powerpoint" xmlns:com="http://schemas.openxmlformats.org/drawingml/2006/compatibility" xmlns:p14="http://schemas.microsoft.com/office/powerpoint/2010/main" xmlns:p15="http://schemas.microsoft.com/office/powerpoint/2012/main">
+<p:sld xmlns:a="http://schemas.openxmlformats.org/drawingml/2006/main" xmlns:r="http://schemas.openxmlformats.org/officeDocument/2006/relationships" xmlns:p="http://schemas.openxmlformats.org/presentationml/2006/main">
   <p:cSld>
     <p:spTree>
       <p:nvGrpSpPr>
-        <p:cNvPr id="151" name="Shape 151"/>
+        <p:cNvPr id="1" name="Shape 151"/>
         <p:cNvGrpSpPr/>
         <p:nvPr/>
       </p:nvGrpSpPr>
@@ -13220,7 +13547,9 @@
       <p:sp>
         <p:nvSpPr>
           <p:cNvPr id="152" name="Google Shape;152;p21"/>
-          <p:cNvSpPr txBox="1"/>
+          <p:cNvSpPr txBox="1">
+            <a:spLocks noGrp="1"/>
+          </p:cNvSpPr>
           <p:nvPr>
             <p:ph type="title"/>
           </p:nvPr>
@@ -13235,12 +13564,12 @@
           </a:prstGeom>
         </p:spPr>
         <p:txBody>
-          <a:bodyPr anchorCtr="0" anchor="t" bIns="91425" lIns="91425" spcFirstLastPara="1" rIns="91425" wrap="square" tIns="91425">
+          <a:bodyPr spcFirstLastPara="1" wrap="square" lIns="91425" tIns="91425" rIns="91425" bIns="91425" anchor="t" anchorCtr="0">
             <a:noAutofit/>
           </a:bodyPr>
           <a:lstStyle/>
           <a:p>
-            <a:pPr indent="0" lvl="0" marL="0" rtl="0" algn="l">
+            <a:pPr marL="0" lvl="0" indent="0" algn="l" rtl="0">
               <a:spcBef>
                 <a:spcPts val="0"/>
               </a:spcBef>
@@ -13277,12 +13606,12 @@
           </a:ln>
         </p:spPr>
         <p:txBody>
-          <a:bodyPr anchorCtr="0" anchor="t" bIns="91425" lIns="91425" spcFirstLastPara="1" rIns="91425" wrap="square" tIns="91425">
+          <a:bodyPr spcFirstLastPara="1" wrap="square" lIns="91425" tIns="91425" rIns="91425" bIns="91425" anchor="t" anchorCtr="0">
             <a:noAutofit/>
           </a:bodyPr>
           <a:lstStyle/>
           <a:p>
-            <a:pPr indent="0" lvl="0" marL="0" rtl="0" algn="l">
+            <a:pPr marL="0" lvl="0" indent="0" algn="l" rtl="0">
               <a:spcBef>
                 <a:spcPts val="0"/>
               </a:spcBef>
@@ -13312,9 +13641,11 @@
       <p:sp>
         <p:nvSpPr>
           <p:cNvPr id="154" name="Google Shape;154;p21"/>
-          <p:cNvSpPr txBox="1"/>
+          <p:cNvSpPr txBox="1">
+            <a:spLocks noGrp="1"/>
+          </p:cNvSpPr>
           <p:nvPr>
-            <p:ph idx="12" type="sldNum"/>
+            <p:ph type="sldNum" idx="12"/>
           </p:nvPr>
         </p:nvSpPr>
         <p:spPr>
@@ -13327,12 +13658,12 @@
           </a:prstGeom>
         </p:spPr>
         <p:txBody>
-          <a:bodyPr anchorCtr="0" anchor="ctr" bIns="91425" lIns="91425" spcFirstLastPara="1" rIns="91425" wrap="square" tIns="91425">
+          <a:bodyPr spcFirstLastPara="1" wrap="square" lIns="91425" tIns="91425" rIns="91425" bIns="91425" anchor="ctr" anchorCtr="0">
             <a:noAutofit/>
           </a:bodyPr>
           <a:lstStyle/>
           <a:p>
-            <a:pPr indent="0" lvl="0" marL="0" rtl="0" algn="r">
+            <a:pPr marL="0" lvl="0" indent="0" algn="r" rtl="0">
               <a:spcBef>
                 <a:spcPts val="0"/>
               </a:spcBef>
@@ -13343,7 +13674,7 @@
             </a:pPr>
             <a:fld id="{00000000-1234-1234-1234-123412341234}" type="slidenum">
               <a:rPr lang="de"/>
-              <a:t>‹#›</a:t>
+              <a:t>9</a:t>
             </a:fld>
             <a:endParaRPr/>
           </a:p>
@@ -13392,23 +13723,23 @@
             <a:avLst/>
           </a:prstGeom>
           <a:noFill/>
-          <a:ln cap="flat" cmpd="sng" w="9525">
+          <a:ln w="9525" cap="flat" cmpd="sng">
             <a:solidFill>
               <a:srgbClr val="B7B7B7"/>
             </a:solidFill>
             <a:prstDash val="solid"/>
             <a:round/>
-            <a:headEnd len="sm" w="sm" type="none"/>
-            <a:tailEnd len="sm" w="sm" type="none"/>
+            <a:headEnd type="none" w="sm" len="sm"/>
+            <a:tailEnd type="none" w="sm" len="sm"/>
           </a:ln>
         </p:spPr>
         <p:txBody>
-          <a:bodyPr anchorCtr="0" anchor="t" bIns="91425" lIns="91425" spcFirstLastPara="1" rIns="91425" wrap="square" tIns="91425">
+          <a:bodyPr spcFirstLastPara="1" wrap="square" lIns="91425" tIns="91425" rIns="91425" bIns="91425" anchor="t" anchorCtr="0">
             <a:noAutofit/>
           </a:bodyPr>
           <a:lstStyle/>
           <a:p>
-            <a:pPr indent="0" lvl="0" marL="0" rtl="0" algn="l">
+            <a:pPr marL="0" lvl="0" indent="0" algn="l" rtl="0">
               <a:spcBef>
                 <a:spcPts val="0"/>
               </a:spcBef>
@@ -13444,7 +13775,7 @@
 </file>
 
 <file path=ppt/theme/theme1.xml><?xml version="1.0" encoding="utf-8"?>
-<a:theme xmlns:a="http://schemas.openxmlformats.org/drawingml/2006/main" xmlns:r="http://schemas.openxmlformats.org/officeDocument/2006/relationships" name="Streamline">
+<a:theme xmlns:a="http://schemas.openxmlformats.org/drawingml/2006/main" name="Streamline">
   <a:themeElements>
     <a:clrScheme name="Streamline">
       <a:dk1>
@@ -13719,11 +14050,13 @@
       </a:bgFillStyleLst>
     </a:fmtScheme>
   </a:themeElements>
+  <a:objectDefaults/>
+  <a:extraClrSchemeLst/>
 </a:theme>
 </file>
 
 <file path=ppt/theme/theme2.xml><?xml version="1.0" encoding="utf-8"?>
-<a:theme xmlns:a="http://schemas.openxmlformats.org/drawingml/2006/main" xmlns:r="http://schemas.openxmlformats.org/officeDocument/2006/relationships">
+<a:theme xmlns:a="http://schemas.openxmlformats.org/drawingml/2006/main">
   <a:themeElements>
     <a:clrScheme name="Default">
       <a:dk1>
@@ -13998,5 +14331,7 @@
       </a:bgFillStyleLst>
     </a:fmtScheme>
   </a:themeElements>
+  <a:objectDefaults/>
+  <a:extraClrSchemeLst/>
 </a:theme>
 </file>